--- a/papers/DRCPA/docs/PerfTest - Application Monitoring.pptx
+++ b/papers/DRCPA/docs/PerfTest - Application Monitoring.pptx
@@ -5,40 +5,37 @@
     <p:sldMasterId id="2147483648" r:id="rId1"/>
   </p:sldMasterIdLst>
   <p:notesMasterIdLst>
-    <p:notesMasterId r:id="rId33"/>
+    <p:notesMasterId r:id="rId30"/>
   </p:notesMasterIdLst>
   <p:sldIdLst>
     <p:sldId id="256" r:id="rId2"/>
-    <p:sldId id="348" r:id="rId3"/>
-    <p:sldId id="341" r:id="rId4"/>
-    <p:sldId id="338" r:id="rId5"/>
-    <p:sldId id="339" r:id="rId6"/>
-    <p:sldId id="340" r:id="rId7"/>
-    <p:sldId id="264" r:id="rId8"/>
-    <p:sldId id="352" r:id="rId9"/>
-    <p:sldId id="326" r:id="rId10"/>
-    <p:sldId id="350" r:id="rId11"/>
-    <p:sldId id="351" r:id="rId12"/>
-    <p:sldId id="353" r:id="rId13"/>
-    <p:sldId id="354" r:id="rId14"/>
-    <p:sldId id="355" r:id="rId15"/>
-    <p:sldId id="356" r:id="rId16"/>
-    <p:sldId id="342" r:id="rId17"/>
-    <p:sldId id="349" r:id="rId18"/>
-    <p:sldId id="337" r:id="rId19"/>
-    <p:sldId id="325" r:id="rId20"/>
-    <p:sldId id="327" r:id="rId21"/>
-    <p:sldId id="346" r:id="rId22"/>
-    <p:sldId id="259" r:id="rId23"/>
-    <p:sldId id="257" r:id="rId24"/>
-    <p:sldId id="270" r:id="rId25"/>
-    <p:sldId id="269" r:id="rId26"/>
-    <p:sldId id="271" r:id="rId27"/>
-    <p:sldId id="343" r:id="rId28"/>
-    <p:sldId id="347" r:id="rId29"/>
-    <p:sldId id="357" r:id="rId30"/>
-    <p:sldId id="267" r:id="rId31"/>
-    <p:sldId id="268" r:id="rId32"/>
+    <p:sldId id="337" r:id="rId3"/>
+    <p:sldId id="325" r:id="rId4"/>
+    <p:sldId id="327" r:id="rId5"/>
+    <p:sldId id="372" r:id="rId6"/>
+    <p:sldId id="374" r:id="rId7"/>
+    <p:sldId id="371" r:id="rId8"/>
+    <p:sldId id="373" r:id="rId9"/>
+    <p:sldId id="346" r:id="rId10"/>
+    <p:sldId id="270" r:id="rId11"/>
+    <p:sldId id="358" r:id="rId12"/>
+    <p:sldId id="269" r:id="rId13"/>
+    <p:sldId id="271" r:id="rId14"/>
+    <p:sldId id="359" r:id="rId15"/>
+    <p:sldId id="360" r:id="rId16"/>
+    <p:sldId id="363" r:id="rId17"/>
+    <p:sldId id="362" r:id="rId18"/>
+    <p:sldId id="361" r:id="rId19"/>
+    <p:sldId id="365" r:id="rId20"/>
+    <p:sldId id="366" r:id="rId21"/>
+    <p:sldId id="364" r:id="rId22"/>
+    <p:sldId id="367" r:id="rId23"/>
+    <p:sldId id="369" r:id="rId24"/>
+    <p:sldId id="368" r:id="rId25"/>
+    <p:sldId id="343" r:id="rId26"/>
+    <p:sldId id="370" r:id="rId27"/>
+    <p:sldId id="267" r:id="rId28"/>
+    <p:sldId id="268" r:id="rId29"/>
   </p:sldIdLst>
   <p:sldSz cx="9144000" cy="6858000" type="screen4x3"/>
   <p:notesSz cx="6858000" cy="9144000"/>
@@ -223,7 +220,7 @@
             <a:fld id="{23B74013-A8FD-4950-914A-947FD22947D7}" type="datetimeFigureOut">
               <a:rPr lang="en-US" smtClean="0"/>
               <a:pPr/>
-              <a:t>9/9/2009</a:t>
+              <a:t>10/1/2009</a:t>
             </a:fld>
             <a:endParaRPr lang="en-US"/>
           </a:p>
@@ -489,100 +486,6 @@
 </p:notesMaster>
 </file>
 
-<file path=ppt/notesSlides/notesSlide1.xml><?xml version="1.0" encoding="utf-8"?>
-<p:notes xmlns:a="http://schemas.openxmlformats.org/drawingml/2006/main" xmlns:r="http://schemas.openxmlformats.org/officeDocument/2006/relationships" xmlns:p="http://schemas.openxmlformats.org/presentationml/2006/main">
-  <p:cSld>
-    <p:spTree>
-      <p:nvGrpSpPr>
-        <p:cNvPr id="1" name=""/>
-        <p:cNvGrpSpPr/>
-        <p:nvPr/>
-      </p:nvGrpSpPr>
-      <p:grpSpPr>
-        <a:xfrm>
-          <a:off x="0" y="0"/>
-          <a:ext cx="0" cy="0"/>
-          <a:chOff x="0" y="0"/>
-          <a:chExt cx="0" cy="0"/>
-        </a:xfrm>
-      </p:grpSpPr>
-      <p:sp>
-        <p:nvSpPr>
-          <p:cNvPr id="2" name="Slide Image Placeholder 1"/>
-          <p:cNvSpPr>
-            <a:spLocks noGrp="1" noRot="1" noChangeAspect="1"/>
-          </p:cNvSpPr>
-          <p:nvPr>
-            <p:ph type="sldImg"/>
-          </p:nvPr>
-        </p:nvSpPr>
-        <p:spPr/>
-      </p:sp>
-      <p:sp>
-        <p:nvSpPr>
-          <p:cNvPr id="3" name="Notes Placeholder 2"/>
-          <p:cNvSpPr>
-            <a:spLocks noGrp="1"/>
-          </p:cNvSpPr>
-          <p:nvPr>
-            <p:ph type="body" idx="1"/>
-          </p:nvPr>
-        </p:nvSpPr>
-        <p:spPr/>
-        <p:txBody>
-          <a:bodyPr>
-            <a:normAutofit/>
-          </a:bodyPr>
-          <a:lstStyle/>
-          <a:p>
-            <a:r>
-              <a:rPr lang="en-US" dirty="0" smtClean="0"/>
-              <a:t>3451 &lt;- x</a:t>
-            </a:r>
-          </a:p>
-          <a:p>
-            <a:r>
-              <a:rPr lang="en-US" dirty="0" smtClean="0"/>
-              <a:t>4513 &lt;- </a:t>
-            </a:r>
-          </a:p>
-          <a:p>
-            <a:endParaRPr lang="en-US" dirty="0"/>
-          </a:p>
-        </p:txBody>
-      </p:sp>
-      <p:sp>
-        <p:nvSpPr>
-          <p:cNvPr id="4" name="Slide Number Placeholder 3"/>
-          <p:cNvSpPr>
-            <a:spLocks noGrp="1"/>
-          </p:cNvSpPr>
-          <p:nvPr>
-            <p:ph type="sldNum" sz="quarter" idx="10"/>
-          </p:nvPr>
-        </p:nvSpPr>
-        <p:spPr/>
-        <p:txBody>
-          <a:bodyPr/>
-          <a:lstStyle/>
-          <a:p>
-            <a:fld id="{DCBA3738-5D15-4DEB-AF16-C90C2A9CF5FF}" type="slidenum">
-              <a:rPr lang="en-US" smtClean="0"/>
-              <a:pPr/>
-              <a:t>4</a:t>
-            </a:fld>
-            <a:endParaRPr lang="en-US"/>
-          </a:p>
-        </p:txBody>
-      </p:sp>
-    </p:spTree>
-  </p:cSld>
-  <p:clrMapOvr>
-    <a:masterClrMapping/>
-  </p:clrMapOvr>
-</p:notes>
-</file>
-
 <file path=ppt/slideLayouts/slideLayout1.xml><?xml version="1.0" encoding="utf-8"?>
 <p:sldLayout xmlns:a="http://schemas.openxmlformats.org/drawingml/2006/main" xmlns:r="http://schemas.openxmlformats.org/officeDocument/2006/relationships" xmlns:p="http://schemas.openxmlformats.org/presentationml/2006/main" type="title" preserve="1">
   <p:cSld name="Title Slide">
@@ -770,7 +673,7 @@
             <a:fld id="{C60591B3-B4ED-4C31-8AEF-63EEC6A32F51}" type="datetimeFigureOut">
               <a:rPr lang="en-US" smtClean="0"/>
               <a:pPr/>
-              <a:t>9/9/2009</a:t>
+              <a:t>10/1/2009</a:t>
             </a:fld>
             <a:endParaRPr lang="en-US"/>
           </a:p>
@@ -937,7 +840,7 @@
             <a:fld id="{C60591B3-B4ED-4C31-8AEF-63EEC6A32F51}" type="datetimeFigureOut">
               <a:rPr lang="en-US" smtClean="0"/>
               <a:pPr/>
-              <a:t>9/9/2009</a:t>
+              <a:t>10/1/2009</a:t>
             </a:fld>
             <a:endParaRPr lang="en-US"/>
           </a:p>
@@ -1114,7 +1017,7 @@
             <a:fld id="{C60591B3-B4ED-4C31-8AEF-63EEC6A32F51}" type="datetimeFigureOut">
               <a:rPr lang="en-US" smtClean="0"/>
               <a:pPr/>
-              <a:t>9/9/2009</a:t>
+              <a:t>10/1/2009</a:t>
             </a:fld>
             <a:endParaRPr lang="en-US"/>
           </a:p>
@@ -1281,7 +1184,7 @@
             <a:fld id="{C60591B3-B4ED-4C31-8AEF-63EEC6A32F51}" type="datetimeFigureOut">
               <a:rPr lang="en-US" smtClean="0"/>
               <a:pPr/>
-              <a:t>9/9/2009</a:t>
+              <a:t>10/1/2009</a:t>
             </a:fld>
             <a:endParaRPr lang="en-US"/>
           </a:p>
@@ -1529,7 +1432,7 @@
             <a:fld id="{C60591B3-B4ED-4C31-8AEF-63EEC6A32F51}" type="datetimeFigureOut">
               <a:rPr lang="en-US" smtClean="0"/>
               <a:pPr/>
-              <a:t>9/9/2009</a:t>
+              <a:t>10/1/2009</a:t>
             </a:fld>
             <a:endParaRPr lang="en-US"/>
           </a:p>
@@ -1814,7 +1717,7 @@
             <a:fld id="{C60591B3-B4ED-4C31-8AEF-63EEC6A32F51}" type="datetimeFigureOut">
               <a:rPr lang="en-US" smtClean="0"/>
               <a:pPr/>
-              <a:t>9/9/2009</a:t>
+              <a:t>10/1/2009</a:t>
             </a:fld>
             <a:endParaRPr lang="en-US"/>
           </a:p>
@@ -2233,7 +2136,7 @@
             <a:fld id="{C60591B3-B4ED-4C31-8AEF-63EEC6A32F51}" type="datetimeFigureOut">
               <a:rPr lang="en-US" smtClean="0"/>
               <a:pPr/>
-              <a:t>9/9/2009</a:t>
+              <a:t>10/1/2009</a:t>
             </a:fld>
             <a:endParaRPr lang="en-US"/>
           </a:p>
@@ -2348,7 +2251,7 @@
             <a:fld id="{C60591B3-B4ED-4C31-8AEF-63EEC6A32F51}" type="datetimeFigureOut">
               <a:rPr lang="en-US" smtClean="0"/>
               <a:pPr/>
-              <a:t>9/9/2009</a:t>
+              <a:t>10/1/2009</a:t>
             </a:fld>
             <a:endParaRPr lang="en-US"/>
           </a:p>
@@ -2440,7 +2343,7 @@
             <a:fld id="{C60591B3-B4ED-4C31-8AEF-63EEC6A32F51}" type="datetimeFigureOut">
               <a:rPr lang="en-US" smtClean="0"/>
               <a:pPr/>
-              <a:t>9/9/2009</a:t>
+              <a:t>10/1/2009</a:t>
             </a:fld>
             <a:endParaRPr lang="en-US"/>
           </a:p>
@@ -2714,7 +2617,7 @@
             <a:fld id="{C60591B3-B4ED-4C31-8AEF-63EEC6A32F51}" type="datetimeFigureOut">
               <a:rPr lang="en-US" smtClean="0"/>
               <a:pPr/>
-              <a:t>9/9/2009</a:t>
+              <a:t>10/1/2009</a:t>
             </a:fld>
             <a:endParaRPr lang="en-US"/>
           </a:p>
@@ -2964,7 +2867,7 @@
             <a:fld id="{C60591B3-B4ED-4C31-8AEF-63EEC6A32F51}" type="datetimeFigureOut">
               <a:rPr lang="en-US" smtClean="0"/>
               <a:pPr/>
-              <a:t>9/9/2009</a:t>
+              <a:t>10/1/2009</a:t>
             </a:fld>
             <a:endParaRPr lang="en-US"/>
           </a:p>
@@ -3174,7 +3077,7 @@
             <a:fld id="{C60591B3-B4ED-4C31-8AEF-63EEC6A32F51}" type="datetimeFigureOut">
               <a:rPr lang="en-US" smtClean="0"/>
               <a:pPr/>
-              <a:t>9/9/2009</a:t>
+              <a:t>10/1/2009</a:t>
             </a:fld>
             <a:endParaRPr lang="en-US"/>
           </a:p>
@@ -3666,7 +3569,15 @@
           <a:p>
             <a:r>
               <a:rPr lang="en-US" dirty="0" smtClean="0"/>
-              <a:t>Last Updated: Sep. 4, 2009</a:t>
+              <a:t>Last Updated: Oct. </a:t>
+            </a:r>
+            <a:r>
+              <a:rPr lang="en-US" dirty="0" smtClean="0"/>
+              <a:t>2, </a:t>
+            </a:r>
+            <a:r>
+              <a:rPr lang="en-US" dirty="0" smtClean="0"/>
+              <a:t>2009</a:t>
             </a:r>
             <a:endParaRPr lang="en-US" dirty="0"/>
           </a:p>
@@ -3709,1016 +3620,6 @@
         </p:nvSpPr>
         <p:spPr/>
         <p:txBody>
-          <a:bodyPr/>
-          <a:lstStyle/>
-          <a:p>
-            <a:r>
-              <a:rPr lang="en-US" dirty="0" smtClean="0"/>
-              <a:t>…</a:t>
-            </a:r>
-            <a:endParaRPr lang="en-US" dirty="0"/>
-          </a:p>
-        </p:txBody>
-      </p:sp>
-      <p:sp>
-        <p:nvSpPr>
-          <p:cNvPr id="3" name="Content Placeholder 2"/>
-          <p:cNvSpPr>
-            <a:spLocks noGrp="1"/>
-          </p:cNvSpPr>
-          <p:nvPr>
-            <p:ph idx="1"/>
-          </p:nvPr>
-        </p:nvSpPr>
-        <p:spPr/>
-        <p:txBody>
-          <a:bodyPr>
-            <a:normAutofit fontScale="92500" lnSpcReduction="10000"/>
-          </a:bodyPr>
-          <a:lstStyle/>
-          <a:p>
-            <a:r>
-              <a:rPr lang="en-US" i="1" dirty="0" smtClean="0"/>
-              <a:t>{WAS_PROFILE_HOME}</a:t>
-            </a:r>
-            <a:r>
-              <a:rPr lang="en-US" dirty="0" smtClean="0"/>
-              <a:t>/</a:t>
-            </a:r>
-            <a:r>
-              <a:rPr lang="en-US" dirty="0" err="1" smtClean="0"/>
-              <a:t>config</a:t>
-            </a:r>
-            <a:r>
-              <a:rPr lang="en-US" dirty="0" smtClean="0"/>
-              <a:t>/cells/</a:t>
-            </a:r>
-            <a:r>
-              <a:rPr lang="en-US" i="1" dirty="0" smtClean="0"/>
-              <a:t>{</a:t>
-            </a:r>
-            <a:r>
-              <a:rPr lang="en-US" i="1" dirty="0" err="1" smtClean="0"/>
-              <a:t>cell_name</a:t>
-            </a:r>
-            <a:r>
-              <a:rPr lang="en-US" i="1" dirty="0" smtClean="0"/>
-              <a:t>}</a:t>
-            </a:r>
-            <a:r>
-              <a:rPr lang="en-US" dirty="0" smtClean="0"/>
-              <a:t>/nodes/</a:t>
-            </a:r>
-            <a:r>
-              <a:rPr lang="en-US" i="1" dirty="0" smtClean="0"/>
-              <a:t>{</a:t>
-            </a:r>
-            <a:r>
-              <a:rPr lang="en-US" i="1" dirty="0" err="1" smtClean="0"/>
-              <a:t>node_name</a:t>
-            </a:r>
-            <a:r>
-              <a:rPr lang="en-US" i="1" dirty="0" smtClean="0"/>
-              <a:t>}</a:t>
-            </a:r>
-            <a:r>
-              <a:rPr lang="en-US" dirty="0" smtClean="0"/>
-              <a:t>/servers/</a:t>
-            </a:r>
-            <a:r>
-              <a:rPr lang="en-US" i="1" dirty="0" smtClean="0"/>
-              <a:t>{</a:t>
-            </a:r>
-            <a:r>
-              <a:rPr lang="en-US" i="1" dirty="0" err="1" smtClean="0"/>
-              <a:t>server_name</a:t>
-            </a:r>
-            <a:r>
-              <a:rPr lang="en-US" i="1" dirty="0" smtClean="0"/>
-              <a:t>}</a:t>
-            </a:r>
-          </a:p>
-          <a:p>
-            <a:pPr lvl="1"/>
-            <a:r>
-              <a:rPr lang="en-US" dirty="0" smtClean="0"/>
-              <a:t>/opt/IBM/</a:t>
-            </a:r>
-            <a:r>
-              <a:rPr lang="en-US" dirty="0" err="1" smtClean="0"/>
-              <a:t>WebSphere</a:t>
-            </a:r>
-            <a:r>
-              <a:rPr lang="en-US" dirty="0" smtClean="0"/>
-              <a:t>/</a:t>
-            </a:r>
-            <a:r>
-              <a:rPr lang="en-US" dirty="0" err="1" smtClean="0"/>
-              <a:t>AppServer</a:t>
-            </a:r>
-            <a:r>
-              <a:rPr lang="en-US" dirty="0" smtClean="0"/>
-              <a:t>/profiles/AppSrv01/</a:t>
-            </a:r>
-            <a:r>
-              <a:rPr lang="en-US" dirty="0" err="1" smtClean="0"/>
-              <a:t>config</a:t>
-            </a:r>
-            <a:r>
-              <a:rPr lang="en-US" dirty="0" smtClean="0"/>
-              <a:t>/cells/eb2-2241-grd03Node01Cell/nodes/eb2-2241-grd03Node01/servers/server1/</a:t>
-            </a:r>
-            <a:r>
-              <a:rPr lang="en-US" dirty="0" smtClean="0">
-                <a:solidFill>
-                  <a:srgbClr val="00B0F0"/>
-                </a:solidFill>
-              </a:rPr>
-              <a:t>server.xml</a:t>
-            </a:r>
-          </a:p>
-          <a:p>
-            <a:pPr lvl="1"/>
-            <a:r>
-              <a:rPr lang="en-US" dirty="0" smtClean="0"/>
-              <a:t>/opt/IBM/</a:t>
-            </a:r>
-            <a:r>
-              <a:rPr lang="en-US" dirty="0" err="1" smtClean="0"/>
-              <a:t>WebSphere</a:t>
-            </a:r>
-            <a:r>
-              <a:rPr lang="en-US" dirty="0" smtClean="0"/>
-              <a:t>/</a:t>
-            </a:r>
-            <a:r>
-              <a:rPr lang="en-US" dirty="0" err="1" smtClean="0"/>
-              <a:t>AppServer</a:t>
-            </a:r>
-            <a:r>
-              <a:rPr lang="en-US" dirty="0" smtClean="0"/>
-              <a:t>/profiles/AppSrv01/</a:t>
-            </a:r>
-            <a:r>
-              <a:rPr lang="en-US" dirty="0" err="1" smtClean="0"/>
-              <a:t>config</a:t>
-            </a:r>
-            <a:r>
-              <a:rPr lang="en-US" dirty="0" smtClean="0"/>
-              <a:t>/cells/eb2-2241-grd03Node01Cell/nodes/eb2-2241-grd03Node01/servers/server1/</a:t>
-            </a:r>
-            <a:r>
-              <a:rPr lang="en-US" dirty="0" smtClean="0">
-                <a:solidFill>
-                  <a:srgbClr val="00B0F0"/>
-                </a:solidFill>
-              </a:rPr>
-              <a:t>variables.xml</a:t>
-            </a:r>
-          </a:p>
-          <a:p>
-            <a:r>
-              <a:rPr lang="en-US" dirty="0" smtClean="0"/>
-              <a:t>{WAS_PROFILE_HOME}/</a:t>
-            </a:r>
-            <a:r>
-              <a:rPr lang="en-US" dirty="0" err="1" smtClean="0"/>
-              <a:t>config</a:t>
-            </a:r>
-            <a:r>
-              <a:rPr lang="en-US" dirty="0" smtClean="0"/>
-              <a:t>/cells/{</a:t>
-            </a:r>
-            <a:r>
-              <a:rPr lang="en-US" dirty="0" err="1" smtClean="0"/>
-              <a:t>cell_name</a:t>
-            </a:r>
-            <a:r>
-              <a:rPr lang="en-US" dirty="0" smtClean="0"/>
-              <a:t>}</a:t>
-            </a:r>
-          </a:p>
-          <a:p>
-            <a:pPr lvl="1"/>
-            <a:r>
-              <a:rPr lang="en-US" dirty="0" smtClean="0"/>
-              <a:t>/opt/IBM/</a:t>
-            </a:r>
-            <a:r>
-              <a:rPr lang="en-US" dirty="0" err="1" smtClean="0"/>
-              <a:t>WebSphere</a:t>
-            </a:r>
-            <a:r>
-              <a:rPr lang="en-US" dirty="0" smtClean="0"/>
-              <a:t>/</a:t>
-            </a:r>
-            <a:r>
-              <a:rPr lang="en-US" dirty="0" err="1" smtClean="0"/>
-              <a:t>AppServer</a:t>
-            </a:r>
-            <a:r>
-              <a:rPr lang="en-US" dirty="0" smtClean="0"/>
-              <a:t>/profiles/AppSrv01/</a:t>
-            </a:r>
-            <a:r>
-              <a:rPr lang="en-US" dirty="0" err="1" smtClean="0"/>
-              <a:t>config</a:t>
-            </a:r>
-            <a:r>
-              <a:rPr lang="en-US" dirty="0" smtClean="0"/>
-              <a:t>/cells/eb2-2241-grd03Node01Cell/</a:t>
-            </a:r>
-            <a:r>
-              <a:rPr lang="en-US" dirty="0" smtClean="0">
-                <a:solidFill>
-                  <a:srgbClr val="00B0F0"/>
-                </a:solidFill>
-              </a:rPr>
-              <a:t>pmirm.xml</a:t>
-            </a:r>
-          </a:p>
-        </p:txBody>
-      </p:sp>
-    </p:spTree>
-  </p:cSld>
-  <p:clrMapOvr>
-    <a:masterClrMapping/>
-  </p:clrMapOvr>
-</p:sld>
-</file>
-
-<file path=ppt/slides/slide11.xml><?xml version="1.0" encoding="utf-8"?>
-<p:sld xmlns:a="http://schemas.openxmlformats.org/drawingml/2006/main" xmlns:r="http://schemas.openxmlformats.org/officeDocument/2006/relationships" xmlns:p="http://schemas.openxmlformats.org/presentationml/2006/main">
-  <p:cSld>
-    <p:spTree>
-      <p:nvGrpSpPr>
-        <p:cNvPr id="1" name=""/>
-        <p:cNvGrpSpPr/>
-        <p:nvPr/>
-      </p:nvGrpSpPr>
-      <p:grpSpPr>
-        <a:xfrm>
-          <a:off x="0" y="0"/>
-          <a:ext cx="0" cy="0"/>
-          <a:chOff x="0" y="0"/>
-          <a:chExt cx="0" cy="0"/>
-        </a:xfrm>
-      </p:grpSpPr>
-      <p:sp>
-        <p:nvSpPr>
-          <p:cNvPr id="2" name="Title 1"/>
-          <p:cNvSpPr>
-            <a:spLocks noGrp="1"/>
-          </p:cNvSpPr>
-          <p:nvPr>
-            <p:ph type="title"/>
-          </p:nvPr>
-        </p:nvSpPr>
-        <p:spPr/>
-        <p:txBody>
-          <a:bodyPr/>
-          <a:lstStyle/>
-          <a:p>
-            <a:r>
-              <a:rPr lang="en-US" dirty="0" smtClean="0"/>
-              <a:t>…</a:t>
-            </a:r>
-            <a:endParaRPr lang="en-US" dirty="0"/>
-          </a:p>
-        </p:txBody>
-      </p:sp>
-      <p:sp>
-        <p:nvSpPr>
-          <p:cNvPr id="3" name="Content Placeholder 2"/>
-          <p:cNvSpPr>
-            <a:spLocks noGrp="1"/>
-          </p:cNvSpPr>
-          <p:nvPr>
-            <p:ph idx="1"/>
-          </p:nvPr>
-        </p:nvSpPr>
-        <p:spPr/>
-        <p:txBody>
-          <a:bodyPr/>
-          <a:lstStyle/>
-          <a:p>
-            <a:r>
-              <a:rPr lang="en-US" dirty="0" smtClean="0"/>
-              <a:t>/opt/IBM/SDP/DCI/</a:t>
-            </a:r>
-            <a:r>
-              <a:rPr lang="en-US" dirty="0" err="1" smtClean="0"/>
-              <a:t>rpa_prod</a:t>
-            </a:r>
-            <a:r>
-              <a:rPr lang="en-US" dirty="0" smtClean="0"/>
-              <a:t>/</a:t>
-            </a:r>
-            <a:r>
-              <a:rPr lang="en-US" dirty="0" err="1" smtClean="0"/>
-              <a:t>tivoli_comp</a:t>
-            </a:r>
-            <a:r>
-              <a:rPr lang="en-US" dirty="0" smtClean="0"/>
-              <a:t>/app/instrument/6.103.0000/</a:t>
-            </a:r>
-            <a:r>
-              <a:rPr lang="en-US" dirty="0" err="1" smtClean="0"/>
-              <a:t>appServers</a:t>
-            </a:r>
-            <a:r>
-              <a:rPr lang="en-US" dirty="0" smtClean="0"/>
-              <a:t>/server1_101/</a:t>
-            </a:r>
-            <a:r>
-              <a:rPr lang="en-US" dirty="0" err="1" smtClean="0"/>
-              <a:t>config</a:t>
-            </a:r>
-            <a:endParaRPr lang="en-US" dirty="0" smtClean="0"/>
-          </a:p>
-          <a:p>
-            <a:endParaRPr lang="en-US" dirty="0"/>
-          </a:p>
-        </p:txBody>
-      </p:sp>
-    </p:spTree>
-  </p:cSld>
-  <p:clrMapOvr>
-    <a:masterClrMapping/>
-  </p:clrMapOvr>
-</p:sld>
-</file>
-
-<file path=ppt/slides/slide12.xml><?xml version="1.0" encoding="utf-8"?>
-<p:sld xmlns:a="http://schemas.openxmlformats.org/drawingml/2006/main" xmlns:r="http://schemas.openxmlformats.org/officeDocument/2006/relationships" xmlns:p="http://schemas.openxmlformats.org/presentationml/2006/main">
-  <p:cSld>
-    <p:spTree>
-      <p:nvGrpSpPr>
-        <p:cNvPr id="1" name=""/>
-        <p:cNvGrpSpPr/>
-        <p:nvPr/>
-      </p:nvGrpSpPr>
-      <p:grpSpPr>
-        <a:xfrm>
-          <a:off x="0" y="0"/>
-          <a:ext cx="0" cy="0"/>
-          <a:chOff x="0" y="0"/>
-          <a:chExt cx="0" cy="0"/>
-        </a:xfrm>
-      </p:grpSpPr>
-      <p:sp>
-        <p:nvSpPr>
-          <p:cNvPr id="2" name="Title 1"/>
-          <p:cNvSpPr>
-            <a:spLocks noGrp="1"/>
-          </p:cNvSpPr>
-          <p:nvPr>
-            <p:ph type="title"/>
-          </p:nvPr>
-        </p:nvSpPr>
-        <p:spPr/>
-        <p:txBody>
-          <a:bodyPr/>
-          <a:lstStyle/>
-          <a:p>
-            <a:r>
-              <a:rPr lang="en-US" dirty="0" smtClean="0"/>
-              <a:t>Profile Configurations</a:t>
-            </a:r>
-            <a:endParaRPr lang="en-US" dirty="0"/>
-          </a:p>
-        </p:txBody>
-      </p:sp>
-      <p:sp>
-        <p:nvSpPr>
-          <p:cNvPr id="3" name="Content Placeholder 2"/>
-          <p:cNvSpPr>
-            <a:spLocks noGrp="1"/>
-          </p:cNvSpPr>
-          <p:nvPr>
-            <p:ph idx="1"/>
-          </p:nvPr>
-        </p:nvSpPr>
-        <p:spPr/>
-        <p:txBody>
-          <a:bodyPr/>
-          <a:lstStyle/>
-          <a:p>
-            <a:endParaRPr lang="en-US"/>
-          </a:p>
-        </p:txBody>
-      </p:sp>
-      <p:pic>
-        <p:nvPicPr>
-          <p:cNvPr id="1026" name="Picture 2"/>
-          <p:cNvPicPr>
-            <a:picLocks noChangeAspect="1" noChangeArrowheads="1"/>
-          </p:cNvPicPr>
-          <p:nvPr/>
-        </p:nvPicPr>
-        <p:blipFill>
-          <a:blip r:embed="rId2" cstate="print"/>
-          <a:srcRect/>
-          <a:stretch>
-            <a:fillRect/>
-          </a:stretch>
-        </p:blipFill>
-        <p:spPr bwMode="auto">
-          <a:xfrm>
-            <a:off x="990600" y="1600200"/>
-            <a:ext cx="7134225" cy="4714875"/>
-          </a:xfrm>
-          <a:prstGeom prst="rect">
-            <a:avLst/>
-          </a:prstGeom>
-          <a:noFill/>
-          <a:ln w="9525">
-            <a:noFill/>
-            <a:miter lim="800000"/>
-            <a:headEnd/>
-            <a:tailEnd/>
-          </a:ln>
-        </p:spPr>
-      </p:pic>
-    </p:spTree>
-  </p:cSld>
-  <p:clrMapOvr>
-    <a:masterClrMapping/>
-  </p:clrMapOvr>
-</p:sld>
-</file>
-
-<file path=ppt/slides/slide13.xml><?xml version="1.0" encoding="utf-8"?>
-<p:sld xmlns:a="http://schemas.openxmlformats.org/drawingml/2006/main" xmlns:r="http://schemas.openxmlformats.org/officeDocument/2006/relationships" xmlns:p="http://schemas.openxmlformats.org/presentationml/2006/main">
-  <p:cSld>
-    <p:spTree>
-      <p:nvGrpSpPr>
-        <p:cNvPr id="1" name=""/>
-        <p:cNvGrpSpPr/>
-        <p:nvPr/>
-      </p:nvGrpSpPr>
-      <p:grpSpPr>
-        <a:xfrm>
-          <a:off x="0" y="0"/>
-          <a:ext cx="0" cy="0"/>
-          <a:chOff x="0" y="0"/>
-          <a:chExt cx="0" cy="0"/>
-        </a:xfrm>
-      </p:grpSpPr>
-      <p:sp>
-        <p:nvSpPr>
-          <p:cNvPr id="2" name="Title 1"/>
-          <p:cNvSpPr>
-            <a:spLocks noGrp="1"/>
-          </p:cNvSpPr>
-          <p:nvPr>
-            <p:ph type="title"/>
-          </p:nvPr>
-        </p:nvSpPr>
-        <p:spPr/>
-        <p:txBody>
-          <a:bodyPr/>
-          <a:lstStyle/>
-          <a:p>
-            <a:r>
-              <a:rPr lang="en-US" dirty="0" smtClean="0"/>
-              <a:t>Profile </a:t>
-            </a:r>
-            <a:r>
-              <a:rPr lang="en-US" dirty="0" smtClean="0"/>
-              <a:t>Configurations (Cont’d)</a:t>
-            </a:r>
-            <a:endParaRPr lang="en-US" dirty="0"/>
-          </a:p>
-        </p:txBody>
-      </p:sp>
-      <p:sp>
-        <p:nvSpPr>
-          <p:cNvPr id="3" name="Content Placeholder 2"/>
-          <p:cNvSpPr>
-            <a:spLocks noGrp="1"/>
-          </p:cNvSpPr>
-          <p:nvPr>
-            <p:ph idx="1"/>
-          </p:nvPr>
-        </p:nvSpPr>
-        <p:spPr/>
-        <p:txBody>
-          <a:bodyPr/>
-          <a:lstStyle/>
-          <a:p>
-            <a:endParaRPr lang="en-US"/>
-          </a:p>
-        </p:txBody>
-      </p:sp>
-      <p:pic>
-        <p:nvPicPr>
-          <p:cNvPr id="2050" name="Picture 2"/>
-          <p:cNvPicPr>
-            <a:picLocks noChangeAspect="1" noChangeArrowheads="1"/>
-          </p:cNvPicPr>
-          <p:nvPr/>
-        </p:nvPicPr>
-        <p:blipFill>
-          <a:blip r:embed="rId2" cstate="print"/>
-          <a:srcRect/>
-          <a:stretch>
-            <a:fillRect/>
-          </a:stretch>
-        </p:blipFill>
-        <p:spPr bwMode="auto">
-          <a:xfrm>
-            <a:off x="990600" y="1600200"/>
-            <a:ext cx="7134225" cy="4714875"/>
-          </a:xfrm>
-          <a:prstGeom prst="rect">
-            <a:avLst/>
-          </a:prstGeom>
-          <a:noFill/>
-          <a:ln w="9525">
-            <a:noFill/>
-            <a:miter lim="800000"/>
-            <a:headEnd/>
-            <a:tailEnd/>
-          </a:ln>
-        </p:spPr>
-      </p:pic>
-    </p:spTree>
-  </p:cSld>
-  <p:clrMapOvr>
-    <a:masterClrMapping/>
-  </p:clrMapOvr>
-</p:sld>
-</file>
-
-<file path=ppt/slides/slide14.xml><?xml version="1.0" encoding="utf-8"?>
-<p:sld xmlns:a="http://schemas.openxmlformats.org/drawingml/2006/main" xmlns:r="http://schemas.openxmlformats.org/officeDocument/2006/relationships" xmlns:p="http://schemas.openxmlformats.org/presentationml/2006/main">
-  <p:cSld>
-    <p:spTree>
-      <p:nvGrpSpPr>
-        <p:cNvPr id="1" name=""/>
-        <p:cNvGrpSpPr/>
-        <p:nvPr/>
-      </p:nvGrpSpPr>
-      <p:grpSpPr>
-        <a:xfrm>
-          <a:off x="0" y="0"/>
-          <a:ext cx="0" cy="0"/>
-          <a:chOff x="0" y="0"/>
-          <a:chExt cx="0" cy="0"/>
-        </a:xfrm>
-      </p:grpSpPr>
-      <p:sp>
-        <p:nvSpPr>
-          <p:cNvPr id="2" name="Title 1"/>
-          <p:cNvSpPr>
-            <a:spLocks noGrp="1"/>
-          </p:cNvSpPr>
-          <p:nvPr>
-            <p:ph type="title"/>
-          </p:nvPr>
-        </p:nvSpPr>
-        <p:spPr/>
-        <p:txBody>
-          <a:bodyPr/>
-          <a:lstStyle/>
-          <a:p>
-            <a:r>
-              <a:rPr lang="en-US" dirty="0" smtClean="0"/>
-              <a:t>Profile Configurations (Cont’d)</a:t>
-            </a:r>
-            <a:endParaRPr lang="en-US" dirty="0"/>
-          </a:p>
-        </p:txBody>
-      </p:sp>
-      <p:sp>
-        <p:nvSpPr>
-          <p:cNvPr id="3" name="Content Placeholder 2"/>
-          <p:cNvSpPr>
-            <a:spLocks noGrp="1"/>
-          </p:cNvSpPr>
-          <p:nvPr>
-            <p:ph idx="1"/>
-          </p:nvPr>
-        </p:nvSpPr>
-        <p:spPr/>
-        <p:txBody>
-          <a:bodyPr/>
-          <a:lstStyle/>
-          <a:p>
-            <a:endParaRPr lang="en-US"/>
-          </a:p>
-        </p:txBody>
-      </p:sp>
-      <p:pic>
-        <p:nvPicPr>
-          <p:cNvPr id="3074" name="Picture 2"/>
-          <p:cNvPicPr>
-            <a:picLocks noChangeAspect="1" noChangeArrowheads="1"/>
-          </p:cNvPicPr>
-          <p:nvPr/>
-        </p:nvPicPr>
-        <p:blipFill>
-          <a:blip r:embed="rId2" cstate="print"/>
-          <a:srcRect/>
-          <a:stretch>
-            <a:fillRect/>
-          </a:stretch>
-        </p:blipFill>
-        <p:spPr bwMode="auto">
-          <a:xfrm>
-            <a:off x="990600" y="1600200"/>
-            <a:ext cx="7134225" cy="4714875"/>
-          </a:xfrm>
-          <a:prstGeom prst="rect">
-            <a:avLst/>
-          </a:prstGeom>
-          <a:noFill/>
-          <a:ln w="9525">
-            <a:noFill/>
-            <a:miter lim="800000"/>
-            <a:headEnd/>
-            <a:tailEnd/>
-          </a:ln>
-        </p:spPr>
-      </p:pic>
-    </p:spTree>
-  </p:cSld>
-  <p:clrMapOvr>
-    <a:masterClrMapping/>
-  </p:clrMapOvr>
-</p:sld>
-</file>
-
-<file path=ppt/slides/slide15.xml><?xml version="1.0" encoding="utf-8"?>
-<p:sld xmlns:a="http://schemas.openxmlformats.org/drawingml/2006/main" xmlns:r="http://schemas.openxmlformats.org/officeDocument/2006/relationships" xmlns:p="http://schemas.openxmlformats.org/presentationml/2006/main">
-  <p:cSld>
-    <p:spTree>
-      <p:nvGrpSpPr>
-        <p:cNvPr id="1" name=""/>
-        <p:cNvGrpSpPr/>
-        <p:nvPr/>
-      </p:nvGrpSpPr>
-      <p:grpSpPr>
-        <a:xfrm>
-          <a:off x="0" y="0"/>
-          <a:ext cx="0" cy="0"/>
-          <a:chOff x="0" y="0"/>
-          <a:chExt cx="0" cy="0"/>
-        </a:xfrm>
-      </p:grpSpPr>
-      <p:sp>
-        <p:nvSpPr>
-          <p:cNvPr id="2" name="Title 1"/>
-          <p:cNvSpPr>
-            <a:spLocks noGrp="1"/>
-          </p:cNvSpPr>
-          <p:nvPr>
-            <p:ph type="title"/>
-          </p:nvPr>
-        </p:nvSpPr>
-        <p:spPr/>
-        <p:txBody>
-          <a:bodyPr/>
-          <a:lstStyle/>
-          <a:p>
-            <a:r>
-              <a:rPr lang="en-US" dirty="0" smtClean="0"/>
-              <a:t>Trouble Shooting</a:t>
-            </a:r>
-            <a:endParaRPr lang="en-US" dirty="0"/>
-          </a:p>
-        </p:txBody>
-      </p:sp>
-      <p:sp>
-        <p:nvSpPr>
-          <p:cNvPr id="3" name="Content Placeholder 2"/>
-          <p:cNvSpPr>
-            <a:spLocks noGrp="1"/>
-          </p:cNvSpPr>
-          <p:nvPr>
-            <p:ph idx="1"/>
-          </p:nvPr>
-        </p:nvSpPr>
-        <p:spPr/>
-        <p:txBody>
-          <a:bodyPr/>
-          <a:lstStyle/>
-          <a:p>
-            <a:r>
-              <a:rPr lang="en-US" dirty="0" smtClean="0"/>
-              <a:t>No data available for display</a:t>
-            </a:r>
-            <a:endParaRPr lang="en-US" dirty="0"/>
-          </a:p>
-        </p:txBody>
-      </p:sp>
-      <p:pic>
-        <p:nvPicPr>
-          <p:cNvPr id="4098" name="Picture 2"/>
-          <p:cNvPicPr>
-            <a:picLocks noChangeAspect="1" noChangeArrowheads="1"/>
-          </p:cNvPicPr>
-          <p:nvPr/>
-        </p:nvPicPr>
-        <p:blipFill>
-          <a:blip r:embed="rId2" cstate="print"/>
-          <a:srcRect/>
-          <a:stretch>
-            <a:fillRect/>
-          </a:stretch>
-        </p:blipFill>
-        <p:spPr bwMode="auto">
-          <a:xfrm>
-            <a:off x="1752600" y="2286000"/>
-            <a:ext cx="5181600" cy="3762375"/>
-          </a:xfrm>
-          <a:prstGeom prst="rect">
-            <a:avLst/>
-          </a:prstGeom>
-          <a:noFill/>
-          <a:ln w="9525">
-            <a:noFill/>
-            <a:miter lim="800000"/>
-            <a:headEnd/>
-            <a:tailEnd/>
-          </a:ln>
-        </p:spPr>
-      </p:pic>
-    </p:spTree>
-  </p:cSld>
-  <p:clrMapOvr>
-    <a:masterClrMapping/>
-  </p:clrMapOvr>
-</p:sld>
-</file>
-
-<file path=ppt/slides/slide16.xml><?xml version="1.0" encoding="utf-8"?>
-<p:sld xmlns:a="http://schemas.openxmlformats.org/drawingml/2006/main" xmlns:r="http://schemas.openxmlformats.org/officeDocument/2006/relationships" xmlns:p="http://schemas.openxmlformats.org/presentationml/2006/main">
-  <p:cSld>
-    <p:spTree>
-      <p:nvGrpSpPr>
-        <p:cNvPr id="1" name=""/>
-        <p:cNvGrpSpPr/>
-        <p:nvPr/>
-      </p:nvGrpSpPr>
-      <p:grpSpPr>
-        <a:xfrm>
-          <a:off x="0" y="0"/>
-          <a:ext cx="0" cy="0"/>
-          <a:chOff x="0" y="0"/>
-          <a:chExt cx="0" cy="0"/>
-        </a:xfrm>
-      </p:grpSpPr>
-      <p:sp>
-        <p:nvSpPr>
-          <p:cNvPr id="2" name="Title 1"/>
-          <p:cNvSpPr>
-            <a:spLocks noGrp="1"/>
-          </p:cNvSpPr>
-          <p:nvPr>
-            <p:ph type="title"/>
-          </p:nvPr>
-        </p:nvSpPr>
-        <p:spPr/>
-        <p:txBody>
-          <a:bodyPr/>
-          <a:lstStyle/>
-          <a:p>
-            <a:r>
-              <a:rPr lang="en-US" dirty="0" smtClean="0"/>
-              <a:t>Trouble Shooting</a:t>
-            </a:r>
-            <a:endParaRPr lang="en-US" dirty="0"/>
-          </a:p>
-        </p:txBody>
-      </p:sp>
-      <p:sp>
-        <p:nvSpPr>
-          <p:cNvPr id="3" name="Content Placeholder 2"/>
-          <p:cNvSpPr>
-            <a:spLocks noGrp="1"/>
-          </p:cNvSpPr>
-          <p:nvPr>
-            <p:ph idx="1"/>
-          </p:nvPr>
-        </p:nvSpPr>
-        <p:spPr/>
-        <p:txBody>
-          <a:bodyPr/>
-          <a:lstStyle/>
-          <a:p>
-            <a:endParaRPr lang="en-US"/>
-          </a:p>
-        </p:txBody>
-      </p:sp>
-      <p:pic>
-        <p:nvPicPr>
-          <p:cNvPr id="1026" name="Picture 2"/>
-          <p:cNvPicPr>
-            <a:picLocks noChangeAspect="1" noChangeArrowheads="1"/>
-          </p:cNvPicPr>
-          <p:nvPr/>
-        </p:nvPicPr>
-        <p:blipFill>
-          <a:blip r:embed="rId2" cstate="print"/>
-          <a:srcRect/>
-          <a:stretch>
-            <a:fillRect/>
-          </a:stretch>
-        </p:blipFill>
-        <p:spPr bwMode="auto">
-          <a:xfrm>
-            <a:off x="519113" y="2790825"/>
-            <a:ext cx="8105775" cy="1276350"/>
-          </a:xfrm>
-          <a:prstGeom prst="rect">
-            <a:avLst/>
-          </a:prstGeom>
-          <a:noFill/>
-          <a:ln w="9525">
-            <a:noFill/>
-            <a:miter lim="800000"/>
-            <a:headEnd/>
-            <a:tailEnd/>
-          </a:ln>
-        </p:spPr>
-      </p:pic>
-    </p:spTree>
-  </p:cSld>
-  <p:clrMapOvr>
-    <a:masterClrMapping/>
-  </p:clrMapOvr>
-</p:sld>
-</file>
-
-<file path=ppt/slides/slide17.xml><?xml version="1.0" encoding="utf-8"?>
-<p:sld xmlns:a="http://schemas.openxmlformats.org/drawingml/2006/main" xmlns:r="http://schemas.openxmlformats.org/officeDocument/2006/relationships" xmlns:p="http://schemas.openxmlformats.org/presentationml/2006/main">
-  <p:cSld>
-    <p:spTree>
-      <p:nvGrpSpPr>
-        <p:cNvPr id="1" name=""/>
-        <p:cNvGrpSpPr/>
-        <p:nvPr/>
-      </p:nvGrpSpPr>
-      <p:grpSpPr>
-        <a:xfrm>
-          <a:off x="0" y="0"/>
-          <a:ext cx="0" cy="0"/>
-          <a:chOff x="0" y="0"/>
-          <a:chExt cx="0" cy="0"/>
-        </a:xfrm>
-      </p:grpSpPr>
-      <p:sp>
-        <p:nvSpPr>
-          <p:cNvPr id="2" name="Title 1"/>
-          <p:cNvSpPr>
-            <a:spLocks noGrp="1"/>
-          </p:cNvSpPr>
-          <p:nvPr>
-            <p:ph type="title"/>
-          </p:nvPr>
-        </p:nvSpPr>
-        <p:spPr/>
-        <p:txBody>
-          <a:bodyPr/>
-          <a:lstStyle/>
-          <a:p>
-            <a:r>
-              <a:rPr lang="en-US" dirty="0" smtClean="0"/>
-              <a:t>Trouble Shooting</a:t>
-            </a:r>
-            <a:endParaRPr lang="en-US" dirty="0"/>
-          </a:p>
-        </p:txBody>
-      </p:sp>
-      <p:sp>
-        <p:nvSpPr>
-          <p:cNvPr id="3" name="Content Placeholder 2"/>
-          <p:cNvSpPr>
-            <a:spLocks noGrp="1"/>
-          </p:cNvSpPr>
-          <p:nvPr>
-            <p:ph idx="1"/>
-          </p:nvPr>
-        </p:nvSpPr>
-        <p:spPr/>
-        <p:txBody>
-          <a:bodyPr/>
-          <a:lstStyle/>
-          <a:p>
-            <a:endParaRPr lang="en-US"/>
-          </a:p>
-        </p:txBody>
-      </p:sp>
-    </p:spTree>
-  </p:cSld>
-  <p:clrMapOvr>
-    <a:masterClrMapping/>
-  </p:clrMapOvr>
-</p:sld>
-</file>
-
-<file path=ppt/slides/slide18.xml><?xml version="1.0" encoding="utf-8"?>
-<p:sld xmlns:a="http://schemas.openxmlformats.org/drawingml/2006/main" xmlns:r="http://schemas.openxmlformats.org/officeDocument/2006/relationships" xmlns:p="http://schemas.openxmlformats.org/presentationml/2006/main">
-  <p:cSld>
-    <p:spTree>
-      <p:nvGrpSpPr>
-        <p:cNvPr id="1" name=""/>
-        <p:cNvGrpSpPr/>
-        <p:nvPr/>
-      </p:nvGrpSpPr>
-      <p:grpSpPr>
-        <a:xfrm>
-          <a:off x="0" y="0"/>
-          <a:ext cx="0" cy="0"/>
-          <a:chOff x="0" y="0"/>
-          <a:chExt cx="0" cy="0"/>
-        </a:xfrm>
-      </p:grpSpPr>
-      <p:sp>
-        <p:nvSpPr>
-          <p:cNvPr id="4" name="Title 3"/>
-          <p:cNvSpPr>
-            <a:spLocks noGrp="1"/>
-          </p:cNvSpPr>
-          <p:nvPr>
-            <p:ph type="title"/>
-          </p:nvPr>
-        </p:nvSpPr>
-        <p:spPr/>
-        <p:txBody>
-          <a:bodyPr/>
-          <a:lstStyle/>
-          <a:p>
-            <a:r>
-              <a:rPr lang="en-US" dirty="0" smtClean="0"/>
-              <a:t>Application Monitoring</a:t>
-            </a:r>
-            <a:endParaRPr lang="en-US" dirty="0"/>
-          </a:p>
-        </p:txBody>
-      </p:sp>
-      <p:sp>
-        <p:nvSpPr>
-          <p:cNvPr id="5" name="Text Placeholder 4"/>
-          <p:cNvSpPr>
-            <a:spLocks noGrp="1"/>
-          </p:cNvSpPr>
-          <p:nvPr>
-            <p:ph type="body" idx="1"/>
-          </p:nvPr>
-        </p:nvSpPr>
-        <p:spPr/>
-        <p:txBody>
-          <a:bodyPr/>
-          <a:lstStyle/>
-          <a:p>
-            <a:r>
-              <a:rPr lang="en-US" dirty="0" smtClean="0"/>
-              <a:t>Part 1: Configuring the environment</a:t>
-            </a:r>
-            <a:endParaRPr lang="en-US" dirty="0"/>
-          </a:p>
-        </p:txBody>
-      </p:sp>
-    </p:spTree>
-  </p:cSld>
-  <p:clrMapOvr>
-    <a:masterClrMapping/>
-  </p:clrMapOvr>
-</p:sld>
-</file>
-
-<file path=ppt/slides/slide19.xml><?xml version="1.0" encoding="utf-8"?>
-<p:sld xmlns:a="http://schemas.openxmlformats.org/drawingml/2006/main" xmlns:r="http://schemas.openxmlformats.org/officeDocument/2006/relationships" xmlns:p="http://schemas.openxmlformats.org/presentationml/2006/main">
-  <p:cSld>
-    <p:spTree>
-      <p:nvGrpSpPr>
-        <p:cNvPr id="1" name=""/>
-        <p:cNvGrpSpPr/>
-        <p:nvPr/>
-      </p:nvGrpSpPr>
-      <p:grpSpPr>
-        <a:xfrm>
-          <a:off x="0" y="0"/>
-          <a:ext cx="0" cy="0"/>
-          <a:chOff x="0" y="0"/>
-          <a:chExt cx="0" cy="0"/>
-        </a:xfrm>
-      </p:grpSpPr>
-      <p:sp>
-        <p:nvSpPr>
-          <p:cNvPr id="2" name="Title 1"/>
-          <p:cNvSpPr>
-            <a:spLocks noGrp="1"/>
-          </p:cNvSpPr>
-          <p:nvPr>
-            <p:ph type="title"/>
-          </p:nvPr>
-        </p:nvSpPr>
-        <p:spPr/>
-        <p:txBody>
           <a:bodyPr>
             <a:normAutofit fontScale="90000"/>
           </a:bodyPr>
@@ -4726,1333 +3627,6 @@
           <a:p>
             <a:r>
               <a:rPr lang="en-US" dirty="0" smtClean="0"/>
-              <a:t>Distributed Environment Complexity</a:t>
-            </a:r>
-            <a:endParaRPr lang="en-US" dirty="0"/>
-          </a:p>
-        </p:txBody>
-      </p:sp>
-      <p:sp>
-        <p:nvSpPr>
-          <p:cNvPr id="3" name="Content Placeholder 2"/>
-          <p:cNvSpPr>
-            <a:spLocks noGrp="1"/>
-          </p:cNvSpPr>
-          <p:nvPr>
-            <p:ph idx="1"/>
-          </p:nvPr>
-        </p:nvSpPr>
-        <p:spPr/>
-        <p:txBody>
-          <a:bodyPr/>
-          <a:lstStyle/>
-          <a:p>
-            <a:endParaRPr lang="en-US"/>
-          </a:p>
-        </p:txBody>
-      </p:sp>
-      <p:pic>
-        <p:nvPicPr>
-          <p:cNvPr id="45058" name="Picture 2"/>
-          <p:cNvPicPr>
-            <a:picLocks noChangeAspect="1" noChangeArrowheads="1"/>
-          </p:cNvPicPr>
-          <p:nvPr/>
-        </p:nvPicPr>
-        <p:blipFill>
-          <a:blip r:embed="rId2" cstate="print"/>
-          <a:srcRect/>
-          <a:stretch>
-            <a:fillRect/>
-          </a:stretch>
-        </p:blipFill>
-        <p:spPr bwMode="auto">
-          <a:xfrm>
-            <a:off x="1676400" y="1600200"/>
-            <a:ext cx="5972175" cy="4875064"/>
-          </a:xfrm>
-          <a:prstGeom prst="rect">
-            <a:avLst/>
-          </a:prstGeom>
-          <a:noFill/>
-          <a:ln w="9525">
-            <a:noFill/>
-            <a:miter lim="800000"/>
-            <a:headEnd/>
-            <a:tailEnd/>
-          </a:ln>
-        </p:spPr>
-      </p:pic>
-    </p:spTree>
-  </p:cSld>
-  <p:clrMapOvr>
-    <a:masterClrMapping/>
-  </p:clrMapOvr>
-</p:sld>
-</file>
-
-<file path=ppt/slides/slide2.xml><?xml version="1.0" encoding="utf-8"?>
-<p:sld xmlns:a="http://schemas.openxmlformats.org/drawingml/2006/main" xmlns:r="http://schemas.openxmlformats.org/officeDocument/2006/relationships" xmlns:p="http://schemas.openxmlformats.org/presentationml/2006/main">
-  <p:cSld>
-    <p:spTree>
-      <p:nvGrpSpPr>
-        <p:cNvPr id="1" name=""/>
-        <p:cNvGrpSpPr/>
-        <p:nvPr/>
-      </p:nvGrpSpPr>
-      <p:grpSpPr>
-        <a:xfrm>
-          <a:off x="0" y="0"/>
-          <a:ext cx="0" cy="0"/>
-          <a:chOff x="0" y="0"/>
-          <a:chExt cx="0" cy="0"/>
-        </a:xfrm>
-      </p:grpSpPr>
-      <p:sp>
-        <p:nvSpPr>
-          <p:cNvPr id="2" name="Title 1"/>
-          <p:cNvSpPr>
-            <a:spLocks noGrp="1"/>
-          </p:cNvSpPr>
-          <p:nvPr>
-            <p:ph type="title"/>
-          </p:nvPr>
-        </p:nvSpPr>
-        <p:spPr/>
-        <p:txBody>
-          <a:bodyPr/>
-          <a:lstStyle/>
-          <a:p>
-            <a:r>
-              <a:rPr lang="en-US" dirty="0" smtClean="0"/>
-              <a:t>Application Monitoring</a:t>
-            </a:r>
-            <a:endParaRPr lang="en-US" dirty="0"/>
-          </a:p>
-        </p:txBody>
-      </p:sp>
-      <p:sp>
-        <p:nvSpPr>
-          <p:cNvPr id="3" name="Text Placeholder 2"/>
-          <p:cNvSpPr>
-            <a:spLocks noGrp="1"/>
-          </p:cNvSpPr>
-          <p:nvPr>
-            <p:ph type="body" idx="1"/>
-          </p:nvPr>
-        </p:nvSpPr>
-        <p:spPr/>
-        <p:txBody>
-          <a:bodyPr/>
-          <a:lstStyle/>
-          <a:p>
-            <a:r>
-              <a:rPr lang="en-US" dirty="0" smtClean="0"/>
-              <a:t>Prerequisites</a:t>
-            </a:r>
-            <a:endParaRPr lang="en-US" dirty="0"/>
-          </a:p>
-        </p:txBody>
-      </p:sp>
-    </p:spTree>
-  </p:cSld>
-  <p:clrMapOvr>
-    <a:masterClrMapping/>
-  </p:clrMapOvr>
-</p:sld>
-</file>
-
-<file path=ppt/slides/slide20.xml><?xml version="1.0" encoding="utf-8"?>
-<p:sld xmlns:a="http://schemas.openxmlformats.org/drawingml/2006/main" xmlns:r="http://schemas.openxmlformats.org/officeDocument/2006/relationships" xmlns:p="http://schemas.openxmlformats.org/presentationml/2006/main">
-  <p:cSld>
-    <p:spTree>
-      <p:nvGrpSpPr>
-        <p:cNvPr id="1" name=""/>
-        <p:cNvGrpSpPr/>
-        <p:nvPr/>
-      </p:nvGrpSpPr>
-      <p:grpSpPr>
-        <a:xfrm>
-          <a:off x="0" y="0"/>
-          <a:ext cx="0" cy="0"/>
-          <a:chOff x="0" y="0"/>
-          <a:chExt cx="0" cy="0"/>
-        </a:xfrm>
-      </p:grpSpPr>
-      <p:sp>
-        <p:nvSpPr>
-          <p:cNvPr id="2" name="Title 1"/>
-          <p:cNvSpPr>
-            <a:spLocks noGrp="1"/>
-          </p:cNvSpPr>
-          <p:nvPr>
-            <p:ph type="title"/>
-          </p:nvPr>
-        </p:nvSpPr>
-        <p:spPr/>
-        <p:txBody>
-          <a:bodyPr/>
-          <a:lstStyle/>
-          <a:p>
-            <a:r>
-              <a:rPr lang="en-US" dirty="0" smtClean="0"/>
-              <a:t>Transaction Breakdown</a:t>
-            </a:r>
-            <a:endParaRPr lang="en-US" dirty="0"/>
-          </a:p>
-        </p:txBody>
-      </p:sp>
-      <p:sp>
-        <p:nvSpPr>
-          <p:cNvPr id="3" name="Content Placeholder 2"/>
-          <p:cNvSpPr>
-            <a:spLocks noGrp="1"/>
-          </p:cNvSpPr>
-          <p:nvPr>
-            <p:ph idx="1"/>
-          </p:nvPr>
-        </p:nvSpPr>
-        <p:spPr/>
-        <p:txBody>
-          <a:bodyPr/>
-          <a:lstStyle/>
-          <a:p>
-            <a:endParaRPr lang="en-US"/>
-          </a:p>
-        </p:txBody>
-      </p:sp>
-      <p:pic>
-        <p:nvPicPr>
-          <p:cNvPr id="46082" name="Picture 2"/>
-          <p:cNvPicPr>
-            <a:picLocks noChangeAspect="1" noChangeArrowheads="1"/>
-          </p:cNvPicPr>
-          <p:nvPr/>
-        </p:nvPicPr>
-        <p:blipFill>
-          <a:blip r:embed="rId2" cstate="print"/>
-          <a:srcRect/>
-          <a:stretch>
-            <a:fillRect/>
-          </a:stretch>
-        </p:blipFill>
-        <p:spPr bwMode="auto">
-          <a:xfrm>
-            <a:off x="1676400" y="1600200"/>
-            <a:ext cx="5886450" cy="4759815"/>
-          </a:xfrm>
-          <a:prstGeom prst="rect">
-            <a:avLst/>
-          </a:prstGeom>
-          <a:noFill/>
-          <a:ln w="9525">
-            <a:noFill/>
-            <a:miter lim="800000"/>
-            <a:headEnd/>
-            <a:tailEnd/>
-          </a:ln>
-        </p:spPr>
-      </p:pic>
-    </p:spTree>
-  </p:cSld>
-  <p:clrMapOvr>
-    <a:masterClrMapping/>
-  </p:clrMapOvr>
-</p:sld>
-</file>
-
-<file path=ppt/slides/slide21.xml><?xml version="1.0" encoding="utf-8"?>
-<p:sld xmlns:a="http://schemas.openxmlformats.org/drawingml/2006/main" xmlns:r="http://schemas.openxmlformats.org/officeDocument/2006/relationships" xmlns:p="http://schemas.openxmlformats.org/presentationml/2006/main">
-  <p:cSld>
-    <p:spTree>
-      <p:nvGrpSpPr>
-        <p:cNvPr id="1" name=""/>
-        <p:cNvGrpSpPr/>
-        <p:nvPr/>
-      </p:nvGrpSpPr>
-      <p:grpSpPr>
-        <a:xfrm>
-          <a:off x="0" y="0"/>
-          <a:ext cx="0" cy="0"/>
-          <a:chOff x="0" y="0"/>
-          <a:chExt cx="0" cy="0"/>
-        </a:xfrm>
-      </p:grpSpPr>
-      <p:sp>
-        <p:nvSpPr>
-          <p:cNvPr id="2" name="Title 1"/>
-          <p:cNvSpPr>
-            <a:spLocks noGrp="1"/>
-          </p:cNvSpPr>
-          <p:nvPr>
-            <p:ph type="title"/>
-          </p:nvPr>
-        </p:nvSpPr>
-        <p:spPr/>
-        <p:txBody>
-          <a:bodyPr/>
-          <a:lstStyle/>
-          <a:p>
-            <a:r>
-              <a:rPr lang="en-US" dirty="0" smtClean="0"/>
-              <a:t>Application Monitoring</a:t>
-            </a:r>
-            <a:endParaRPr lang="en-US" dirty="0"/>
-          </a:p>
-        </p:txBody>
-      </p:sp>
-      <p:sp>
-        <p:nvSpPr>
-          <p:cNvPr id="3" name="Text Placeholder 2"/>
-          <p:cNvSpPr>
-            <a:spLocks noGrp="1"/>
-          </p:cNvSpPr>
-          <p:nvPr>
-            <p:ph type="body" idx="1"/>
-          </p:nvPr>
-        </p:nvSpPr>
-        <p:spPr/>
-        <p:txBody>
-          <a:bodyPr/>
-          <a:lstStyle/>
-          <a:p>
-            <a:r>
-              <a:rPr lang="en-US" dirty="0" smtClean="0"/>
-              <a:t>Part 2: Enabling Real-time Monitoring</a:t>
-            </a:r>
-          </a:p>
-        </p:txBody>
-      </p:sp>
-    </p:spTree>
-  </p:cSld>
-  <p:clrMapOvr>
-    <a:masterClrMapping/>
-  </p:clrMapOvr>
-</p:sld>
-</file>
-
-<file path=ppt/slides/slide22.xml><?xml version="1.0" encoding="utf-8"?>
-<p:sld xmlns:a="http://schemas.openxmlformats.org/drawingml/2006/main" xmlns:r="http://schemas.openxmlformats.org/officeDocument/2006/relationships" xmlns:p="http://schemas.openxmlformats.org/presentationml/2006/main">
-  <p:cSld>
-    <p:spTree>
-      <p:nvGrpSpPr>
-        <p:cNvPr id="1" name=""/>
-        <p:cNvGrpSpPr/>
-        <p:nvPr/>
-      </p:nvGrpSpPr>
-      <p:grpSpPr>
-        <a:xfrm>
-          <a:off x="0" y="0"/>
-          <a:ext cx="0" cy="0"/>
-          <a:chOff x="0" y="0"/>
-          <a:chExt cx="0" cy="0"/>
-        </a:xfrm>
-      </p:grpSpPr>
-      <p:sp>
-        <p:nvSpPr>
-          <p:cNvPr id="2" name="Title 1"/>
-          <p:cNvSpPr>
-            <a:spLocks noGrp="1"/>
-          </p:cNvSpPr>
-          <p:nvPr>
-            <p:ph type="title"/>
-          </p:nvPr>
-        </p:nvSpPr>
-        <p:spPr/>
-        <p:txBody>
-          <a:bodyPr/>
-          <a:lstStyle/>
-          <a:p>
-            <a:endParaRPr lang="en-US"/>
-          </a:p>
-        </p:txBody>
-      </p:sp>
-      <p:sp>
-        <p:nvSpPr>
-          <p:cNvPr id="3" name="Content Placeholder 2"/>
-          <p:cNvSpPr>
-            <a:spLocks noGrp="1"/>
-          </p:cNvSpPr>
-          <p:nvPr>
-            <p:ph idx="1"/>
-          </p:nvPr>
-        </p:nvSpPr>
-        <p:spPr/>
-        <p:txBody>
-          <a:bodyPr/>
-          <a:lstStyle/>
-          <a:p>
-            <a:endParaRPr lang="en-US" dirty="0"/>
-          </a:p>
-        </p:txBody>
-      </p:sp>
-      <p:pic>
-        <p:nvPicPr>
-          <p:cNvPr id="1026" name="Picture 2" descr="C:\Documents and Settings\Yoonki\Local Settings\Temporary Internet Files\Content.IE5\JGH7Q211\j0431616[1].png"/>
-          <p:cNvPicPr>
-            <a:picLocks noChangeAspect="1" noChangeArrowheads="1"/>
-          </p:cNvPicPr>
-          <p:nvPr/>
-        </p:nvPicPr>
-        <p:blipFill>
-          <a:blip r:embed="rId2" cstate="print"/>
-          <a:srcRect/>
-          <a:stretch>
-            <a:fillRect/>
-          </a:stretch>
-        </p:blipFill>
-        <p:spPr bwMode="auto">
-          <a:xfrm>
-            <a:off x="4800600" y="4267200"/>
-            <a:ext cx="1828572" cy="1828572"/>
-          </a:xfrm>
-          <a:prstGeom prst="rect">
-            <a:avLst/>
-          </a:prstGeom>
-          <a:noFill/>
-        </p:spPr>
-      </p:pic>
-      <p:pic>
-        <p:nvPicPr>
-          <p:cNvPr id="1027" name="Picture 3" descr="C:\Documents and Settings\Yoonki\Local Settings\Temporary Internet Files\Content.IE5\1UZTH24C\j0431595[1].png"/>
-          <p:cNvPicPr>
-            <a:picLocks noChangeAspect="1" noChangeArrowheads="1"/>
-          </p:cNvPicPr>
-          <p:nvPr/>
-        </p:nvPicPr>
-        <p:blipFill>
-          <a:blip r:embed="rId3" cstate="print"/>
-          <a:srcRect/>
-          <a:stretch>
-            <a:fillRect/>
-          </a:stretch>
-        </p:blipFill>
-        <p:spPr bwMode="auto">
-          <a:xfrm>
-            <a:off x="4724400" y="1600200"/>
-            <a:ext cx="1828572" cy="1828572"/>
-          </a:xfrm>
-          <a:prstGeom prst="rect">
-            <a:avLst/>
-          </a:prstGeom>
-          <a:noFill/>
-        </p:spPr>
-      </p:pic>
-      <p:pic>
-        <p:nvPicPr>
-          <p:cNvPr id="1028" name="Picture 4" descr="C:\Documents and Settings\Yoonki\Local Settings\Temporary Internet Files\Content.IE5\79GYPFSZ\j0431637[1].png"/>
-          <p:cNvPicPr>
-            <a:picLocks noChangeAspect="1" noChangeArrowheads="1"/>
-          </p:cNvPicPr>
-          <p:nvPr/>
-        </p:nvPicPr>
-        <p:blipFill>
-          <a:blip r:embed="rId4" cstate="print"/>
-          <a:srcRect/>
-          <a:stretch>
-            <a:fillRect/>
-          </a:stretch>
-        </p:blipFill>
-        <p:spPr bwMode="auto">
-          <a:xfrm>
-            <a:off x="457200" y="1600200"/>
-            <a:ext cx="1714500" cy="1714500"/>
-          </a:xfrm>
-          <a:prstGeom prst="rect">
-            <a:avLst/>
-          </a:prstGeom>
-          <a:noFill/>
-        </p:spPr>
-      </p:pic>
-      <p:sp>
-        <p:nvSpPr>
-          <p:cNvPr id="7" name="TextBox 6"/>
-          <p:cNvSpPr txBox="1"/>
-          <p:nvPr/>
-        </p:nvSpPr>
-        <p:spPr>
-          <a:xfrm>
-            <a:off x="457200" y="3429000"/>
-            <a:ext cx="1143000" cy="369332"/>
-          </a:xfrm>
-          <a:prstGeom prst="rect">
-            <a:avLst/>
-          </a:prstGeom>
-          <a:noFill/>
-        </p:spPr>
-        <p:txBody>
-          <a:bodyPr wrap="square" rtlCol="0">
-            <a:spAutoFit/>
-          </a:bodyPr>
-          <a:lstStyle/>
-          <a:p>
-            <a:r>
-              <a:rPr lang="en-US" dirty="0" smtClean="0"/>
-              <a:t>WSAS</a:t>
-            </a:r>
-            <a:endParaRPr lang="en-US" dirty="0"/>
-          </a:p>
-        </p:txBody>
-      </p:sp>
-      <p:sp>
-        <p:nvSpPr>
-          <p:cNvPr id="8" name="Rounded Rectangle 7"/>
-          <p:cNvSpPr/>
-          <p:nvPr/>
-        </p:nvSpPr>
-        <p:spPr>
-          <a:xfrm>
-            <a:off x="457200" y="3352800"/>
-            <a:ext cx="3124200" cy="1143000"/>
-          </a:xfrm>
-          <a:prstGeom prst="roundRect">
-            <a:avLst/>
-          </a:prstGeom>
-        </p:spPr>
-        <p:style>
-          <a:lnRef idx="1">
-            <a:schemeClr val="dk1"/>
-          </a:lnRef>
-          <a:fillRef idx="2">
-            <a:schemeClr val="dk1"/>
-          </a:fillRef>
-          <a:effectRef idx="1">
-            <a:schemeClr val="dk1"/>
-          </a:effectRef>
-          <a:fontRef idx="minor">
-            <a:schemeClr val="dk1"/>
-          </a:fontRef>
-        </p:style>
-        <p:txBody>
-          <a:bodyPr rtlCol="0" anchor="ctr"/>
-          <a:lstStyle/>
-          <a:p>
-            <a:pPr algn="ctr"/>
-            <a:r>
-              <a:rPr lang="en-US" sz="1400" dirty="0" smtClean="0"/>
-              <a:t>Server:</a:t>
-            </a:r>
-          </a:p>
-          <a:p>
-            <a:pPr algn="ctr"/>
-            <a:r>
-              <a:rPr lang="en-US" sz="1400" dirty="0" smtClean="0"/>
-              <a:t>eb2-2241-grd03.csc.ncsu.edu</a:t>
-            </a:r>
-          </a:p>
-          <a:p>
-            <a:pPr algn="ctr"/>
-            <a:r>
-              <a:rPr lang="en-US" sz="1400" dirty="0" smtClean="0"/>
-              <a:t>(152.14.90.72)</a:t>
-            </a:r>
-          </a:p>
-          <a:p>
-            <a:pPr algn="ctr"/>
-            <a:endParaRPr lang="en-US" sz="1400" dirty="0" smtClean="0"/>
-          </a:p>
-          <a:p>
-            <a:pPr algn="ctr"/>
-            <a:endParaRPr lang="en-US" sz="1400" dirty="0"/>
-          </a:p>
-        </p:txBody>
-      </p:sp>
-    </p:spTree>
-  </p:cSld>
-  <p:clrMapOvr>
-    <a:masterClrMapping/>
-  </p:clrMapOvr>
-  <p:timing>
-    <p:tnLst>
-      <p:par>
-        <p:cTn id="1" dur="indefinite" restart="never" nodeType="tmRoot"/>
-      </p:par>
-    </p:tnLst>
-  </p:timing>
-</p:sld>
-</file>
-
-<file path=ppt/slides/slide23.xml><?xml version="1.0" encoding="utf-8"?>
-<p:sld xmlns:a="http://schemas.openxmlformats.org/drawingml/2006/main" xmlns:r="http://schemas.openxmlformats.org/officeDocument/2006/relationships" xmlns:p="http://schemas.openxmlformats.org/presentationml/2006/main">
-  <p:cSld>
-    <p:spTree>
-      <p:nvGrpSpPr>
-        <p:cNvPr id="1" name=""/>
-        <p:cNvGrpSpPr/>
-        <p:nvPr/>
-      </p:nvGrpSpPr>
-      <p:grpSpPr>
-        <a:xfrm>
-          <a:off x="0" y="0"/>
-          <a:ext cx="0" cy="0"/>
-          <a:chOff x="0" y="0"/>
-          <a:chExt cx="0" cy="0"/>
-        </a:xfrm>
-      </p:grpSpPr>
-      <p:sp>
-        <p:nvSpPr>
-          <p:cNvPr id="6" name="Rounded Rectangle 5"/>
-          <p:cNvSpPr/>
-          <p:nvPr/>
-        </p:nvSpPr>
-        <p:spPr>
-          <a:xfrm>
-            <a:off x="5486400" y="838200"/>
-            <a:ext cx="2362200" cy="1447800"/>
-          </a:xfrm>
-          <a:prstGeom prst="roundRect">
-            <a:avLst/>
-          </a:prstGeom>
-        </p:spPr>
-        <p:style>
-          <a:lnRef idx="1">
-            <a:schemeClr val="dk1"/>
-          </a:lnRef>
-          <a:fillRef idx="2">
-            <a:schemeClr val="dk1"/>
-          </a:fillRef>
-          <a:effectRef idx="1">
-            <a:schemeClr val="dk1"/>
-          </a:effectRef>
-          <a:fontRef idx="minor">
-            <a:schemeClr val="dk1"/>
-          </a:fontRef>
-        </p:style>
-        <p:txBody>
-          <a:bodyPr rtlCol="0" anchor="ctr"/>
-          <a:lstStyle/>
-          <a:p>
-            <a:pPr algn="ctr"/>
-            <a:r>
-              <a:rPr lang="en-US" dirty="0" smtClean="0"/>
-              <a:t>WebSphereAppSvr6.1</a:t>
-            </a:r>
-          </a:p>
-          <a:p>
-            <a:pPr algn="ctr"/>
-            <a:endParaRPr lang="en-US" dirty="0"/>
-          </a:p>
-        </p:txBody>
-      </p:sp>
-      <p:sp>
-        <p:nvSpPr>
-          <p:cNvPr id="7" name="Rounded Rectangle 6"/>
-          <p:cNvSpPr/>
-          <p:nvPr/>
-        </p:nvSpPr>
-        <p:spPr>
-          <a:xfrm>
-            <a:off x="5638800" y="1600200"/>
-            <a:ext cx="1981200" cy="533400"/>
-          </a:xfrm>
-          <a:prstGeom prst="roundRect">
-            <a:avLst/>
-          </a:prstGeom>
-          <a:solidFill>
-            <a:srgbClr val="00B0F0"/>
-          </a:solidFill>
-        </p:spPr>
-        <p:style>
-          <a:lnRef idx="2">
-            <a:schemeClr val="accent1">
-              <a:shade val="50000"/>
-            </a:schemeClr>
-          </a:lnRef>
-          <a:fillRef idx="1">
-            <a:schemeClr val="accent1"/>
-          </a:fillRef>
-          <a:effectRef idx="0">
-            <a:schemeClr val="accent1"/>
-          </a:effectRef>
-          <a:fontRef idx="minor">
-            <a:schemeClr val="lt1"/>
-          </a:fontRef>
-        </p:style>
-        <p:txBody>
-          <a:bodyPr rtlCol="0" anchor="ctr"/>
-          <a:lstStyle/>
-          <a:p>
-            <a:pPr algn="ctr"/>
-            <a:r>
-              <a:rPr lang="en-US" dirty="0" smtClean="0"/>
-              <a:t>ASI / DCI</a:t>
-            </a:r>
-            <a:endParaRPr lang="en-US" dirty="0"/>
-          </a:p>
-        </p:txBody>
-      </p:sp>
-      <p:sp>
-        <p:nvSpPr>
-          <p:cNvPr id="8" name="Rounded Rectangle 7"/>
-          <p:cNvSpPr/>
-          <p:nvPr/>
-        </p:nvSpPr>
-        <p:spPr>
-          <a:xfrm>
-            <a:off x="5638800" y="609600"/>
-            <a:ext cx="1981200" cy="533400"/>
-          </a:xfrm>
-          <a:prstGeom prst="roundRect">
-            <a:avLst/>
-          </a:prstGeom>
-          <a:solidFill>
-            <a:srgbClr val="FFC000"/>
-          </a:solidFill>
-        </p:spPr>
-        <p:style>
-          <a:lnRef idx="2">
-            <a:schemeClr val="accent1">
-              <a:shade val="50000"/>
-            </a:schemeClr>
-          </a:lnRef>
-          <a:fillRef idx="1">
-            <a:schemeClr val="accent1"/>
-          </a:fillRef>
-          <a:effectRef idx="0">
-            <a:schemeClr val="accent1"/>
-          </a:effectRef>
-          <a:fontRef idx="minor">
-            <a:schemeClr val="lt1"/>
-          </a:fontRef>
-        </p:style>
-        <p:txBody>
-          <a:bodyPr rtlCol="0" anchor="ctr"/>
-          <a:lstStyle/>
-          <a:p>
-            <a:pPr algn="ctr"/>
-            <a:r>
-              <a:rPr lang="en-US" dirty="0" err="1" smtClean="0"/>
-              <a:t>WebApp</a:t>
-            </a:r>
-            <a:endParaRPr lang="en-US" dirty="0"/>
-          </a:p>
-        </p:txBody>
-      </p:sp>
-      <p:sp>
-        <p:nvSpPr>
-          <p:cNvPr id="9" name="TextBox 8"/>
-          <p:cNvSpPr txBox="1"/>
-          <p:nvPr/>
-        </p:nvSpPr>
-        <p:spPr>
-          <a:xfrm>
-            <a:off x="5867400" y="152400"/>
-            <a:ext cx="1524000" cy="369332"/>
-          </a:xfrm>
-          <a:prstGeom prst="rect">
-            <a:avLst/>
-          </a:prstGeom>
-          <a:noFill/>
-        </p:spPr>
-        <p:txBody>
-          <a:bodyPr wrap="square" rtlCol="0">
-            <a:spAutoFit/>
-          </a:bodyPr>
-          <a:lstStyle/>
-          <a:p>
-            <a:pPr algn="ctr"/>
-            <a:r>
-              <a:rPr lang="en-US" dirty="0" smtClean="0"/>
-              <a:t>Server</a:t>
-            </a:r>
-            <a:endParaRPr lang="en-US" dirty="0"/>
-          </a:p>
-        </p:txBody>
-      </p:sp>
-      <p:sp>
-        <p:nvSpPr>
-          <p:cNvPr id="10" name="Rounded Rectangle 9"/>
-          <p:cNvSpPr/>
-          <p:nvPr/>
-        </p:nvSpPr>
-        <p:spPr>
-          <a:xfrm>
-            <a:off x="838200" y="609600"/>
-            <a:ext cx="2362200" cy="1828800"/>
-          </a:xfrm>
-          <a:prstGeom prst="roundRect">
-            <a:avLst/>
-          </a:prstGeom>
-        </p:spPr>
-        <p:style>
-          <a:lnRef idx="1">
-            <a:schemeClr val="dk1"/>
-          </a:lnRef>
-          <a:fillRef idx="2">
-            <a:schemeClr val="dk1"/>
-          </a:fillRef>
-          <a:effectRef idx="1">
-            <a:schemeClr val="dk1"/>
-          </a:effectRef>
-          <a:fontRef idx="minor">
-            <a:schemeClr val="dk1"/>
-          </a:fontRef>
-        </p:style>
-        <p:txBody>
-          <a:bodyPr rtlCol="0" anchor="ctr"/>
-          <a:lstStyle/>
-          <a:p>
-            <a:pPr algn="ctr"/>
-            <a:endParaRPr lang="en-US" dirty="0"/>
-          </a:p>
-        </p:txBody>
-      </p:sp>
-      <p:sp>
-        <p:nvSpPr>
-          <p:cNvPr id="11" name="Rounded Rectangle 10"/>
-          <p:cNvSpPr/>
-          <p:nvPr/>
-        </p:nvSpPr>
-        <p:spPr>
-          <a:xfrm>
-            <a:off x="990600" y="1752600"/>
-            <a:ext cx="1981200" cy="533400"/>
-          </a:xfrm>
-          <a:prstGeom prst="roundRect">
-            <a:avLst/>
-          </a:prstGeom>
-          <a:solidFill>
-            <a:srgbClr val="00B0F0"/>
-          </a:solidFill>
-        </p:spPr>
-        <p:style>
-          <a:lnRef idx="2">
-            <a:schemeClr val="accent1">
-              <a:shade val="50000"/>
-            </a:schemeClr>
-          </a:lnRef>
-          <a:fillRef idx="1">
-            <a:schemeClr val="accent1"/>
-          </a:fillRef>
-          <a:effectRef idx="0">
-            <a:schemeClr val="accent1"/>
-          </a:effectRef>
-          <a:fontRef idx="minor">
-            <a:schemeClr val="lt1"/>
-          </a:fontRef>
-        </p:style>
-        <p:txBody>
-          <a:bodyPr rtlCol="0" anchor="ctr"/>
-          <a:lstStyle/>
-          <a:p>
-            <a:pPr algn="ctr"/>
-            <a:r>
-              <a:rPr lang="en-US" dirty="0" smtClean="0"/>
-              <a:t>ASI / DCI</a:t>
-            </a:r>
-            <a:endParaRPr lang="en-US" dirty="0"/>
-          </a:p>
-        </p:txBody>
-      </p:sp>
-      <p:sp>
-        <p:nvSpPr>
-          <p:cNvPr id="12" name="Rounded Rectangle 11"/>
-          <p:cNvSpPr/>
-          <p:nvPr/>
-        </p:nvSpPr>
-        <p:spPr>
-          <a:xfrm>
-            <a:off x="990600" y="762000"/>
-            <a:ext cx="1981200" cy="533400"/>
-          </a:xfrm>
-          <a:prstGeom prst="roundRect">
-            <a:avLst/>
-          </a:prstGeom>
-          <a:solidFill>
-            <a:srgbClr val="92D050"/>
-          </a:solidFill>
-        </p:spPr>
-        <p:style>
-          <a:lnRef idx="2">
-            <a:schemeClr val="accent1">
-              <a:shade val="50000"/>
-            </a:schemeClr>
-          </a:lnRef>
-          <a:fillRef idx="1">
-            <a:schemeClr val="accent1"/>
-          </a:fillRef>
-          <a:effectRef idx="0">
-            <a:schemeClr val="accent1"/>
-          </a:effectRef>
-          <a:fontRef idx="minor">
-            <a:schemeClr val="lt1"/>
-          </a:fontRef>
-        </p:style>
-        <p:txBody>
-          <a:bodyPr rtlCol="0" anchor="ctr"/>
-          <a:lstStyle/>
-          <a:p>
-            <a:pPr algn="ctr"/>
-            <a:r>
-              <a:rPr lang="en-US" dirty="0" smtClean="0"/>
-              <a:t>RPT 8</a:t>
-            </a:r>
-            <a:endParaRPr lang="en-US" dirty="0"/>
-          </a:p>
-        </p:txBody>
-      </p:sp>
-      <p:sp>
-        <p:nvSpPr>
-          <p:cNvPr id="13" name="TextBox 12"/>
-          <p:cNvSpPr txBox="1"/>
-          <p:nvPr/>
-        </p:nvSpPr>
-        <p:spPr>
-          <a:xfrm>
-            <a:off x="1219200" y="152400"/>
-            <a:ext cx="1524000" cy="369332"/>
-          </a:xfrm>
-          <a:prstGeom prst="rect">
-            <a:avLst/>
-          </a:prstGeom>
-          <a:noFill/>
-        </p:spPr>
-        <p:txBody>
-          <a:bodyPr wrap="square" rtlCol="0">
-            <a:spAutoFit/>
-          </a:bodyPr>
-          <a:lstStyle/>
-          <a:p>
-            <a:pPr algn="ctr"/>
-            <a:r>
-              <a:rPr lang="en-US" dirty="0" smtClean="0"/>
-              <a:t>Client</a:t>
-            </a:r>
-            <a:endParaRPr lang="en-US" dirty="0"/>
-          </a:p>
-        </p:txBody>
-      </p:sp>
-      <p:sp>
-        <p:nvSpPr>
-          <p:cNvPr id="14" name="TextBox 13"/>
-          <p:cNvSpPr txBox="1"/>
-          <p:nvPr/>
-        </p:nvSpPr>
-        <p:spPr>
-          <a:xfrm>
-            <a:off x="6629400" y="2590800"/>
-            <a:ext cx="1219200" cy="553998"/>
-          </a:xfrm>
-          <a:prstGeom prst="rect">
-            <a:avLst/>
-          </a:prstGeom>
-          <a:noFill/>
-        </p:spPr>
-        <p:txBody>
-          <a:bodyPr wrap="square" rtlCol="0">
-            <a:spAutoFit/>
-          </a:bodyPr>
-          <a:lstStyle/>
-          <a:p>
-            <a:r>
-              <a:rPr lang="en-US" sz="1000" dirty="0" smtClean="0">
-                <a:latin typeface="Arial Narrow" pitchFamily="34" charset="0"/>
-              </a:rPr>
-              <a:t>This information is generated by JVMPI/TI, not ARM</a:t>
-            </a:r>
-            <a:endParaRPr lang="en-US" sz="1000" dirty="0">
-              <a:latin typeface="Arial Narrow" pitchFamily="34" charset="0"/>
-            </a:endParaRPr>
-          </a:p>
-        </p:txBody>
-      </p:sp>
-      <p:pic>
-        <p:nvPicPr>
-          <p:cNvPr id="1026" name="Picture 2" descr="C:\Documents and Settings\Yoonki\Local Settings\Temporary Internet Files\Content.IE5\3JR7YVV4\j0432599[1].png"/>
-          <p:cNvPicPr>
-            <a:picLocks noChangeAspect="1" noChangeArrowheads="1"/>
-          </p:cNvPicPr>
-          <p:nvPr/>
-        </p:nvPicPr>
-        <p:blipFill>
-          <a:blip r:embed="rId2" cstate="print"/>
-          <a:srcRect/>
-          <a:stretch>
-            <a:fillRect/>
-          </a:stretch>
-        </p:blipFill>
-        <p:spPr bwMode="auto">
-          <a:xfrm>
-            <a:off x="5638800" y="2514600"/>
-            <a:ext cx="990600" cy="990600"/>
-          </a:xfrm>
-          <a:prstGeom prst="rect">
-            <a:avLst/>
-          </a:prstGeom>
-          <a:noFill/>
-        </p:spPr>
-      </p:pic>
-      <p:cxnSp>
-        <p:nvCxnSpPr>
-          <p:cNvPr id="21" name="Straight Connector 20"/>
-          <p:cNvCxnSpPr/>
-          <p:nvPr/>
-        </p:nvCxnSpPr>
-        <p:spPr>
-          <a:xfrm>
-            <a:off x="838200" y="4191000"/>
-            <a:ext cx="7467600" cy="0"/>
-          </a:xfrm>
-          <a:prstGeom prst="line">
-            <a:avLst/>
-          </a:prstGeom>
-        </p:spPr>
-        <p:style>
-          <a:lnRef idx="1">
-            <a:schemeClr val="accent1"/>
-          </a:lnRef>
-          <a:fillRef idx="0">
-            <a:schemeClr val="accent1"/>
-          </a:fillRef>
-          <a:effectRef idx="0">
-            <a:schemeClr val="accent1"/>
-          </a:effectRef>
-          <a:fontRef idx="minor">
-            <a:schemeClr val="tx1"/>
-          </a:fontRef>
-        </p:style>
-      </p:cxnSp>
-      <p:sp>
-        <p:nvSpPr>
-          <p:cNvPr id="22" name="TextBox 21"/>
-          <p:cNvSpPr txBox="1"/>
-          <p:nvPr/>
-        </p:nvSpPr>
-        <p:spPr>
-          <a:xfrm>
-            <a:off x="6705600" y="3429000"/>
-            <a:ext cx="1600200" cy="553998"/>
-          </a:xfrm>
-          <a:prstGeom prst="rect">
-            <a:avLst/>
-          </a:prstGeom>
-          <a:noFill/>
-        </p:spPr>
-        <p:txBody>
-          <a:bodyPr wrap="square" rtlCol="0">
-            <a:spAutoFit/>
-          </a:bodyPr>
-          <a:lstStyle/>
-          <a:p>
-            <a:r>
-              <a:rPr lang="en-US" sz="1000" dirty="0" smtClean="0">
-                <a:latin typeface="Arial Narrow" pitchFamily="34" charset="0"/>
-              </a:rPr>
-              <a:t>Analyze to identify how many transactions and method invocation trees</a:t>
-            </a:r>
-            <a:endParaRPr lang="en-US" sz="1000" dirty="0">
-              <a:latin typeface="Arial Narrow" pitchFamily="34" charset="0"/>
-            </a:endParaRPr>
-          </a:p>
-        </p:txBody>
-      </p:sp>
-      <p:sp>
-        <p:nvSpPr>
-          <p:cNvPr id="23" name="TextBox 22"/>
-          <p:cNvSpPr txBox="1"/>
-          <p:nvPr/>
-        </p:nvSpPr>
-        <p:spPr>
-          <a:xfrm>
-            <a:off x="1066800" y="4419600"/>
-            <a:ext cx="2743200" cy="553998"/>
-          </a:xfrm>
-          <a:prstGeom prst="rect">
-            <a:avLst/>
-          </a:prstGeom>
-          <a:noFill/>
-        </p:spPr>
-        <p:txBody>
-          <a:bodyPr wrap="square" rtlCol="0">
-            <a:spAutoFit/>
-          </a:bodyPr>
-          <a:lstStyle/>
-          <a:p>
-            <a:r>
-              <a:rPr lang="en-US" sz="1000" dirty="0" smtClean="0">
-                <a:latin typeface="Arial Narrow" pitchFamily="34" charset="0"/>
-              </a:rPr>
-              <a:t>[</a:t>
-            </a:r>
-            <a:r>
-              <a:rPr lang="en-US" sz="1000" dirty="0" err="1" smtClean="0">
-                <a:latin typeface="Arial Narrow" pitchFamily="34" charset="0"/>
-              </a:rPr>
-              <a:t>Todo</a:t>
-            </a:r>
-            <a:r>
-              <a:rPr lang="en-US" sz="1000" dirty="0" smtClean="0">
-                <a:latin typeface="Arial Narrow" pitchFamily="34" charset="0"/>
-              </a:rPr>
-              <a:t>]</a:t>
-            </a:r>
-          </a:p>
-          <a:p>
-            <a:r>
-              <a:rPr lang="en-US" sz="1000" dirty="0" smtClean="0">
-                <a:latin typeface="Arial Narrow" pitchFamily="34" charset="0"/>
-              </a:rPr>
-              <a:t>Evaluation, Analysis, and Visualization for  XML file, that contains transactions,  generated by TPTP</a:t>
-            </a:r>
-            <a:endParaRPr lang="en-US" sz="1000" dirty="0">
-              <a:latin typeface="Arial Narrow" pitchFamily="34" charset="0"/>
-            </a:endParaRPr>
-          </a:p>
-        </p:txBody>
-      </p:sp>
-      <p:sp>
-        <p:nvSpPr>
-          <p:cNvPr id="24" name="TextBox 23"/>
-          <p:cNvSpPr txBox="1"/>
-          <p:nvPr/>
-        </p:nvSpPr>
-        <p:spPr>
-          <a:xfrm>
-            <a:off x="2286000" y="5334000"/>
-            <a:ext cx="2743200" cy="400110"/>
-          </a:xfrm>
-          <a:prstGeom prst="rect">
-            <a:avLst/>
-          </a:prstGeom>
-          <a:noFill/>
-        </p:spPr>
-        <p:txBody>
-          <a:bodyPr wrap="square" rtlCol="0">
-            <a:spAutoFit/>
-          </a:bodyPr>
-          <a:lstStyle/>
-          <a:p>
-            <a:r>
-              <a:rPr lang="en-US" sz="1000" dirty="0" smtClean="0">
-                <a:latin typeface="Arial Narrow" pitchFamily="34" charset="0"/>
-              </a:rPr>
-              <a:t>[Analysis]</a:t>
-            </a:r>
-          </a:p>
-          <a:p>
-            <a:r>
-              <a:rPr lang="en-US" sz="1000" dirty="0" smtClean="0">
-                <a:latin typeface="Arial Narrow" pitchFamily="34" charset="0"/>
-              </a:rPr>
-              <a:t>“</a:t>
-            </a:r>
-            <a:r>
-              <a:rPr lang="en-US" sz="1000" dirty="0" err="1" smtClean="0">
-                <a:latin typeface="Arial Narrow" pitchFamily="34" charset="0"/>
-              </a:rPr>
-              <a:t>doGet</a:t>
-            </a:r>
-            <a:r>
-              <a:rPr lang="en-US" sz="1000" dirty="0" smtClean="0">
-                <a:latin typeface="Arial Narrow" pitchFamily="34" charset="0"/>
-              </a:rPr>
-              <a:t>” – the start of transaction</a:t>
-            </a:r>
-          </a:p>
-        </p:txBody>
-      </p:sp>
-      <p:sp>
-        <p:nvSpPr>
-          <p:cNvPr id="25" name="TextBox 24"/>
-          <p:cNvSpPr txBox="1"/>
-          <p:nvPr/>
-        </p:nvSpPr>
-        <p:spPr>
-          <a:xfrm>
-            <a:off x="3352800" y="228600"/>
-            <a:ext cx="2362200" cy="400110"/>
-          </a:xfrm>
-          <a:prstGeom prst="rect">
-            <a:avLst/>
-          </a:prstGeom>
-          <a:noFill/>
-        </p:spPr>
-        <p:txBody>
-          <a:bodyPr wrap="square" rtlCol="0">
-            <a:spAutoFit/>
-          </a:bodyPr>
-          <a:lstStyle/>
-          <a:p>
-            <a:r>
-              <a:rPr lang="en-US" sz="1000" dirty="0" smtClean="0">
-                <a:latin typeface="Arial Narrow" pitchFamily="34" charset="0"/>
-              </a:rPr>
-              <a:t>Ideally, ASI should  be run on the both side. The server side (Recommendation)</a:t>
-            </a:r>
-            <a:endParaRPr lang="en-US" sz="1000" dirty="0">
-              <a:latin typeface="Arial Narrow" pitchFamily="34" charset="0"/>
-            </a:endParaRPr>
-          </a:p>
-        </p:txBody>
-      </p:sp>
-      <p:cxnSp>
-        <p:nvCxnSpPr>
-          <p:cNvPr id="26" name="Straight Connector 25"/>
-          <p:cNvCxnSpPr/>
-          <p:nvPr/>
-        </p:nvCxnSpPr>
-        <p:spPr>
-          <a:xfrm>
-            <a:off x="533400" y="152400"/>
-            <a:ext cx="7467600" cy="0"/>
-          </a:xfrm>
-          <a:prstGeom prst="line">
-            <a:avLst/>
-          </a:prstGeom>
-        </p:spPr>
-        <p:style>
-          <a:lnRef idx="1">
-            <a:schemeClr val="accent1"/>
-          </a:lnRef>
-          <a:fillRef idx="0">
-            <a:schemeClr val="accent1"/>
-          </a:fillRef>
-          <a:effectRef idx="0">
-            <a:schemeClr val="accent1"/>
-          </a:effectRef>
-          <a:fontRef idx="minor">
-            <a:schemeClr val="tx1"/>
-          </a:fontRef>
-        </p:style>
-      </p:cxnSp>
-      <p:pic>
-        <p:nvPicPr>
-          <p:cNvPr id="1027" name="Picture 3" descr="C:\Documents and Settings\Yoonki\Local Settings\Temporary Internet Files\Content.IE5\U9BQB4VW\j0432605[1].png"/>
-          <p:cNvPicPr>
-            <a:picLocks noChangeAspect="1" noChangeArrowheads="1"/>
-          </p:cNvPicPr>
-          <p:nvPr/>
-        </p:nvPicPr>
-        <p:blipFill>
-          <a:blip r:embed="rId3" cstate="print"/>
-          <a:srcRect/>
-          <a:stretch>
-            <a:fillRect/>
-          </a:stretch>
-        </p:blipFill>
-        <p:spPr bwMode="auto">
-          <a:xfrm>
-            <a:off x="914400" y="2514600"/>
-            <a:ext cx="990600" cy="990600"/>
-          </a:xfrm>
-          <a:prstGeom prst="rect">
-            <a:avLst/>
-          </a:prstGeom>
-          <a:noFill/>
-        </p:spPr>
-      </p:pic>
-      <p:sp>
-        <p:nvSpPr>
-          <p:cNvPr id="28" name="TextBox 27"/>
-          <p:cNvSpPr txBox="1"/>
-          <p:nvPr/>
-        </p:nvSpPr>
-        <p:spPr>
-          <a:xfrm>
-            <a:off x="1905000" y="2819400"/>
-            <a:ext cx="1219200" cy="400110"/>
-          </a:xfrm>
-          <a:prstGeom prst="rect">
-            <a:avLst/>
-          </a:prstGeom>
-          <a:noFill/>
-        </p:spPr>
-        <p:txBody>
-          <a:bodyPr wrap="square" rtlCol="0">
-            <a:spAutoFit/>
-          </a:bodyPr>
-          <a:lstStyle/>
-          <a:p>
-            <a:r>
-              <a:rPr lang="en-US" sz="1000" dirty="0" smtClean="0">
-                <a:latin typeface="Arial Narrow" pitchFamily="34" charset="0"/>
-              </a:rPr>
-              <a:t>This information is generated by ARM</a:t>
-            </a:r>
-            <a:endParaRPr lang="en-US" sz="1000" dirty="0">
-              <a:latin typeface="Arial Narrow" pitchFamily="34" charset="0"/>
-            </a:endParaRPr>
-          </a:p>
-        </p:txBody>
-      </p:sp>
-      <p:sp>
-        <p:nvSpPr>
-          <p:cNvPr id="29" name="TextBox 28"/>
-          <p:cNvSpPr txBox="1"/>
-          <p:nvPr/>
-        </p:nvSpPr>
-        <p:spPr>
-          <a:xfrm>
-            <a:off x="3352800" y="838200"/>
-            <a:ext cx="2362200" cy="400110"/>
-          </a:xfrm>
-          <a:prstGeom prst="rect">
-            <a:avLst/>
-          </a:prstGeom>
-          <a:noFill/>
-        </p:spPr>
-        <p:txBody>
-          <a:bodyPr wrap="square" rtlCol="0">
-            <a:spAutoFit/>
-          </a:bodyPr>
-          <a:lstStyle/>
-          <a:p>
-            <a:r>
-              <a:rPr lang="en-US" sz="1000" dirty="0" smtClean="0">
-                <a:latin typeface="Arial Narrow" pitchFamily="34" charset="0"/>
-              </a:rPr>
-              <a:t>Before using RPT, web apps should be instrumented.</a:t>
-            </a:r>
-            <a:endParaRPr lang="en-US" sz="1000" dirty="0">
-              <a:latin typeface="Arial Narrow" pitchFamily="34" charset="0"/>
-            </a:endParaRPr>
-          </a:p>
-        </p:txBody>
-      </p:sp>
-    </p:spTree>
-  </p:cSld>
-  <p:clrMapOvr>
-    <a:masterClrMapping/>
-  </p:clrMapOvr>
-</p:sld>
-</file>
-
-<file path=ppt/slides/slide24.xml><?xml version="1.0" encoding="utf-8"?>
-<p:sld xmlns:a="http://schemas.openxmlformats.org/drawingml/2006/main" xmlns:r="http://schemas.openxmlformats.org/officeDocument/2006/relationships" xmlns:p="http://schemas.openxmlformats.org/presentationml/2006/main">
-  <p:cSld>
-    <p:spTree>
-      <p:nvGrpSpPr>
-        <p:cNvPr id="1" name=""/>
-        <p:cNvGrpSpPr/>
-        <p:nvPr/>
-      </p:nvGrpSpPr>
-      <p:grpSpPr>
-        <a:xfrm>
-          <a:off x="0" y="0"/>
-          <a:ext cx="0" cy="0"/>
-          <a:chOff x="0" y="0"/>
-          <a:chExt cx="0" cy="0"/>
-        </a:xfrm>
-      </p:grpSpPr>
-      <p:sp>
-        <p:nvSpPr>
-          <p:cNvPr id="2" name="Title 1"/>
-          <p:cNvSpPr>
-            <a:spLocks noGrp="1"/>
-          </p:cNvSpPr>
-          <p:nvPr>
-            <p:ph type="title"/>
-          </p:nvPr>
-        </p:nvSpPr>
-        <p:spPr/>
-        <p:txBody>
-          <a:bodyPr>
-            <a:normAutofit fontScale="90000"/>
-          </a:bodyPr>
-          <a:lstStyle/>
-          <a:p>
-            <a:r>
-              <a:rPr lang="en-US" dirty="0" smtClean="0"/>
               <a:t>System Architecture </a:t>
             </a:r>
             <a:br>
@@ -6060,7 +3634,7 @@
             </a:br>
             <a:r>
               <a:rPr lang="en-US" dirty="0" smtClean="0"/>
-              <a:t>using the Data Collection Architecture</a:t>
+              <a:t>using the Data Collection Infrastructure</a:t>
             </a:r>
             <a:endParaRPr lang="en-US" dirty="0"/>
           </a:p>
@@ -6182,7 +3756,7 @@
         </p:nvSpPr>
         <p:spPr>
           <a:xfrm>
-            <a:off x="6248400" y="4648200"/>
+            <a:off x="6477000" y="4724400"/>
             <a:ext cx="304800" cy="304800"/>
           </a:xfrm>
           <a:prstGeom prst="ellipse">
@@ -6239,7 +3813,7 @@
         </p:nvSpPr>
         <p:spPr>
           <a:xfrm>
-            <a:off x="2590800" y="3733800"/>
+            <a:off x="2743200" y="3733800"/>
             <a:ext cx="304800" cy="304800"/>
           </a:xfrm>
           <a:prstGeom prst="ellipse">
@@ -6296,8 +3870,8 @@
         </p:nvSpPr>
         <p:spPr>
           <a:xfrm>
-            <a:off x="6172200" y="5410200"/>
-            <a:ext cx="304800" cy="304800"/>
+            <a:off x="6172200" y="5105400"/>
+            <a:ext cx="381000" cy="381000"/>
           </a:xfrm>
           <a:prstGeom prst="ellipse">
             <a:avLst/>
@@ -6330,17 +3904,19 @@
           <a:p>
             <a:pPr algn="ctr"/>
             <a:r>
-              <a:rPr lang="en-US" dirty="0" smtClean="0">
+              <a:rPr lang="en-US" sz="1000" dirty="0" smtClean="0">
                 <a:solidFill>
                   <a:schemeClr val="tx1"/>
                 </a:solidFill>
+                <a:latin typeface="Arial Narrow" pitchFamily="34" charset="0"/>
               </a:rPr>
-              <a:t>4</a:t>
-            </a:r>
-            <a:endParaRPr lang="en-US" dirty="0">
+              <a:t>4A</a:t>
+            </a:r>
+            <a:endParaRPr lang="en-US" sz="1000" dirty="0">
               <a:solidFill>
                 <a:schemeClr val="tx1"/>
               </a:solidFill>
+              <a:latin typeface="Arial Narrow" pitchFamily="34" charset="0"/>
             </a:endParaRPr>
           </a:p>
         </p:txBody>
@@ -6353,8 +3929,8 @@
         </p:nvSpPr>
         <p:spPr>
           <a:xfrm>
-            <a:off x="4267200" y="4724400"/>
-            <a:ext cx="304800" cy="304800"/>
+            <a:off x="4114800" y="4648200"/>
+            <a:ext cx="381000" cy="381000"/>
           </a:xfrm>
           <a:prstGeom prst="ellipse">
             <a:avLst/>
@@ -6387,17 +3963,19 @@
           <a:p>
             <a:pPr algn="ctr"/>
             <a:r>
-              <a:rPr lang="en-US" dirty="0" smtClean="0">
+              <a:rPr lang="en-US" sz="1000" dirty="0" smtClean="0">
                 <a:solidFill>
                   <a:schemeClr val="tx1"/>
                 </a:solidFill>
+                <a:latin typeface="Arial Narrow" pitchFamily="34" charset="0"/>
               </a:rPr>
-              <a:t>5</a:t>
-            </a:r>
-            <a:endParaRPr lang="en-US" dirty="0">
+              <a:t>4C</a:t>
+            </a:r>
+            <a:endParaRPr lang="en-US" sz="1000" dirty="0">
               <a:solidFill>
                 <a:schemeClr val="tx1"/>
               </a:solidFill>
+              <a:latin typeface="Arial Narrow" pitchFamily="34" charset="0"/>
             </a:endParaRPr>
           </a:p>
         </p:txBody>
@@ -6497,6 +4075,207 @@
           </a:p>
         </p:txBody>
       </p:sp>
+      <p:sp>
+        <p:nvSpPr>
+          <p:cNvPr id="12" name="Up-Down Arrow 11"/>
+          <p:cNvSpPr/>
+          <p:nvPr/>
+        </p:nvSpPr>
+        <p:spPr>
+          <a:xfrm>
+            <a:off x="7696200" y="5105400"/>
+            <a:ext cx="228600" cy="304800"/>
+          </a:xfrm>
+          <a:prstGeom prst="upDownArrow">
+            <a:avLst/>
+          </a:prstGeom>
+          <a:solidFill>
+            <a:schemeClr val="accent2">
+              <a:lumMod val="40000"/>
+              <a:lumOff val="60000"/>
+            </a:schemeClr>
+          </a:solidFill>
+        </p:spPr>
+        <p:style>
+          <a:lnRef idx="2">
+            <a:schemeClr val="accent1">
+              <a:shade val="50000"/>
+            </a:schemeClr>
+          </a:lnRef>
+          <a:fillRef idx="1">
+            <a:schemeClr val="accent1"/>
+          </a:fillRef>
+          <a:effectRef idx="0">
+            <a:schemeClr val="accent1"/>
+          </a:effectRef>
+          <a:fontRef idx="minor">
+            <a:schemeClr val="lt1"/>
+          </a:fontRef>
+        </p:style>
+        <p:txBody>
+          <a:bodyPr rtlCol="0" anchor="ctr"/>
+          <a:lstStyle/>
+          <a:p>
+            <a:pPr algn="ctr"/>
+            <a:endParaRPr lang="en-US"/>
+          </a:p>
+        </p:txBody>
+      </p:sp>
+      <p:sp>
+        <p:nvSpPr>
+          <p:cNvPr id="13" name="Flowchart: Process 12"/>
+          <p:cNvSpPr/>
+          <p:nvPr/>
+        </p:nvSpPr>
+        <p:spPr>
+          <a:xfrm>
+            <a:off x="8001000" y="5105400"/>
+            <a:ext cx="533400" cy="228600"/>
+          </a:xfrm>
+          <a:prstGeom prst="flowChartProcess">
+            <a:avLst/>
+          </a:prstGeom>
+        </p:spPr>
+        <p:style>
+          <a:lnRef idx="2">
+            <a:schemeClr val="accent1">
+              <a:shade val="50000"/>
+            </a:schemeClr>
+          </a:lnRef>
+          <a:fillRef idx="1">
+            <a:schemeClr val="accent1"/>
+          </a:fillRef>
+          <a:effectRef idx="0">
+            <a:schemeClr val="accent1"/>
+          </a:effectRef>
+          <a:fontRef idx="minor">
+            <a:schemeClr val="lt1"/>
+          </a:fontRef>
+        </p:style>
+        <p:txBody>
+          <a:bodyPr rtlCol="0" anchor="ctr"/>
+          <a:lstStyle/>
+          <a:p>
+            <a:pPr algn="ctr"/>
+            <a:r>
+              <a:rPr lang="en-US" sz="1000" dirty="0" smtClean="0">
+                <a:latin typeface="Arial Narrow" pitchFamily="34" charset="0"/>
+              </a:rPr>
+              <a:t>Events</a:t>
+            </a:r>
+            <a:endParaRPr lang="en-US" sz="1000" dirty="0">
+              <a:latin typeface="Arial Narrow" pitchFamily="34" charset="0"/>
+            </a:endParaRPr>
+          </a:p>
+        </p:txBody>
+      </p:sp>
+      <p:sp>
+        <p:nvSpPr>
+          <p:cNvPr id="14" name="Oval 13"/>
+          <p:cNvSpPr/>
+          <p:nvPr/>
+        </p:nvSpPr>
+        <p:spPr>
+          <a:xfrm>
+            <a:off x="7010400" y="6324600"/>
+            <a:ext cx="381000" cy="381000"/>
+          </a:xfrm>
+          <a:prstGeom prst="ellipse">
+            <a:avLst/>
+          </a:prstGeom>
+          <a:solidFill>
+            <a:schemeClr val="accent6">
+              <a:lumMod val="75000"/>
+            </a:schemeClr>
+          </a:solidFill>
+        </p:spPr>
+        <p:style>
+          <a:lnRef idx="2">
+            <a:schemeClr val="accent1">
+              <a:shade val="50000"/>
+            </a:schemeClr>
+          </a:lnRef>
+          <a:fillRef idx="1">
+            <a:schemeClr val="accent1"/>
+          </a:fillRef>
+          <a:effectRef idx="0">
+            <a:schemeClr val="accent1"/>
+          </a:effectRef>
+          <a:fontRef idx="minor">
+            <a:schemeClr val="lt1"/>
+          </a:fontRef>
+        </p:style>
+        <p:txBody>
+          <a:bodyPr rtlCol="0" anchor="ctr"/>
+          <a:lstStyle/>
+          <a:p>
+            <a:pPr algn="ctr"/>
+            <a:r>
+              <a:rPr lang="en-US" sz="1000" dirty="0" smtClean="0">
+                <a:solidFill>
+                  <a:schemeClr val="tx1"/>
+                </a:solidFill>
+                <a:latin typeface="Arial Narrow" pitchFamily="34" charset="0"/>
+              </a:rPr>
+              <a:t>4B</a:t>
+            </a:r>
+            <a:endParaRPr lang="en-US" sz="1000" dirty="0">
+              <a:solidFill>
+                <a:schemeClr val="tx1"/>
+              </a:solidFill>
+              <a:latin typeface="Arial Narrow" pitchFamily="34" charset="0"/>
+            </a:endParaRPr>
+          </a:p>
+        </p:txBody>
+      </p:sp>
+      <p:sp>
+        <p:nvSpPr>
+          <p:cNvPr id="15" name="Flowchart: Process 14"/>
+          <p:cNvSpPr/>
+          <p:nvPr/>
+        </p:nvSpPr>
+        <p:spPr>
+          <a:xfrm>
+            <a:off x="7467600" y="6400800"/>
+            <a:ext cx="1143000" cy="304800"/>
+          </a:xfrm>
+          <a:prstGeom prst="flowChartProcess">
+            <a:avLst/>
+          </a:prstGeom>
+        </p:spPr>
+        <p:style>
+          <a:lnRef idx="2">
+            <a:schemeClr val="accent1">
+              <a:shade val="50000"/>
+            </a:schemeClr>
+          </a:lnRef>
+          <a:fillRef idx="1">
+            <a:schemeClr val="accent1"/>
+          </a:fillRef>
+          <a:effectRef idx="0">
+            <a:schemeClr val="accent1"/>
+          </a:effectRef>
+          <a:fontRef idx="minor">
+            <a:schemeClr val="lt1"/>
+          </a:fontRef>
+        </p:style>
+        <p:txBody>
+          <a:bodyPr rtlCol="0" anchor="ctr"/>
+          <a:lstStyle/>
+          <a:p>
+            <a:pPr algn="ctr"/>
+            <a:r>
+              <a:rPr lang="en-US" sz="1000" dirty="0" smtClean="0">
+                <a:latin typeface="Arial Narrow" pitchFamily="34" charset="0"/>
+              </a:rPr>
+              <a:t>Events Transformed by DM</a:t>
+            </a:r>
+            <a:endParaRPr lang="en-US" sz="1000" dirty="0">
+              <a:latin typeface="Arial Narrow" pitchFamily="34" charset="0"/>
+            </a:endParaRPr>
+          </a:p>
+        </p:txBody>
+      </p:sp>
     </p:spTree>
   </p:cSld>
   <p:clrMapOvr>
@@ -6512,7 +4291,98 @@
 </p:sld>
 </file>
 
-<file path=ppt/slides/slide25.xml><?xml version="1.0" encoding="utf-8"?>
+<file path=ppt/slides/slide11.xml><?xml version="1.0" encoding="utf-8"?>
+<p:sld xmlns:a="http://schemas.openxmlformats.org/drawingml/2006/main" xmlns:r="http://schemas.openxmlformats.org/officeDocument/2006/relationships" xmlns:p="http://schemas.openxmlformats.org/presentationml/2006/main">
+  <p:cSld>
+    <p:spTree>
+      <p:nvGrpSpPr>
+        <p:cNvPr id="1" name=""/>
+        <p:cNvGrpSpPr/>
+        <p:nvPr/>
+      </p:nvGrpSpPr>
+      <p:grpSpPr>
+        <a:xfrm>
+          <a:off x="0" y="0"/>
+          <a:ext cx="0" cy="0"/>
+          <a:chOff x="0" y="0"/>
+          <a:chExt cx="0" cy="0"/>
+        </a:xfrm>
+      </p:grpSpPr>
+      <p:sp>
+        <p:nvSpPr>
+          <p:cNvPr id="2" name="Title 1"/>
+          <p:cNvSpPr>
+            <a:spLocks noGrp="1"/>
+          </p:cNvSpPr>
+          <p:nvPr>
+            <p:ph type="title"/>
+          </p:nvPr>
+        </p:nvSpPr>
+        <p:spPr/>
+        <p:txBody>
+          <a:bodyPr/>
+          <a:lstStyle/>
+          <a:p>
+            <a:r>
+              <a:rPr lang="en-US" dirty="0" smtClean="0"/>
+              <a:t>Execution Environment</a:t>
+            </a:r>
+            <a:endParaRPr lang="en-US" dirty="0"/>
+          </a:p>
+        </p:txBody>
+      </p:sp>
+      <p:sp>
+        <p:nvSpPr>
+          <p:cNvPr id="3" name="Content Placeholder 2"/>
+          <p:cNvSpPr>
+            <a:spLocks noGrp="1"/>
+          </p:cNvSpPr>
+          <p:nvPr>
+            <p:ph idx="1"/>
+          </p:nvPr>
+        </p:nvSpPr>
+        <p:spPr/>
+        <p:txBody>
+          <a:bodyPr/>
+          <a:lstStyle/>
+          <a:p>
+            <a:r>
+              <a:rPr lang="en-US" dirty="0" smtClean="0"/>
+              <a:t>Just-in-Time Instrumentation (JITI)</a:t>
+            </a:r>
+          </a:p>
+          <a:p>
+            <a:pPr lvl="1"/>
+            <a:r>
+              <a:rPr lang="en-US" dirty="0" smtClean="0"/>
+              <a:t>The IBM Tivoli J2EE monitoring component</a:t>
+            </a:r>
+          </a:p>
+          <a:p>
+            <a:r>
+              <a:rPr lang="en-US" dirty="0" smtClean="0"/>
+              <a:t>JVM</a:t>
+            </a:r>
+          </a:p>
+          <a:p>
+            <a:pPr lvl="1"/>
+            <a:r>
+              <a:rPr lang="en-US" dirty="0" smtClean="0"/>
+              <a:t>API called the JVM Profiling Interface (JVMPI)</a:t>
+            </a:r>
+            <a:endParaRPr lang="en-US" dirty="0"/>
+          </a:p>
+        </p:txBody>
+      </p:sp>
+    </p:spTree>
+  </p:cSld>
+  <p:clrMapOvr>
+    <a:masterClrMapping/>
+  </p:clrMapOvr>
+</p:sld>
+</file>
+
+<file path=ppt/slides/slide12.xml><?xml version="1.0" encoding="utf-8"?>
 <p:sld xmlns:a="http://schemas.openxmlformats.org/drawingml/2006/main" xmlns:r="http://schemas.openxmlformats.org/officeDocument/2006/relationships" xmlns:p="http://schemas.openxmlformats.org/presentationml/2006/main">
   <p:cSld>
     <p:spTree>
@@ -6627,7 +4497,7 @@
 </p:sld>
 </file>
 
-<file path=ppt/slides/slide26.xml><?xml version="1.0" encoding="utf-8"?>
+<file path=ppt/slides/slide13.xml><?xml version="1.0" encoding="utf-8"?>
 <p:sld xmlns:a="http://schemas.openxmlformats.org/drawingml/2006/main" xmlns:r="http://schemas.openxmlformats.org/officeDocument/2006/relationships" xmlns:p="http://schemas.openxmlformats.org/presentationml/2006/main">
   <p:cSld>
     <p:spTree>
@@ -6723,10 +4593,1258 @@
   <p:clrMapOvr>
     <a:masterClrMapping/>
   </p:clrMapOvr>
+  <p:timing>
+    <p:tnLst>
+      <p:par>
+        <p:cTn id="1" dur="indefinite" restart="never" nodeType="tmRoot"/>
+      </p:par>
+    </p:tnLst>
+  </p:timing>
 </p:sld>
 </file>
 
-<file path=ppt/slides/slide27.xml><?xml version="1.0" encoding="utf-8"?>
+<file path=ppt/slides/slide14.xml><?xml version="1.0" encoding="utf-8"?>
+<p:sld xmlns:a="http://schemas.openxmlformats.org/drawingml/2006/main" xmlns:r="http://schemas.openxmlformats.org/officeDocument/2006/relationships" xmlns:p="http://schemas.openxmlformats.org/presentationml/2006/main">
+  <p:cSld>
+    <p:spTree>
+      <p:nvGrpSpPr>
+        <p:cNvPr id="1" name=""/>
+        <p:cNvGrpSpPr/>
+        <p:nvPr/>
+      </p:nvGrpSpPr>
+      <p:grpSpPr>
+        <a:xfrm>
+          <a:off x="0" y="0"/>
+          <a:ext cx="0" cy="0"/>
+          <a:chOff x="0" y="0"/>
+          <a:chExt cx="0" cy="0"/>
+        </a:xfrm>
+      </p:grpSpPr>
+      <p:sp>
+        <p:nvSpPr>
+          <p:cNvPr id="2" name="Title 1"/>
+          <p:cNvSpPr>
+            <a:spLocks noGrp="1"/>
+          </p:cNvSpPr>
+          <p:nvPr>
+            <p:ph type="title"/>
+          </p:nvPr>
+        </p:nvSpPr>
+        <p:spPr/>
+        <p:txBody>
+          <a:bodyPr>
+            <a:normAutofit/>
+          </a:bodyPr>
+          <a:lstStyle/>
+          <a:p>
+            <a:r>
+              <a:rPr lang="en-US" sz="3200" dirty="0" smtClean="0"/>
+              <a:t>Profiling Monitor for J2EE Performance Analysis</a:t>
+            </a:r>
+            <a:endParaRPr lang="en-US" sz="3200" dirty="0"/>
+          </a:p>
+        </p:txBody>
+      </p:sp>
+      <p:sp>
+        <p:nvSpPr>
+          <p:cNvPr id="3" name="Content Placeholder 2"/>
+          <p:cNvSpPr>
+            <a:spLocks noGrp="1"/>
+          </p:cNvSpPr>
+          <p:nvPr>
+            <p:ph idx="1"/>
+          </p:nvPr>
+        </p:nvSpPr>
+        <p:spPr/>
+        <p:txBody>
+          <a:bodyPr/>
+          <a:lstStyle/>
+          <a:p>
+            <a:endParaRPr lang="en-US" dirty="0"/>
+          </a:p>
+        </p:txBody>
+      </p:sp>
+      <p:pic>
+        <p:nvPicPr>
+          <p:cNvPr id="1026" name="Picture 2"/>
+          <p:cNvPicPr>
+            <a:picLocks noChangeAspect="1" noChangeArrowheads="1"/>
+          </p:cNvPicPr>
+          <p:nvPr/>
+        </p:nvPicPr>
+        <p:blipFill>
+          <a:blip r:embed="rId2" cstate="print"/>
+          <a:srcRect/>
+          <a:stretch>
+            <a:fillRect/>
+          </a:stretch>
+        </p:blipFill>
+        <p:spPr bwMode="auto">
+          <a:xfrm>
+            <a:off x="1828800" y="1600200"/>
+            <a:ext cx="5038725" cy="3800475"/>
+          </a:xfrm>
+          <a:prstGeom prst="rect">
+            <a:avLst/>
+          </a:prstGeom>
+          <a:noFill/>
+          <a:ln w="9525">
+            <a:noFill/>
+            <a:miter lim="800000"/>
+            <a:headEnd/>
+            <a:tailEnd/>
+          </a:ln>
+        </p:spPr>
+      </p:pic>
+    </p:spTree>
+  </p:cSld>
+  <p:clrMapOvr>
+    <a:masterClrMapping/>
+  </p:clrMapOvr>
+</p:sld>
+</file>
+
+<file path=ppt/slides/slide15.xml><?xml version="1.0" encoding="utf-8"?>
+<p:sld xmlns:a="http://schemas.openxmlformats.org/drawingml/2006/main" xmlns:r="http://schemas.openxmlformats.org/officeDocument/2006/relationships" xmlns:p="http://schemas.openxmlformats.org/presentationml/2006/main">
+  <p:cSld>
+    <p:spTree>
+      <p:nvGrpSpPr>
+        <p:cNvPr id="1" name=""/>
+        <p:cNvGrpSpPr/>
+        <p:nvPr/>
+      </p:nvGrpSpPr>
+      <p:grpSpPr>
+        <a:xfrm>
+          <a:off x="0" y="0"/>
+          <a:ext cx="0" cy="0"/>
+          <a:chOff x="0" y="0"/>
+          <a:chExt cx="0" cy="0"/>
+        </a:xfrm>
+      </p:grpSpPr>
+      <p:sp>
+        <p:nvSpPr>
+          <p:cNvPr id="2" name="Title 1"/>
+          <p:cNvSpPr>
+            <a:spLocks noGrp="1"/>
+          </p:cNvSpPr>
+          <p:nvPr>
+            <p:ph type="title"/>
+          </p:nvPr>
+        </p:nvSpPr>
+        <p:spPr/>
+        <p:txBody>
+          <a:bodyPr/>
+          <a:lstStyle/>
+          <a:p>
+            <a:r>
+              <a:rPr lang="en-US" dirty="0" smtClean="0"/>
+              <a:t>Page Element Statistics Wizard</a:t>
+            </a:r>
+            <a:endParaRPr lang="en-US" dirty="0"/>
+          </a:p>
+        </p:txBody>
+      </p:sp>
+      <p:sp>
+        <p:nvSpPr>
+          <p:cNvPr id="3" name="Content Placeholder 2"/>
+          <p:cNvSpPr>
+            <a:spLocks noGrp="1"/>
+          </p:cNvSpPr>
+          <p:nvPr>
+            <p:ph idx="1"/>
+          </p:nvPr>
+        </p:nvSpPr>
+        <p:spPr/>
+        <p:txBody>
+          <a:bodyPr/>
+          <a:lstStyle/>
+          <a:p>
+            <a:endParaRPr lang="en-US"/>
+          </a:p>
+        </p:txBody>
+      </p:sp>
+      <p:pic>
+        <p:nvPicPr>
+          <p:cNvPr id="3074" name="Picture 2"/>
+          <p:cNvPicPr>
+            <a:picLocks noChangeAspect="1" noChangeArrowheads="1"/>
+          </p:cNvPicPr>
+          <p:nvPr/>
+        </p:nvPicPr>
+        <p:blipFill>
+          <a:blip r:embed="rId2" cstate="print"/>
+          <a:srcRect/>
+          <a:stretch>
+            <a:fillRect/>
+          </a:stretch>
+        </p:blipFill>
+        <p:spPr bwMode="auto">
+          <a:xfrm>
+            <a:off x="1752600" y="1600200"/>
+            <a:ext cx="5600700" cy="4572000"/>
+          </a:xfrm>
+          <a:prstGeom prst="rect">
+            <a:avLst/>
+          </a:prstGeom>
+          <a:noFill/>
+          <a:ln w="9525">
+            <a:noFill/>
+            <a:miter lim="800000"/>
+            <a:headEnd/>
+            <a:tailEnd/>
+          </a:ln>
+        </p:spPr>
+      </p:pic>
+    </p:spTree>
+  </p:cSld>
+  <p:clrMapOvr>
+    <a:masterClrMapping/>
+  </p:clrMapOvr>
+</p:sld>
+</file>
+
+<file path=ppt/slides/slide16.xml><?xml version="1.0" encoding="utf-8"?>
+<p:sld xmlns:a="http://schemas.openxmlformats.org/drawingml/2006/main" xmlns:r="http://schemas.openxmlformats.org/officeDocument/2006/relationships" xmlns:p="http://schemas.openxmlformats.org/presentationml/2006/main">
+  <p:cSld>
+    <p:spTree>
+      <p:nvGrpSpPr>
+        <p:cNvPr id="1" name=""/>
+        <p:cNvGrpSpPr/>
+        <p:nvPr/>
+      </p:nvGrpSpPr>
+      <p:grpSpPr>
+        <a:xfrm>
+          <a:off x="0" y="0"/>
+          <a:ext cx="0" cy="0"/>
+          <a:chOff x="0" y="0"/>
+          <a:chExt cx="0" cy="0"/>
+        </a:xfrm>
+      </p:grpSpPr>
+      <p:sp>
+        <p:nvSpPr>
+          <p:cNvPr id="2" name="Title 1"/>
+          <p:cNvSpPr>
+            <a:spLocks noGrp="1"/>
+          </p:cNvSpPr>
+          <p:nvPr>
+            <p:ph type="title"/>
+          </p:nvPr>
+        </p:nvSpPr>
+        <p:spPr/>
+        <p:txBody>
+          <a:bodyPr>
+            <a:normAutofit fontScale="90000"/>
+          </a:bodyPr>
+          <a:lstStyle/>
+          <a:p>
+            <a:r>
+              <a:rPr lang="en-US" dirty="0" smtClean="0"/>
+              <a:t>Response Time Breakdown </a:t>
+            </a:r>
+            <a:br>
+              <a:rPr lang="en-US" dirty="0" smtClean="0"/>
+            </a:br>
+            <a:r>
+              <a:rPr lang="en-US" dirty="0" smtClean="0"/>
+              <a:t>Statistics view</a:t>
+            </a:r>
+            <a:endParaRPr lang="en-US" dirty="0"/>
+          </a:p>
+        </p:txBody>
+      </p:sp>
+      <p:sp>
+        <p:nvSpPr>
+          <p:cNvPr id="3" name="Content Placeholder 2"/>
+          <p:cNvSpPr>
+            <a:spLocks noGrp="1"/>
+          </p:cNvSpPr>
+          <p:nvPr>
+            <p:ph idx="1"/>
+          </p:nvPr>
+        </p:nvSpPr>
+        <p:spPr/>
+        <p:txBody>
+          <a:bodyPr/>
+          <a:lstStyle/>
+          <a:p>
+            <a:endParaRPr lang="en-US"/>
+          </a:p>
+        </p:txBody>
+      </p:sp>
+      <p:pic>
+        <p:nvPicPr>
+          <p:cNvPr id="5122" name="Picture 2"/>
+          <p:cNvPicPr>
+            <a:picLocks noChangeAspect="1" noChangeArrowheads="1"/>
+          </p:cNvPicPr>
+          <p:nvPr/>
+        </p:nvPicPr>
+        <p:blipFill>
+          <a:blip r:embed="rId2" cstate="print"/>
+          <a:srcRect/>
+          <a:stretch>
+            <a:fillRect/>
+          </a:stretch>
+        </p:blipFill>
+        <p:spPr bwMode="auto">
+          <a:xfrm>
+            <a:off x="533400" y="1600200"/>
+            <a:ext cx="8096250" cy="4848225"/>
+          </a:xfrm>
+          <a:prstGeom prst="rect">
+            <a:avLst/>
+          </a:prstGeom>
+          <a:noFill/>
+          <a:ln w="9525">
+            <a:noFill/>
+            <a:miter lim="800000"/>
+            <a:headEnd/>
+            <a:tailEnd/>
+          </a:ln>
+        </p:spPr>
+      </p:pic>
+    </p:spTree>
+  </p:cSld>
+  <p:clrMapOvr>
+    <a:masterClrMapping/>
+  </p:clrMapOvr>
+</p:sld>
+</file>
+
+<file path=ppt/slides/slide17.xml><?xml version="1.0" encoding="utf-8"?>
+<p:sld xmlns:a="http://schemas.openxmlformats.org/drawingml/2006/main" xmlns:r="http://schemas.openxmlformats.org/officeDocument/2006/relationships" xmlns:p="http://schemas.openxmlformats.org/presentationml/2006/main">
+  <p:cSld>
+    <p:spTree>
+      <p:nvGrpSpPr>
+        <p:cNvPr id="1" name=""/>
+        <p:cNvGrpSpPr/>
+        <p:nvPr/>
+      </p:nvGrpSpPr>
+      <p:grpSpPr>
+        <a:xfrm>
+          <a:off x="0" y="0"/>
+          <a:ext cx="0" cy="0"/>
+          <a:chOff x="0" y="0"/>
+          <a:chExt cx="0" cy="0"/>
+        </a:xfrm>
+      </p:grpSpPr>
+      <p:sp>
+        <p:nvSpPr>
+          <p:cNvPr id="2" name="Title 1"/>
+          <p:cNvSpPr>
+            <a:spLocks noGrp="1"/>
+          </p:cNvSpPr>
+          <p:nvPr>
+            <p:ph type="title"/>
+          </p:nvPr>
+        </p:nvSpPr>
+        <p:spPr/>
+        <p:txBody>
+          <a:bodyPr>
+            <a:normAutofit fontScale="90000"/>
+          </a:bodyPr>
+          <a:lstStyle/>
+          <a:p>
+            <a:r>
+              <a:rPr lang="en-US" dirty="0" smtClean="0"/>
+              <a:t>Response Time Breakdown </a:t>
+            </a:r>
+            <a:br>
+              <a:rPr lang="en-US" dirty="0" smtClean="0"/>
+            </a:br>
+            <a:r>
+              <a:rPr lang="en-US" dirty="0" smtClean="0"/>
+              <a:t>Statistics: Tree layout</a:t>
+            </a:r>
+            <a:endParaRPr lang="en-US" dirty="0"/>
+          </a:p>
+        </p:txBody>
+      </p:sp>
+      <p:sp>
+        <p:nvSpPr>
+          <p:cNvPr id="3" name="Content Placeholder 2"/>
+          <p:cNvSpPr>
+            <a:spLocks noGrp="1"/>
+          </p:cNvSpPr>
+          <p:nvPr>
+            <p:ph idx="1"/>
+          </p:nvPr>
+        </p:nvSpPr>
+        <p:spPr/>
+        <p:txBody>
+          <a:bodyPr/>
+          <a:lstStyle/>
+          <a:p>
+            <a:endParaRPr lang="en-US"/>
+          </a:p>
+        </p:txBody>
+      </p:sp>
+      <p:pic>
+        <p:nvPicPr>
+          <p:cNvPr id="4098" name="Picture 2"/>
+          <p:cNvPicPr>
+            <a:picLocks noChangeAspect="1" noChangeArrowheads="1"/>
+          </p:cNvPicPr>
+          <p:nvPr/>
+        </p:nvPicPr>
+        <p:blipFill>
+          <a:blip r:embed="rId2" cstate="print"/>
+          <a:srcRect/>
+          <a:stretch>
+            <a:fillRect/>
+          </a:stretch>
+        </p:blipFill>
+        <p:spPr bwMode="auto">
+          <a:xfrm>
+            <a:off x="533400" y="1600200"/>
+            <a:ext cx="8096250" cy="4848225"/>
+          </a:xfrm>
+          <a:prstGeom prst="rect">
+            <a:avLst/>
+          </a:prstGeom>
+          <a:noFill/>
+          <a:ln w="9525">
+            <a:noFill/>
+            <a:miter lim="800000"/>
+            <a:headEnd/>
+            <a:tailEnd/>
+          </a:ln>
+        </p:spPr>
+      </p:pic>
+    </p:spTree>
+  </p:cSld>
+  <p:clrMapOvr>
+    <a:masterClrMapping/>
+  </p:clrMapOvr>
+</p:sld>
+</file>
+
+<file path=ppt/slides/slide18.xml><?xml version="1.0" encoding="utf-8"?>
+<p:sld xmlns:a="http://schemas.openxmlformats.org/drawingml/2006/main" xmlns:r="http://schemas.openxmlformats.org/officeDocument/2006/relationships" xmlns:p="http://schemas.openxmlformats.org/presentationml/2006/main">
+  <p:cSld>
+    <p:spTree>
+      <p:nvGrpSpPr>
+        <p:cNvPr id="1" name=""/>
+        <p:cNvGrpSpPr/>
+        <p:nvPr/>
+      </p:nvGrpSpPr>
+      <p:grpSpPr>
+        <a:xfrm>
+          <a:off x="0" y="0"/>
+          <a:ext cx="0" cy="0"/>
+          <a:chOff x="0" y="0"/>
+          <a:chExt cx="0" cy="0"/>
+        </a:xfrm>
+      </p:grpSpPr>
+      <p:sp>
+        <p:nvSpPr>
+          <p:cNvPr id="2" name="Title 1"/>
+          <p:cNvSpPr>
+            <a:spLocks noGrp="1"/>
+          </p:cNvSpPr>
+          <p:nvPr>
+            <p:ph type="title"/>
+          </p:nvPr>
+        </p:nvSpPr>
+        <p:spPr/>
+        <p:txBody>
+          <a:bodyPr>
+            <a:normAutofit fontScale="90000"/>
+          </a:bodyPr>
+          <a:lstStyle/>
+          <a:p>
+            <a:r>
+              <a:rPr lang="en-US" dirty="0" smtClean="0"/>
+              <a:t>Sample of a Page Performance report</a:t>
+            </a:r>
+            <a:endParaRPr lang="en-US" dirty="0"/>
+          </a:p>
+        </p:txBody>
+      </p:sp>
+      <p:sp>
+        <p:nvSpPr>
+          <p:cNvPr id="3" name="Content Placeholder 2"/>
+          <p:cNvSpPr>
+            <a:spLocks noGrp="1"/>
+          </p:cNvSpPr>
+          <p:nvPr>
+            <p:ph idx="1"/>
+          </p:nvPr>
+        </p:nvSpPr>
+        <p:spPr/>
+        <p:txBody>
+          <a:bodyPr/>
+          <a:lstStyle/>
+          <a:p>
+            <a:endParaRPr lang="en-US"/>
+          </a:p>
+        </p:txBody>
+      </p:sp>
+      <p:pic>
+        <p:nvPicPr>
+          <p:cNvPr id="2051" name="Picture 3"/>
+          <p:cNvPicPr>
+            <a:picLocks noChangeAspect="1" noChangeArrowheads="1"/>
+          </p:cNvPicPr>
+          <p:nvPr/>
+        </p:nvPicPr>
+        <p:blipFill>
+          <a:blip r:embed="rId2" cstate="print"/>
+          <a:srcRect/>
+          <a:stretch>
+            <a:fillRect/>
+          </a:stretch>
+        </p:blipFill>
+        <p:spPr bwMode="auto">
+          <a:xfrm>
+            <a:off x="914400" y="1600200"/>
+            <a:ext cx="7286625" cy="4829175"/>
+          </a:xfrm>
+          <a:prstGeom prst="rect">
+            <a:avLst/>
+          </a:prstGeom>
+          <a:noFill/>
+          <a:ln w="9525">
+            <a:noFill/>
+            <a:miter lim="800000"/>
+            <a:headEnd/>
+            <a:tailEnd/>
+          </a:ln>
+        </p:spPr>
+      </p:pic>
+    </p:spTree>
+  </p:cSld>
+  <p:clrMapOvr>
+    <a:masterClrMapping/>
+  </p:clrMapOvr>
+</p:sld>
+</file>
+
+<file path=ppt/slides/slide19.xml><?xml version="1.0" encoding="utf-8"?>
+<p:sld xmlns:a="http://schemas.openxmlformats.org/drawingml/2006/main" xmlns:r="http://schemas.openxmlformats.org/officeDocument/2006/relationships" xmlns:p="http://schemas.openxmlformats.org/presentationml/2006/main">
+  <p:cSld>
+    <p:spTree>
+      <p:nvGrpSpPr>
+        <p:cNvPr id="1" name=""/>
+        <p:cNvGrpSpPr/>
+        <p:nvPr/>
+      </p:nvGrpSpPr>
+      <p:grpSpPr>
+        <a:xfrm>
+          <a:off x="0" y="0"/>
+          <a:ext cx="0" cy="0"/>
+          <a:chOff x="0" y="0"/>
+          <a:chExt cx="0" cy="0"/>
+        </a:xfrm>
+      </p:grpSpPr>
+      <p:sp>
+        <p:nvSpPr>
+          <p:cNvPr id="2" name="Title 1"/>
+          <p:cNvSpPr>
+            <a:spLocks noGrp="1"/>
+          </p:cNvSpPr>
+          <p:nvPr>
+            <p:ph type="title"/>
+          </p:nvPr>
+        </p:nvSpPr>
+        <p:spPr/>
+        <p:txBody>
+          <a:bodyPr>
+            <a:normAutofit fontScale="90000"/>
+          </a:bodyPr>
+          <a:lstStyle/>
+          <a:p>
+            <a:r>
+              <a:rPr lang="en-US" dirty="0" smtClean="0"/>
+              <a:t>Graphical drill-down reports</a:t>
+            </a:r>
+            <a:br>
+              <a:rPr lang="en-US" dirty="0" smtClean="0"/>
+            </a:br>
+            <a:r>
+              <a:rPr lang="en-US" dirty="0" smtClean="0"/>
+              <a:t>for Response Time Breakdown</a:t>
+            </a:r>
+            <a:endParaRPr lang="en-US" dirty="0"/>
+          </a:p>
+        </p:txBody>
+      </p:sp>
+      <p:sp>
+        <p:nvSpPr>
+          <p:cNvPr id="3" name="Content Placeholder 2"/>
+          <p:cNvSpPr>
+            <a:spLocks noGrp="1"/>
+          </p:cNvSpPr>
+          <p:nvPr>
+            <p:ph idx="1"/>
+          </p:nvPr>
+        </p:nvSpPr>
+        <p:spPr/>
+        <p:txBody>
+          <a:bodyPr/>
+          <a:lstStyle/>
+          <a:p>
+            <a:endParaRPr lang="en-US"/>
+          </a:p>
+        </p:txBody>
+      </p:sp>
+      <p:pic>
+        <p:nvPicPr>
+          <p:cNvPr id="6146" name="Picture 2"/>
+          <p:cNvPicPr>
+            <a:picLocks noChangeAspect="1" noChangeArrowheads="1"/>
+          </p:cNvPicPr>
+          <p:nvPr/>
+        </p:nvPicPr>
+        <p:blipFill>
+          <a:blip r:embed="rId2" cstate="print"/>
+          <a:srcRect/>
+          <a:stretch>
+            <a:fillRect/>
+          </a:stretch>
+        </p:blipFill>
+        <p:spPr bwMode="auto">
+          <a:xfrm>
+            <a:off x="914400" y="1600200"/>
+            <a:ext cx="7391400" cy="4985915"/>
+          </a:xfrm>
+          <a:prstGeom prst="rect">
+            <a:avLst/>
+          </a:prstGeom>
+          <a:noFill/>
+          <a:ln w="9525">
+            <a:noFill/>
+            <a:miter lim="800000"/>
+            <a:headEnd/>
+            <a:tailEnd/>
+          </a:ln>
+        </p:spPr>
+      </p:pic>
+    </p:spTree>
+  </p:cSld>
+  <p:clrMapOvr>
+    <a:masterClrMapping/>
+  </p:clrMapOvr>
+</p:sld>
+</file>
+
+<file path=ppt/slides/slide2.xml><?xml version="1.0" encoding="utf-8"?>
+<p:sld xmlns:a="http://schemas.openxmlformats.org/drawingml/2006/main" xmlns:r="http://schemas.openxmlformats.org/officeDocument/2006/relationships" xmlns:p="http://schemas.openxmlformats.org/presentationml/2006/main">
+  <p:cSld>
+    <p:spTree>
+      <p:nvGrpSpPr>
+        <p:cNvPr id="1" name=""/>
+        <p:cNvGrpSpPr/>
+        <p:nvPr/>
+      </p:nvGrpSpPr>
+      <p:grpSpPr>
+        <a:xfrm>
+          <a:off x="0" y="0"/>
+          <a:ext cx="0" cy="0"/>
+          <a:chOff x="0" y="0"/>
+          <a:chExt cx="0" cy="0"/>
+        </a:xfrm>
+      </p:grpSpPr>
+      <p:sp>
+        <p:nvSpPr>
+          <p:cNvPr id="4" name="Title 3"/>
+          <p:cNvSpPr>
+            <a:spLocks noGrp="1"/>
+          </p:cNvSpPr>
+          <p:nvPr>
+            <p:ph type="title"/>
+          </p:nvPr>
+        </p:nvSpPr>
+        <p:spPr/>
+        <p:txBody>
+          <a:bodyPr/>
+          <a:lstStyle/>
+          <a:p>
+            <a:r>
+              <a:rPr lang="en-US" dirty="0" smtClean="0"/>
+              <a:t>Application Monitoring</a:t>
+            </a:r>
+            <a:endParaRPr lang="en-US" dirty="0"/>
+          </a:p>
+        </p:txBody>
+      </p:sp>
+      <p:sp>
+        <p:nvSpPr>
+          <p:cNvPr id="5" name="Text Placeholder 4"/>
+          <p:cNvSpPr>
+            <a:spLocks noGrp="1"/>
+          </p:cNvSpPr>
+          <p:nvPr>
+            <p:ph type="body" idx="1"/>
+          </p:nvPr>
+        </p:nvSpPr>
+        <p:spPr/>
+        <p:txBody>
+          <a:bodyPr/>
+          <a:lstStyle/>
+          <a:p>
+            <a:r>
+              <a:rPr lang="en-US" dirty="0" smtClean="0"/>
+              <a:t>Overview</a:t>
+            </a:r>
+            <a:endParaRPr lang="en-US" dirty="0"/>
+          </a:p>
+        </p:txBody>
+      </p:sp>
+    </p:spTree>
+  </p:cSld>
+  <p:clrMapOvr>
+    <a:masterClrMapping/>
+  </p:clrMapOvr>
+</p:sld>
+</file>
+
+<file path=ppt/slides/slide20.xml><?xml version="1.0" encoding="utf-8"?>
+<p:sld xmlns:a="http://schemas.openxmlformats.org/drawingml/2006/main" xmlns:r="http://schemas.openxmlformats.org/officeDocument/2006/relationships" xmlns:p="http://schemas.openxmlformats.org/presentationml/2006/main">
+  <p:cSld>
+    <p:spTree>
+      <p:nvGrpSpPr>
+        <p:cNvPr id="1" name=""/>
+        <p:cNvGrpSpPr/>
+        <p:nvPr/>
+      </p:nvGrpSpPr>
+      <p:grpSpPr>
+        <a:xfrm>
+          <a:off x="0" y="0"/>
+          <a:ext cx="0" cy="0"/>
+          <a:chOff x="0" y="0"/>
+          <a:chExt cx="0" cy="0"/>
+        </a:xfrm>
+      </p:grpSpPr>
+      <p:sp>
+        <p:nvSpPr>
+          <p:cNvPr id="2" name="Title 1"/>
+          <p:cNvSpPr>
+            <a:spLocks noGrp="1"/>
+          </p:cNvSpPr>
+          <p:nvPr>
+            <p:ph type="title"/>
+          </p:nvPr>
+        </p:nvSpPr>
+        <p:spPr/>
+        <p:txBody>
+          <a:bodyPr>
+            <a:normAutofit fontScale="90000"/>
+          </a:bodyPr>
+          <a:lstStyle/>
+          <a:p>
+            <a:r>
+              <a:rPr lang="en-US" dirty="0" smtClean="0"/>
+              <a:t>Component Level Drill-down Report</a:t>
+            </a:r>
+            <a:endParaRPr lang="en-US" dirty="0"/>
+          </a:p>
+        </p:txBody>
+      </p:sp>
+      <p:sp>
+        <p:nvSpPr>
+          <p:cNvPr id="3" name="Content Placeholder 2"/>
+          <p:cNvSpPr>
+            <a:spLocks noGrp="1"/>
+          </p:cNvSpPr>
+          <p:nvPr>
+            <p:ph idx="1"/>
+          </p:nvPr>
+        </p:nvSpPr>
+        <p:spPr/>
+        <p:txBody>
+          <a:bodyPr/>
+          <a:lstStyle/>
+          <a:p>
+            <a:endParaRPr lang="en-US" dirty="0"/>
+          </a:p>
+        </p:txBody>
+      </p:sp>
+      <p:pic>
+        <p:nvPicPr>
+          <p:cNvPr id="7173" name="Picture 5"/>
+          <p:cNvPicPr>
+            <a:picLocks noChangeAspect="1" noChangeArrowheads="1"/>
+          </p:cNvPicPr>
+          <p:nvPr/>
+        </p:nvPicPr>
+        <p:blipFill>
+          <a:blip r:embed="rId2" cstate="print"/>
+          <a:srcRect/>
+          <a:stretch>
+            <a:fillRect/>
+          </a:stretch>
+        </p:blipFill>
+        <p:spPr bwMode="auto">
+          <a:xfrm>
+            <a:off x="1219200" y="1600200"/>
+            <a:ext cx="6719261" cy="4800600"/>
+          </a:xfrm>
+          <a:prstGeom prst="rect">
+            <a:avLst/>
+          </a:prstGeom>
+          <a:noFill/>
+          <a:ln w="9525">
+            <a:noFill/>
+            <a:miter lim="800000"/>
+            <a:headEnd/>
+            <a:tailEnd/>
+          </a:ln>
+        </p:spPr>
+      </p:pic>
+      <p:sp>
+        <p:nvSpPr>
+          <p:cNvPr id="8" name="Flowchart: Alternate Process 7"/>
+          <p:cNvSpPr/>
+          <p:nvPr/>
+        </p:nvSpPr>
+        <p:spPr>
+          <a:xfrm>
+            <a:off x="1600200" y="5562600"/>
+            <a:ext cx="685800" cy="228600"/>
+          </a:xfrm>
+          <a:prstGeom prst="flowChartAlternateProcess">
+            <a:avLst/>
+          </a:prstGeom>
+          <a:noFill/>
+          <a:ln>
+            <a:solidFill>
+              <a:srgbClr val="FFC000"/>
+            </a:solidFill>
+          </a:ln>
+        </p:spPr>
+        <p:style>
+          <a:lnRef idx="2">
+            <a:schemeClr val="accent1">
+              <a:shade val="50000"/>
+            </a:schemeClr>
+          </a:lnRef>
+          <a:fillRef idx="1">
+            <a:schemeClr val="accent1"/>
+          </a:fillRef>
+          <a:effectRef idx="0">
+            <a:schemeClr val="accent1"/>
+          </a:effectRef>
+          <a:fontRef idx="minor">
+            <a:schemeClr val="lt1"/>
+          </a:fontRef>
+        </p:style>
+        <p:txBody>
+          <a:bodyPr rtlCol="0" anchor="ctr"/>
+          <a:lstStyle/>
+          <a:p>
+            <a:pPr algn="ctr"/>
+            <a:endParaRPr lang="en-US"/>
+          </a:p>
+        </p:txBody>
+      </p:sp>
+    </p:spTree>
+  </p:cSld>
+  <p:clrMapOvr>
+    <a:masterClrMapping/>
+  </p:clrMapOvr>
+</p:sld>
+</file>
+
+<file path=ppt/slides/slide21.xml><?xml version="1.0" encoding="utf-8"?>
+<p:sld xmlns:a="http://schemas.openxmlformats.org/drawingml/2006/main" xmlns:r="http://schemas.openxmlformats.org/officeDocument/2006/relationships" xmlns:p="http://schemas.openxmlformats.org/presentationml/2006/main">
+  <p:cSld>
+    <p:spTree>
+      <p:nvGrpSpPr>
+        <p:cNvPr id="1" name=""/>
+        <p:cNvGrpSpPr/>
+        <p:nvPr/>
+      </p:nvGrpSpPr>
+      <p:grpSpPr>
+        <a:xfrm>
+          <a:off x="0" y="0"/>
+          <a:ext cx="0" cy="0"/>
+          <a:chOff x="0" y="0"/>
+          <a:chExt cx="0" cy="0"/>
+        </a:xfrm>
+      </p:grpSpPr>
+      <p:sp>
+        <p:nvSpPr>
+          <p:cNvPr id="2" name="Title 1"/>
+          <p:cNvSpPr>
+            <a:spLocks noGrp="1"/>
+          </p:cNvSpPr>
+          <p:nvPr>
+            <p:ph type="title"/>
+          </p:nvPr>
+        </p:nvSpPr>
+        <p:spPr/>
+        <p:txBody>
+          <a:bodyPr/>
+          <a:lstStyle/>
+          <a:p>
+            <a:r>
+              <a:rPr lang="en-US" dirty="0" smtClean="0"/>
+              <a:t>UML Sequence Diagram view</a:t>
+            </a:r>
+            <a:endParaRPr lang="en-US" dirty="0"/>
+          </a:p>
+        </p:txBody>
+      </p:sp>
+      <p:sp>
+        <p:nvSpPr>
+          <p:cNvPr id="3" name="Content Placeholder 2"/>
+          <p:cNvSpPr>
+            <a:spLocks noGrp="1"/>
+          </p:cNvSpPr>
+          <p:nvPr>
+            <p:ph idx="1"/>
+          </p:nvPr>
+        </p:nvSpPr>
+        <p:spPr/>
+        <p:txBody>
+          <a:bodyPr/>
+          <a:lstStyle/>
+          <a:p>
+            <a:endParaRPr lang="en-US"/>
+          </a:p>
+        </p:txBody>
+      </p:sp>
+      <p:pic>
+        <p:nvPicPr>
+          <p:cNvPr id="8194" name="Picture 2"/>
+          <p:cNvPicPr>
+            <a:picLocks noChangeAspect="1" noChangeArrowheads="1"/>
+          </p:cNvPicPr>
+          <p:nvPr/>
+        </p:nvPicPr>
+        <p:blipFill>
+          <a:blip r:embed="rId2" cstate="print"/>
+          <a:srcRect/>
+          <a:stretch>
+            <a:fillRect/>
+          </a:stretch>
+        </p:blipFill>
+        <p:spPr bwMode="auto">
+          <a:xfrm>
+            <a:off x="1752600" y="1600200"/>
+            <a:ext cx="5676900" cy="4152900"/>
+          </a:xfrm>
+          <a:prstGeom prst="rect">
+            <a:avLst/>
+          </a:prstGeom>
+          <a:noFill/>
+          <a:ln w="9525">
+            <a:noFill/>
+            <a:miter lim="800000"/>
+            <a:headEnd/>
+            <a:tailEnd/>
+          </a:ln>
+        </p:spPr>
+      </p:pic>
+    </p:spTree>
+  </p:cSld>
+  <p:clrMapOvr>
+    <a:masterClrMapping/>
+  </p:clrMapOvr>
+</p:sld>
+</file>
+
+<file path=ppt/slides/slide22.xml><?xml version="1.0" encoding="utf-8"?>
+<p:sld xmlns:a="http://schemas.openxmlformats.org/drawingml/2006/main" xmlns:r="http://schemas.openxmlformats.org/officeDocument/2006/relationships" xmlns:p="http://schemas.openxmlformats.org/presentationml/2006/main">
+  <p:cSld>
+    <p:spTree>
+      <p:nvGrpSpPr>
+        <p:cNvPr id="1" name=""/>
+        <p:cNvGrpSpPr/>
+        <p:nvPr/>
+      </p:nvGrpSpPr>
+      <p:grpSpPr>
+        <a:xfrm>
+          <a:off x="0" y="0"/>
+          <a:ext cx="0" cy="0"/>
+          <a:chOff x="0" y="0"/>
+          <a:chExt cx="0" cy="0"/>
+        </a:xfrm>
+      </p:grpSpPr>
+      <p:sp>
+        <p:nvSpPr>
+          <p:cNvPr id="2" name="Title 1"/>
+          <p:cNvSpPr>
+            <a:spLocks noGrp="1"/>
+          </p:cNvSpPr>
+          <p:nvPr>
+            <p:ph type="title"/>
+          </p:nvPr>
+        </p:nvSpPr>
+        <p:spPr/>
+        <p:txBody>
+          <a:bodyPr/>
+          <a:lstStyle/>
+          <a:p>
+            <a:r>
+              <a:rPr lang="en-US" dirty="0" smtClean="0"/>
+              <a:t>Execution Statistics view</a:t>
+            </a:r>
+            <a:endParaRPr lang="en-US" dirty="0"/>
+          </a:p>
+        </p:txBody>
+      </p:sp>
+      <p:sp>
+        <p:nvSpPr>
+          <p:cNvPr id="3" name="Content Placeholder 2"/>
+          <p:cNvSpPr>
+            <a:spLocks noGrp="1"/>
+          </p:cNvSpPr>
+          <p:nvPr>
+            <p:ph idx="1"/>
+          </p:nvPr>
+        </p:nvSpPr>
+        <p:spPr/>
+        <p:txBody>
+          <a:bodyPr/>
+          <a:lstStyle/>
+          <a:p>
+            <a:endParaRPr lang="en-US"/>
+          </a:p>
+        </p:txBody>
+      </p:sp>
+      <p:pic>
+        <p:nvPicPr>
+          <p:cNvPr id="9218" name="Picture 2"/>
+          <p:cNvPicPr>
+            <a:picLocks noChangeAspect="1" noChangeArrowheads="1"/>
+          </p:cNvPicPr>
+          <p:nvPr/>
+        </p:nvPicPr>
+        <p:blipFill>
+          <a:blip r:embed="rId2" cstate="print"/>
+          <a:srcRect/>
+          <a:stretch>
+            <a:fillRect/>
+          </a:stretch>
+        </p:blipFill>
+        <p:spPr bwMode="auto">
+          <a:xfrm>
+            <a:off x="1066800" y="1600200"/>
+            <a:ext cx="7124700" cy="4162425"/>
+          </a:xfrm>
+          <a:prstGeom prst="rect">
+            <a:avLst/>
+          </a:prstGeom>
+          <a:noFill/>
+          <a:ln w="9525">
+            <a:noFill/>
+            <a:miter lim="800000"/>
+            <a:headEnd/>
+            <a:tailEnd/>
+          </a:ln>
+        </p:spPr>
+      </p:pic>
+    </p:spTree>
+  </p:cSld>
+  <p:clrMapOvr>
+    <a:masterClrMapping/>
+  </p:clrMapOvr>
+</p:sld>
+</file>
+
+<file path=ppt/slides/slide23.xml><?xml version="1.0" encoding="utf-8"?>
+<p:sld xmlns:a="http://schemas.openxmlformats.org/drawingml/2006/main" xmlns:r="http://schemas.openxmlformats.org/officeDocument/2006/relationships" xmlns:p="http://schemas.openxmlformats.org/presentationml/2006/main">
+  <p:cSld>
+    <p:spTree>
+      <p:nvGrpSpPr>
+        <p:cNvPr id="1" name=""/>
+        <p:cNvGrpSpPr/>
+        <p:nvPr/>
+      </p:nvGrpSpPr>
+      <p:grpSpPr>
+        <a:xfrm>
+          <a:off x="0" y="0"/>
+          <a:ext cx="0" cy="0"/>
+          <a:chOff x="0" y="0"/>
+          <a:chExt cx="0" cy="0"/>
+        </a:xfrm>
+      </p:grpSpPr>
+      <p:sp>
+        <p:nvSpPr>
+          <p:cNvPr id="2" name="Title 1"/>
+          <p:cNvSpPr>
+            <a:spLocks noGrp="1"/>
+          </p:cNvSpPr>
+          <p:nvPr>
+            <p:ph type="title"/>
+          </p:nvPr>
+        </p:nvSpPr>
+        <p:spPr/>
+        <p:txBody>
+          <a:bodyPr>
+            <a:normAutofit fontScale="90000"/>
+          </a:bodyPr>
+          <a:lstStyle/>
+          <a:p>
+            <a:r>
+              <a:rPr lang="en-US" dirty="0" smtClean="0"/>
+              <a:t>Execution Statistics view right-click context menu</a:t>
+            </a:r>
+            <a:endParaRPr lang="en-US" dirty="0"/>
+          </a:p>
+        </p:txBody>
+      </p:sp>
+      <p:sp>
+        <p:nvSpPr>
+          <p:cNvPr id="3" name="Content Placeholder 2"/>
+          <p:cNvSpPr>
+            <a:spLocks noGrp="1"/>
+          </p:cNvSpPr>
+          <p:nvPr>
+            <p:ph idx="1"/>
+          </p:nvPr>
+        </p:nvSpPr>
+        <p:spPr/>
+        <p:txBody>
+          <a:bodyPr/>
+          <a:lstStyle/>
+          <a:p>
+            <a:endParaRPr lang="en-US"/>
+          </a:p>
+        </p:txBody>
+      </p:sp>
+      <p:pic>
+        <p:nvPicPr>
+          <p:cNvPr id="10242" name="Picture 2"/>
+          <p:cNvPicPr>
+            <a:picLocks noChangeAspect="1" noChangeArrowheads="1"/>
+          </p:cNvPicPr>
+          <p:nvPr/>
+        </p:nvPicPr>
+        <p:blipFill>
+          <a:blip r:embed="rId2" cstate="print"/>
+          <a:srcRect/>
+          <a:stretch>
+            <a:fillRect/>
+          </a:stretch>
+        </p:blipFill>
+        <p:spPr bwMode="auto">
+          <a:xfrm>
+            <a:off x="1066800" y="1600200"/>
+            <a:ext cx="7115175" cy="4152900"/>
+          </a:xfrm>
+          <a:prstGeom prst="rect">
+            <a:avLst/>
+          </a:prstGeom>
+          <a:noFill/>
+          <a:ln w="9525">
+            <a:noFill/>
+            <a:miter lim="800000"/>
+            <a:headEnd/>
+            <a:tailEnd/>
+          </a:ln>
+        </p:spPr>
+      </p:pic>
+    </p:spTree>
+  </p:cSld>
+  <p:clrMapOvr>
+    <a:masterClrMapping/>
+  </p:clrMapOvr>
+</p:sld>
+</file>
+
+<file path=ppt/slides/slide24.xml><?xml version="1.0" encoding="utf-8"?>
+<p:sld xmlns:a="http://schemas.openxmlformats.org/drawingml/2006/main" xmlns:r="http://schemas.openxmlformats.org/officeDocument/2006/relationships" xmlns:p="http://schemas.openxmlformats.org/presentationml/2006/main">
+  <p:cSld>
+    <p:spTree>
+      <p:nvGrpSpPr>
+        <p:cNvPr id="1" name=""/>
+        <p:cNvGrpSpPr/>
+        <p:nvPr/>
+      </p:nvGrpSpPr>
+      <p:grpSpPr>
+        <a:xfrm>
+          <a:off x="0" y="0"/>
+          <a:ext cx="0" cy="0"/>
+          <a:chOff x="0" y="0"/>
+          <a:chExt cx="0" cy="0"/>
+        </a:xfrm>
+      </p:grpSpPr>
+      <p:sp>
+        <p:nvSpPr>
+          <p:cNvPr id="2" name="Title 1"/>
+          <p:cNvSpPr>
+            <a:spLocks noGrp="1"/>
+          </p:cNvSpPr>
+          <p:nvPr>
+            <p:ph type="title"/>
+          </p:nvPr>
+        </p:nvSpPr>
+        <p:spPr/>
+        <p:txBody>
+          <a:bodyPr/>
+          <a:lstStyle/>
+          <a:p>
+            <a:r>
+              <a:rPr lang="en-US" dirty="0" smtClean="0"/>
+              <a:t>Method Invocation Details View</a:t>
+            </a:r>
+            <a:endParaRPr lang="en-US" dirty="0"/>
+          </a:p>
+        </p:txBody>
+      </p:sp>
+      <p:sp>
+        <p:nvSpPr>
+          <p:cNvPr id="3" name="Content Placeholder 2"/>
+          <p:cNvSpPr>
+            <a:spLocks noGrp="1"/>
+          </p:cNvSpPr>
+          <p:nvPr>
+            <p:ph idx="1"/>
+          </p:nvPr>
+        </p:nvSpPr>
+        <p:spPr/>
+        <p:txBody>
+          <a:bodyPr/>
+          <a:lstStyle/>
+          <a:p>
+            <a:endParaRPr lang="en-US"/>
+          </a:p>
+        </p:txBody>
+      </p:sp>
+      <p:pic>
+        <p:nvPicPr>
+          <p:cNvPr id="11266" name="Picture 2"/>
+          <p:cNvPicPr>
+            <a:picLocks noChangeAspect="1" noChangeArrowheads="1"/>
+          </p:cNvPicPr>
+          <p:nvPr/>
+        </p:nvPicPr>
+        <p:blipFill>
+          <a:blip r:embed="rId2" cstate="print"/>
+          <a:srcRect/>
+          <a:stretch>
+            <a:fillRect/>
+          </a:stretch>
+        </p:blipFill>
+        <p:spPr bwMode="auto">
+          <a:xfrm>
+            <a:off x="455999" y="1600200"/>
+            <a:ext cx="8230801" cy="4800600"/>
+          </a:xfrm>
+          <a:prstGeom prst="rect">
+            <a:avLst/>
+          </a:prstGeom>
+          <a:noFill/>
+          <a:ln w="9525">
+            <a:noFill/>
+            <a:miter lim="800000"/>
+            <a:headEnd/>
+            <a:tailEnd/>
+          </a:ln>
+        </p:spPr>
+      </p:pic>
+    </p:spTree>
+  </p:cSld>
+  <p:clrMapOvr>
+    <a:masterClrMapping/>
+  </p:clrMapOvr>
+</p:sld>
+</file>
+
+<file path=ppt/slides/slide25.xml><?xml version="1.0" encoding="utf-8"?>
 <p:sld xmlns:a="http://schemas.openxmlformats.org/drawingml/2006/main" xmlns:r="http://schemas.openxmlformats.org/officeDocument/2006/relationships" xmlns:p="http://schemas.openxmlformats.org/presentationml/2006/main">
   <p:cSld>
     <p:spTree>
@@ -6828,6 +5946,204 @@
   <p:clrMapOvr>
     <a:masterClrMapping/>
   </p:clrMapOvr>
+  <p:timing>
+    <p:tnLst>
+      <p:par>
+        <p:cTn id="1" dur="indefinite" restart="never" nodeType="tmRoot"/>
+      </p:par>
+    </p:tnLst>
+  </p:timing>
+</p:sld>
+</file>
+
+<file path=ppt/slides/slide26.xml><?xml version="1.0" encoding="utf-8"?>
+<p:sld xmlns:a="http://schemas.openxmlformats.org/drawingml/2006/main" xmlns:r="http://schemas.openxmlformats.org/officeDocument/2006/relationships" xmlns:p="http://schemas.openxmlformats.org/presentationml/2006/main">
+  <p:cSld>
+    <p:spTree>
+      <p:nvGrpSpPr>
+        <p:cNvPr id="1" name=""/>
+        <p:cNvGrpSpPr/>
+        <p:nvPr/>
+      </p:nvGrpSpPr>
+      <p:grpSpPr>
+        <a:xfrm>
+          <a:off x="0" y="0"/>
+          <a:ext cx="0" cy="0"/>
+          <a:chOff x="0" y="0"/>
+          <a:chExt cx="0" cy="0"/>
+        </a:xfrm>
+      </p:grpSpPr>
+      <p:sp>
+        <p:nvSpPr>
+          <p:cNvPr id="4" name="Title 3"/>
+          <p:cNvSpPr>
+            <a:spLocks noGrp="1"/>
+          </p:cNvSpPr>
+          <p:nvPr>
+            <p:ph type="title"/>
+          </p:nvPr>
+        </p:nvSpPr>
+        <p:spPr/>
+        <p:txBody>
+          <a:bodyPr/>
+          <a:lstStyle/>
+          <a:p>
+            <a:r>
+              <a:rPr lang="en-US" dirty="0" smtClean="0"/>
+              <a:t>Application Monitoring</a:t>
+            </a:r>
+            <a:endParaRPr lang="en-US" dirty="0"/>
+          </a:p>
+        </p:txBody>
+      </p:sp>
+      <p:sp>
+        <p:nvSpPr>
+          <p:cNvPr id="5" name="Text Placeholder 4"/>
+          <p:cNvSpPr>
+            <a:spLocks noGrp="1"/>
+          </p:cNvSpPr>
+          <p:nvPr>
+            <p:ph type="body" idx="1"/>
+          </p:nvPr>
+        </p:nvSpPr>
+        <p:spPr/>
+        <p:txBody>
+          <a:bodyPr/>
+          <a:lstStyle/>
+          <a:p>
+            <a:r>
+              <a:rPr lang="en-US" dirty="0" smtClean="0"/>
+              <a:t>Par 3: Importing data from IBM Tivoli database products</a:t>
+            </a:r>
+            <a:endParaRPr lang="en-US" dirty="0"/>
+          </a:p>
+        </p:txBody>
+      </p:sp>
+    </p:spTree>
+  </p:cSld>
+  <p:clrMapOvr>
+    <a:masterClrMapping/>
+  </p:clrMapOvr>
+</p:sld>
+</file>
+
+<file path=ppt/slides/slide27.xml><?xml version="1.0" encoding="utf-8"?>
+<p:sld xmlns:a="http://schemas.openxmlformats.org/drawingml/2006/main" xmlns:r="http://schemas.openxmlformats.org/officeDocument/2006/relationships" xmlns:p="http://schemas.openxmlformats.org/presentationml/2006/main">
+  <p:cSld>
+    <p:spTree>
+      <p:nvGrpSpPr>
+        <p:cNvPr id="1" name=""/>
+        <p:cNvGrpSpPr/>
+        <p:nvPr/>
+      </p:nvGrpSpPr>
+      <p:grpSpPr>
+        <a:xfrm>
+          <a:off x="0" y="0"/>
+          <a:ext cx="0" cy="0"/>
+          <a:chOff x="0" y="0"/>
+          <a:chExt cx="0" cy="0"/>
+        </a:xfrm>
+      </p:grpSpPr>
+      <p:sp>
+        <p:nvSpPr>
+          <p:cNvPr id="2" name="Title 1"/>
+          <p:cNvSpPr>
+            <a:spLocks noGrp="1"/>
+          </p:cNvSpPr>
+          <p:nvPr>
+            <p:ph type="title"/>
+          </p:nvPr>
+        </p:nvSpPr>
+        <p:spPr/>
+        <p:txBody>
+          <a:bodyPr>
+            <a:normAutofit/>
+          </a:bodyPr>
+          <a:lstStyle/>
+          <a:p>
+            <a:r>
+              <a:rPr lang="en-US" dirty="0" smtClean="0"/>
+              <a:t>References</a:t>
+            </a:r>
+            <a:endParaRPr lang="en-US" dirty="0"/>
+          </a:p>
+        </p:txBody>
+      </p:sp>
+      <p:sp>
+        <p:nvSpPr>
+          <p:cNvPr id="3" name="Content Placeholder 2"/>
+          <p:cNvSpPr>
+            <a:spLocks noGrp="1"/>
+          </p:cNvSpPr>
+          <p:nvPr>
+            <p:ph idx="1"/>
+          </p:nvPr>
+        </p:nvSpPr>
+        <p:spPr/>
+        <p:txBody>
+          <a:bodyPr>
+            <a:normAutofit/>
+          </a:bodyPr>
+          <a:lstStyle/>
+          <a:p>
+            <a:r>
+              <a:rPr lang="en-US" sz="2800" dirty="0" smtClean="0"/>
+              <a:t>Install </a:t>
+            </a:r>
+            <a:r>
+              <a:rPr lang="en-US" sz="2800" dirty="0" err="1" smtClean="0"/>
+              <a:t>WebSphere</a:t>
+            </a:r>
+            <a:r>
+              <a:rPr lang="en-US" sz="2800" dirty="0" smtClean="0"/>
+              <a:t> Application Server V6.0 for Linux on POWER (</a:t>
+            </a:r>
+            <a:r>
+              <a:rPr lang="en-US" sz="2800" dirty="0" smtClean="0">
+                <a:hlinkClick r:id="rId2"/>
+              </a:rPr>
+              <a:t>http://www.ibm.com/developerworks/systems/library/es-webapp/index.html</a:t>
+            </a:r>
+            <a:r>
+              <a:rPr lang="en-US" sz="2800" dirty="0" smtClean="0"/>
+              <a:t>)</a:t>
+            </a:r>
+          </a:p>
+          <a:p>
+            <a:r>
+              <a:rPr lang="en-US" sz="2800" dirty="0" err="1" smtClean="0"/>
+              <a:t>WebSphere</a:t>
+            </a:r>
+            <a:r>
+              <a:rPr lang="en-US" sz="2800" dirty="0" smtClean="0"/>
+              <a:t> Application Server 6.1 Headless Install (</a:t>
+            </a:r>
+            <a:r>
+              <a:rPr lang="en-US" sz="2800" dirty="0" smtClean="0">
+                <a:hlinkClick r:id="rId3"/>
+              </a:rPr>
+              <a:t>http://bishop.camp.clarkson.edu/wiki/en/WebSphere_Application_Server_6.1_Headless_Install</a:t>
+            </a:r>
+            <a:r>
+              <a:rPr lang="en-US" sz="2800" dirty="0" smtClean="0"/>
+              <a:t>)</a:t>
+            </a:r>
+            <a:endParaRPr lang="en-US" sz="2800" dirty="0"/>
+          </a:p>
+        </p:txBody>
+      </p:sp>
+    </p:spTree>
+  </p:cSld>
+  <p:clrMapOvr>
+    <a:masterClrMapping/>
+  </p:clrMapOvr>
+  <p:timing>
+    <p:tnLst>
+      <p:par>
+        <p:cTn id="1" dur="indefinite" restart="never" nodeType="tmRoot"/>
+      </p:par>
+    </p:tnLst>
+  </p:timing>
 </p:sld>
 </file>
 
@@ -6865,7 +6181,7 @@
           <a:p>
             <a:r>
               <a:rPr lang="en-US" dirty="0" smtClean="0"/>
-              <a:t>Application Monitoring</a:t>
+              <a:t>References</a:t>
             </a:r>
             <a:endParaRPr lang="en-US" dirty="0"/>
           </a:p>
@@ -6873,87 +6189,68 @@
       </p:sp>
       <p:sp>
         <p:nvSpPr>
-          <p:cNvPr id="3" name="Text Placeholder 2"/>
-          <p:cNvSpPr>
-            <a:spLocks noGrp="1"/>
-          </p:cNvSpPr>
-          <p:nvPr>
-            <p:ph type="body" idx="1"/>
-          </p:nvPr>
-        </p:nvSpPr>
-        <p:spPr/>
-        <p:txBody>
-          <a:bodyPr/>
+          <p:cNvPr id="3" name="Content Placeholder 2"/>
+          <p:cNvSpPr>
+            <a:spLocks noGrp="1"/>
+          </p:cNvSpPr>
+          <p:nvPr>
+            <p:ph idx="1"/>
+          </p:nvPr>
+        </p:nvSpPr>
+        <p:spPr/>
+        <p:txBody>
+          <a:bodyPr>
+            <a:normAutofit fontScale="77500" lnSpcReduction="20000"/>
+          </a:bodyPr>
           <a:lstStyle/>
           <a:p>
             <a:r>
               <a:rPr lang="en-US" dirty="0" smtClean="0"/>
-              <a:t>Part 3: Importing data from IBM Tivoli database products</a:t>
+              <a:t>Using IBM Rational Performance Tester: Application Monitoring Part 1, Configuring your environment (</a:t>
+            </a:r>
+            <a:r>
+              <a:rPr lang="en-US" dirty="0" smtClean="0">
+                <a:hlinkClick r:id="rId2"/>
+              </a:rPr>
+              <a:t>http://www.ibm.com/developerworks/rational/library/07/0515_patel/index.html</a:t>
+            </a:r>
+            <a:r>
+              <a:rPr lang="en-US" dirty="0" smtClean="0"/>
+              <a:t>)</a:t>
+            </a:r>
+          </a:p>
+          <a:p>
+            <a:r>
+              <a:rPr lang="en-US" dirty="0" smtClean="0"/>
+              <a:t>Using IBM Rational Performance Tester: Application Monitoring Part 2, Enabling real-time monitoring (</a:t>
+            </a:r>
+            <a:r>
+              <a:rPr lang="en-US" dirty="0" smtClean="0">
+                <a:hlinkClick r:id="rId3"/>
+              </a:rPr>
+              <a:t>http://www.ibm.com/developerworks/rational/library/07/0515_patel2/index.html</a:t>
+            </a:r>
+            <a:r>
+              <a:rPr lang="en-US" dirty="0" smtClean="0"/>
+              <a:t>)</a:t>
+            </a:r>
+          </a:p>
+          <a:p>
+            <a:r>
+              <a:rPr lang="en-US" dirty="0" smtClean="0"/>
+              <a:t>Using IBM Rational Performance Tester: Application monitoring, Part 3: Importing data from IBM Tivoli database products (</a:t>
+            </a:r>
+            <a:r>
+              <a:rPr lang="en-US" dirty="0" smtClean="0">
+                <a:hlinkClick r:id="rId4"/>
+              </a:rPr>
+              <a:t>http://www.ibm.com/developerworks/rational/library/07/0605_patel/index.html</a:t>
+            </a:r>
+            <a:r>
+              <a:rPr lang="en-US" dirty="0" smtClean="0"/>
+              <a:t>)</a:t>
             </a:r>
             <a:endParaRPr lang="en-US" dirty="0"/>
-          </a:p>
-        </p:txBody>
-      </p:sp>
-    </p:spTree>
-  </p:cSld>
-  <p:clrMapOvr>
-    <a:masterClrMapping/>
-  </p:clrMapOvr>
-</p:sld>
-</file>
-
-<file path=ppt/slides/slide29.xml><?xml version="1.0" encoding="utf-8"?>
-<p:sld xmlns:a="http://schemas.openxmlformats.org/drawingml/2006/main" xmlns:r="http://schemas.openxmlformats.org/officeDocument/2006/relationships" xmlns:p="http://schemas.openxmlformats.org/presentationml/2006/main">
-  <p:cSld>
-    <p:spTree>
-      <p:nvGrpSpPr>
-        <p:cNvPr id="1" name=""/>
-        <p:cNvGrpSpPr/>
-        <p:nvPr/>
-      </p:nvGrpSpPr>
-      <p:grpSpPr>
-        <a:xfrm>
-          <a:off x="0" y="0"/>
-          <a:ext cx="0" cy="0"/>
-          <a:chOff x="0" y="0"/>
-          <a:chExt cx="0" cy="0"/>
-        </a:xfrm>
-      </p:grpSpPr>
-      <p:sp>
-        <p:nvSpPr>
-          <p:cNvPr id="4" name="Title 3"/>
-          <p:cNvSpPr>
-            <a:spLocks noGrp="1"/>
-          </p:cNvSpPr>
-          <p:nvPr>
-            <p:ph type="title"/>
-          </p:nvPr>
-        </p:nvSpPr>
-        <p:spPr/>
-        <p:txBody>
-          <a:bodyPr/>
-          <a:lstStyle/>
-          <a:p>
-            <a:endParaRPr lang="en-US"/>
-          </a:p>
-        </p:txBody>
-      </p:sp>
-      <p:sp>
-        <p:nvSpPr>
-          <p:cNvPr id="5" name="Content Placeholder 4"/>
-          <p:cNvSpPr>
-            <a:spLocks noGrp="1"/>
-          </p:cNvSpPr>
-          <p:nvPr>
-            <p:ph idx="1"/>
-          </p:nvPr>
-        </p:nvSpPr>
-        <p:spPr/>
-        <p:txBody>
-          <a:bodyPr/>
-          <a:lstStyle/>
-          <a:p>
-            <a:endParaRPr lang="en-US"/>
           </a:p>
         </p:txBody>
       </p:sp>
@@ -6984,7 +6281,7 @@
       </p:grpSpPr>
       <p:sp>
         <p:nvSpPr>
-          <p:cNvPr id="4" name="Title 3"/>
+          <p:cNvPr id="2" name="Title 1"/>
           <p:cNvSpPr>
             <a:spLocks noGrp="1"/>
           </p:cNvSpPr>
@@ -6994,12 +6291,14 @@
         </p:nvSpPr>
         <p:spPr/>
         <p:txBody>
-          <a:bodyPr/>
+          <a:bodyPr>
+            <a:normAutofit fontScale="90000"/>
+          </a:bodyPr>
           <a:lstStyle/>
           <a:p>
             <a:r>
               <a:rPr lang="en-US" dirty="0" smtClean="0"/>
-              <a:t>Ports</a:t>
+              <a:t>Distributed Environment Complexity</a:t>
             </a:r>
             <a:endParaRPr lang="en-US" dirty="0"/>
           </a:p>
@@ -7007,7 +6306,7 @@
       </p:sp>
       <p:sp>
         <p:nvSpPr>
-          <p:cNvPr id="5" name="Content Placeholder 4"/>
+          <p:cNvPr id="3" name="Content Placeholder 2"/>
           <p:cNvSpPr>
             <a:spLocks noGrp="1"/>
           </p:cNvSpPr>
@@ -7020,41 +6319,13 @@
           <a:bodyPr/>
           <a:lstStyle/>
           <a:p>
-            <a:r>
-              <a:rPr lang="en-US" dirty="0" smtClean="0"/>
-              <a:t>10002</a:t>
-            </a:r>
-          </a:p>
-          <a:p>
-            <a:r>
-              <a:rPr lang="en-US" dirty="0" smtClean="0"/>
-              <a:t>5900</a:t>
-            </a:r>
-          </a:p>
-          <a:p>
-            <a:r>
-              <a:rPr lang="en-US" dirty="0" smtClean="0"/>
-              <a:t>5901</a:t>
-            </a:r>
-          </a:p>
-          <a:p>
-            <a:r>
-              <a:rPr lang="en-US" dirty="0" smtClean="0"/>
-              <a:t>9080</a:t>
-            </a:r>
-          </a:p>
-          <a:p>
-            <a:r>
-              <a:rPr lang="en-US" dirty="0" smtClean="0"/>
-              <a:t>9090</a:t>
-            </a:r>
-            <a:endParaRPr lang="en-US" dirty="0"/>
+            <a:endParaRPr lang="en-US"/>
           </a:p>
         </p:txBody>
       </p:sp>
       <p:pic>
         <p:nvPicPr>
-          <p:cNvPr id="47107" name="Picture 3"/>
+          <p:cNvPr id="45058" name="Picture 2"/>
           <p:cNvPicPr>
             <a:picLocks noChangeAspect="1" noChangeArrowheads="1"/>
           </p:cNvPicPr>
@@ -7069,8 +6340,8 @@
         </p:blipFill>
         <p:spPr bwMode="auto">
           <a:xfrm>
-            <a:off x="4267200" y="1600200"/>
-            <a:ext cx="4038600" cy="4989807"/>
+            <a:off x="1676400" y="1600200"/>
+            <a:ext cx="5972175" cy="4875064"/>
           </a:xfrm>
           <a:prstGeom prst="rect">
             <a:avLst/>
@@ -7084,302 +6355,18 @@
           </a:ln>
         </p:spPr>
       </p:pic>
-      <p:sp>
-        <p:nvSpPr>
-          <p:cNvPr id="8" name="Rounded Rectangular Callout 7"/>
-          <p:cNvSpPr/>
-          <p:nvPr/>
-        </p:nvSpPr>
-        <p:spPr>
-          <a:xfrm>
-            <a:off x="5486400" y="2362200"/>
-            <a:ext cx="2895600" cy="381000"/>
-          </a:xfrm>
-          <a:prstGeom prst="wedgeRoundRectCallout">
-            <a:avLst>
-              <a:gd name="adj1" fmla="val -34325"/>
-              <a:gd name="adj2" fmla="val 90130"/>
-              <a:gd name="adj3" fmla="val 16667"/>
-            </a:avLst>
-          </a:prstGeom>
-          <a:solidFill>
-            <a:srgbClr val="FFC000"/>
-          </a:solidFill>
-        </p:spPr>
-        <p:style>
-          <a:lnRef idx="2">
-            <a:schemeClr val="accent1">
-              <a:shade val="50000"/>
-            </a:schemeClr>
-          </a:lnRef>
-          <a:fillRef idx="1">
-            <a:schemeClr val="accent1"/>
-          </a:fillRef>
-          <a:effectRef idx="0">
-            <a:schemeClr val="accent1"/>
-          </a:effectRef>
-          <a:fontRef idx="minor">
-            <a:schemeClr val="lt1"/>
-          </a:fontRef>
-        </p:style>
-        <p:txBody>
-          <a:bodyPr rtlCol="0" anchor="ctr"/>
-          <a:lstStyle/>
-          <a:p>
-            <a:pPr algn="ctr"/>
-            <a:r>
-              <a:rPr lang="en-US" dirty="0" smtClean="0"/>
-              <a:t>system-</a:t>
-            </a:r>
-            <a:r>
-              <a:rPr lang="en-US" dirty="0" err="1" smtClean="0"/>
-              <a:t>config</a:t>
-            </a:r>
-            <a:r>
-              <a:rPr lang="en-US" dirty="0" smtClean="0"/>
-              <a:t>-</a:t>
-            </a:r>
-            <a:r>
-              <a:rPr lang="en-US" dirty="0" err="1" smtClean="0"/>
-              <a:t>securitylevel</a:t>
-            </a:r>
-            <a:endParaRPr lang="en-US" dirty="0"/>
-          </a:p>
-        </p:txBody>
-      </p:sp>
     </p:spTree>
   </p:cSld>
   <p:clrMapOvr>
     <a:masterClrMapping/>
   </p:clrMapOvr>
-</p:sld>
-</file>
-
-<file path=ppt/slides/slide30.xml><?xml version="1.0" encoding="utf-8"?>
-<p:sld xmlns:a="http://schemas.openxmlformats.org/drawingml/2006/main" xmlns:r="http://schemas.openxmlformats.org/officeDocument/2006/relationships" xmlns:p="http://schemas.openxmlformats.org/presentationml/2006/main">
-  <p:cSld>
-    <p:spTree>
-      <p:nvGrpSpPr>
-        <p:cNvPr id="1" name=""/>
-        <p:cNvGrpSpPr/>
-        <p:nvPr/>
-      </p:nvGrpSpPr>
-      <p:grpSpPr>
-        <a:xfrm>
-          <a:off x="0" y="0"/>
-          <a:ext cx="0" cy="0"/>
-          <a:chOff x="0" y="0"/>
-          <a:chExt cx="0" cy="0"/>
-        </a:xfrm>
-      </p:grpSpPr>
-      <p:sp>
-        <p:nvSpPr>
-          <p:cNvPr id="2" name="Title 1"/>
-          <p:cNvSpPr>
-            <a:spLocks noGrp="1"/>
-          </p:cNvSpPr>
-          <p:nvPr>
-            <p:ph type="title"/>
-          </p:nvPr>
-        </p:nvSpPr>
-        <p:spPr/>
-        <p:txBody>
-          <a:bodyPr>
-            <a:normAutofit/>
-          </a:bodyPr>
-          <a:lstStyle/>
-          <a:p>
-            <a:r>
-              <a:rPr lang="en-US" dirty="0" smtClean="0"/>
-              <a:t>References</a:t>
-            </a:r>
-            <a:endParaRPr lang="en-US" dirty="0"/>
-          </a:p>
-        </p:txBody>
-      </p:sp>
-      <p:sp>
-        <p:nvSpPr>
-          <p:cNvPr id="3" name="Content Placeholder 2"/>
-          <p:cNvSpPr>
-            <a:spLocks noGrp="1"/>
-          </p:cNvSpPr>
-          <p:nvPr>
-            <p:ph idx="1"/>
-          </p:nvPr>
-        </p:nvSpPr>
-        <p:spPr/>
-        <p:txBody>
-          <a:bodyPr>
-            <a:normAutofit/>
-          </a:bodyPr>
-          <a:lstStyle/>
-          <a:p>
-            <a:r>
-              <a:rPr lang="en-US" sz="2800" dirty="0" smtClean="0"/>
-              <a:t>Install </a:t>
-            </a:r>
-            <a:r>
-              <a:rPr lang="en-US" sz="2800" dirty="0" err="1" smtClean="0"/>
-              <a:t>WebSphere</a:t>
-            </a:r>
-            <a:r>
-              <a:rPr lang="en-US" sz="2800" dirty="0" smtClean="0"/>
-              <a:t> Application Server V6.0 for Linux on POWER (</a:t>
-            </a:r>
-            <a:r>
-              <a:rPr lang="en-US" sz="2800" dirty="0" smtClean="0">
-                <a:hlinkClick r:id="rId2"/>
-              </a:rPr>
-              <a:t>http://www.ibm.com/developerworks/systems/library/es-webapp/index.html</a:t>
-            </a:r>
-            <a:r>
-              <a:rPr lang="en-US" sz="2800" dirty="0" smtClean="0"/>
-              <a:t>)</a:t>
-            </a:r>
-          </a:p>
-          <a:p>
-            <a:r>
-              <a:rPr lang="en-US" sz="2800" dirty="0" err="1" smtClean="0"/>
-              <a:t>WebSphere</a:t>
-            </a:r>
-            <a:r>
-              <a:rPr lang="en-US" sz="2800" dirty="0" smtClean="0"/>
-              <a:t> Application Server 6.1 Headless Install (</a:t>
-            </a:r>
-            <a:r>
-              <a:rPr lang="en-US" sz="2800" dirty="0" smtClean="0">
-                <a:hlinkClick r:id="rId3"/>
-              </a:rPr>
-              <a:t>http://bishop.camp.clarkson.edu/wiki/en/WebSphere_Application_Server_6.1_Headless_Install</a:t>
-            </a:r>
-            <a:r>
-              <a:rPr lang="en-US" sz="2800" dirty="0" smtClean="0"/>
-              <a:t>)</a:t>
-            </a:r>
-            <a:endParaRPr lang="en-US" sz="2800" dirty="0"/>
-          </a:p>
-        </p:txBody>
-      </p:sp>
-    </p:spTree>
-  </p:cSld>
-  <p:clrMapOvr>
-    <a:masterClrMapping/>
-  </p:clrMapOvr>
-</p:sld>
-</file>
-
-<file path=ppt/slides/slide31.xml><?xml version="1.0" encoding="utf-8"?>
-<p:sld xmlns:a="http://schemas.openxmlformats.org/drawingml/2006/main" xmlns:r="http://schemas.openxmlformats.org/officeDocument/2006/relationships" xmlns:p="http://schemas.openxmlformats.org/presentationml/2006/main">
-  <p:cSld>
-    <p:spTree>
-      <p:nvGrpSpPr>
-        <p:cNvPr id="1" name=""/>
-        <p:cNvGrpSpPr/>
-        <p:nvPr/>
-      </p:nvGrpSpPr>
-      <p:grpSpPr>
-        <a:xfrm>
-          <a:off x="0" y="0"/>
-          <a:ext cx="0" cy="0"/>
-          <a:chOff x="0" y="0"/>
-          <a:chExt cx="0" cy="0"/>
-        </a:xfrm>
-      </p:grpSpPr>
-      <p:sp>
-        <p:nvSpPr>
-          <p:cNvPr id="2" name="Title 1"/>
-          <p:cNvSpPr>
-            <a:spLocks noGrp="1"/>
-          </p:cNvSpPr>
-          <p:nvPr>
-            <p:ph type="title"/>
-          </p:nvPr>
-        </p:nvSpPr>
-        <p:spPr/>
-        <p:txBody>
-          <a:bodyPr/>
-          <a:lstStyle/>
-          <a:p>
-            <a:r>
-              <a:rPr lang="en-US" dirty="0" smtClean="0"/>
-              <a:t>References</a:t>
-            </a:r>
-            <a:endParaRPr lang="en-US" dirty="0"/>
-          </a:p>
-        </p:txBody>
-      </p:sp>
-      <p:sp>
-        <p:nvSpPr>
-          <p:cNvPr id="3" name="Content Placeholder 2"/>
-          <p:cNvSpPr>
-            <a:spLocks noGrp="1"/>
-          </p:cNvSpPr>
-          <p:nvPr>
-            <p:ph idx="1"/>
-          </p:nvPr>
-        </p:nvSpPr>
-        <p:spPr/>
-        <p:txBody>
-          <a:bodyPr>
-            <a:normAutofit fontScale="77500" lnSpcReduction="20000"/>
-          </a:bodyPr>
-          <a:lstStyle/>
-          <a:p>
-            <a:r>
-              <a:rPr lang="en-US" dirty="0" smtClean="0"/>
-              <a:t>Using IBM Rational Performance Tester: Application Monitoring Part 1, Configuring your environment (</a:t>
-            </a:r>
-            <a:r>
-              <a:rPr lang="en-US" dirty="0" smtClean="0">
-                <a:hlinkClick r:id="rId2"/>
-              </a:rPr>
-              <a:t>http://www.ibm.com/developerworks/rational/library/07/0515_patel/index.html</a:t>
-            </a:r>
-            <a:r>
-              <a:rPr lang="en-US" dirty="0" smtClean="0"/>
-              <a:t>)</a:t>
-            </a:r>
-          </a:p>
-          <a:p>
-            <a:r>
-              <a:rPr lang="en-US" dirty="0" smtClean="0"/>
-              <a:t>Using IBM Rational Performance Tester: Application Monitoring Part 2, Enabling real-time monitoring (</a:t>
-            </a:r>
-            <a:r>
-              <a:rPr lang="en-US" dirty="0" smtClean="0">
-                <a:hlinkClick r:id="rId3"/>
-              </a:rPr>
-              <a:t>http://www.ibm.com/developerworks/rational/library/07/0515_patel2/index.html</a:t>
-            </a:r>
-            <a:r>
-              <a:rPr lang="en-US" dirty="0" smtClean="0"/>
-              <a:t>)</a:t>
-            </a:r>
-          </a:p>
-          <a:p>
-            <a:r>
-              <a:rPr lang="en-US" dirty="0" smtClean="0"/>
-              <a:t>Using IBM Rational Performance Tester: Application monitoring, Part 3: Importing data from IBM Tivoli database products (</a:t>
-            </a:r>
-            <a:r>
-              <a:rPr lang="en-US" dirty="0" smtClean="0">
-                <a:hlinkClick r:id="rId4"/>
-              </a:rPr>
-              <a:t>http://www.ibm.com/developerworks/rational/library/07/0605_patel/index.html</a:t>
-            </a:r>
-            <a:r>
-              <a:rPr lang="en-US" dirty="0" smtClean="0"/>
-              <a:t>)</a:t>
-            </a:r>
-            <a:endParaRPr lang="en-US" dirty="0"/>
-          </a:p>
-        </p:txBody>
-      </p:sp>
-    </p:spTree>
-  </p:cSld>
-  <p:clrMapOvr>
-    <a:masterClrMapping/>
-  </p:clrMapOvr>
+  <p:timing>
+    <p:tnLst>
+      <p:par>
+        <p:cTn id="1" dur="indefinite" restart="never" nodeType="tmRoot"/>
+      </p:par>
+    </p:tnLst>
+  </p:timing>
 </p:sld>
 </file>
 
@@ -7402,7 +6389,7 @@
       </p:grpSpPr>
       <p:sp>
         <p:nvSpPr>
-          <p:cNvPr id="9" name="Title 8"/>
+          <p:cNvPr id="2" name="Title 1"/>
           <p:cNvSpPr>
             <a:spLocks noGrp="1"/>
           </p:cNvSpPr>
@@ -7412,14 +6399,12 @@
         </p:nvSpPr>
         <p:spPr/>
         <p:txBody>
-          <a:bodyPr>
-            <a:normAutofit fontScale="90000"/>
-          </a:bodyPr>
+          <a:bodyPr/>
           <a:lstStyle/>
           <a:p>
             <a:r>
               <a:rPr lang="en-US" dirty="0" smtClean="0"/>
-              <a:t>Trace data Collection Sequence with Instrumentation </a:t>
+              <a:t>Transaction Breakdown</a:t>
             </a:r>
             <a:endParaRPr lang="en-US" dirty="0"/>
           </a:p>
@@ -7427,303 +6412,67 @@
       </p:sp>
       <p:sp>
         <p:nvSpPr>
-          <p:cNvPr id="10" name="Text Placeholder 9"/>
-          <p:cNvSpPr>
-            <a:spLocks noGrp="1"/>
-          </p:cNvSpPr>
-          <p:nvPr>
-            <p:ph type="body" idx="1"/>
-          </p:nvPr>
-        </p:nvSpPr>
-        <p:spPr/>
-        <p:txBody>
-          <a:bodyPr/>
-          <a:lstStyle/>
-          <a:p>
-            <a:r>
-              <a:rPr lang="en-US" dirty="0" smtClean="0"/>
-              <a:t>Client</a:t>
-            </a:r>
-            <a:endParaRPr lang="en-US" dirty="0"/>
-          </a:p>
-        </p:txBody>
-      </p:sp>
-      <p:sp>
-        <p:nvSpPr>
-          <p:cNvPr id="11" name="Content Placeholder 10"/>
-          <p:cNvSpPr>
-            <a:spLocks noGrp="1"/>
-          </p:cNvSpPr>
-          <p:nvPr>
-            <p:ph sz="half" idx="2"/>
-          </p:nvPr>
-        </p:nvSpPr>
-        <p:spPr>
+          <p:cNvPr id="3" name="Content Placeholder 2"/>
+          <p:cNvSpPr>
+            <a:spLocks noGrp="1"/>
+          </p:cNvSpPr>
+          <p:nvPr>
+            <p:ph idx="1"/>
+          </p:nvPr>
+        </p:nvSpPr>
+        <p:spPr/>
+        <p:txBody>
+          <a:bodyPr/>
+          <a:lstStyle/>
+          <a:p>
+            <a:endParaRPr lang="en-US"/>
+          </a:p>
+        </p:txBody>
+      </p:sp>
+      <p:pic>
+        <p:nvPicPr>
+          <p:cNvPr id="46082" name="Picture 2"/>
+          <p:cNvPicPr>
+            <a:picLocks noChangeAspect="1" noChangeArrowheads="1"/>
+          </p:cNvPicPr>
+          <p:nvPr/>
+        </p:nvPicPr>
+        <p:blipFill>
+          <a:blip r:embed="rId2" cstate="print"/>
+          <a:srcRect/>
+          <a:stretch>
+            <a:fillRect/>
+          </a:stretch>
+        </p:blipFill>
+        <p:spPr bwMode="auto">
           <a:xfrm>
-            <a:off x="457200" y="4190999"/>
-            <a:ext cx="4040188" cy="1935163"/>
+            <a:off x="1676400" y="1600200"/>
+            <a:ext cx="5886450" cy="4759815"/>
           </a:xfrm>
+          <a:prstGeom prst="rect">
+            <a:avLst/>
+          </a:prstGeom>
+          <a:noFill/>
+          <a:ln w="9525">
+            <a:noFill/>
+            <a:miter lim="800000"/>
+            <a:headEnd/>
+            <a:tailEnd/>
+          </a:ln>
         </p:spPr>
-        <p:txBody>
-          <a:bodyPr>
-            <a:normAutofit/>
-          </a:bodyPr>
-          <a:lstStyle/>
-          <a:p>
-            <a:pPr>
-              <a:buNone/>
-            </a:pPr>
-            <a:r>
-              <a:rPr lang="en-US" sz="1800" dirty="0" smtClean="0"/>
-              <a:t>6. Start DCI</a:t>
-            </a:r>
-          </a:p>
-          <a:p>
-            <a:pPr>
-              <a:buNone/>
-            </a:pPr>
-            <a:r>
-              <a:rPr lang="en-US" sz="1800" dirty="0" smtClean="0"/>
-              <a:t>7. Start Recording and Launching Test/Schedule via RPT</a:t>
-            </a:r>
-            <a:endParaRPr lang="en-US" sz="1800" dirty="0"/>
-          </a:p>
-        </p:txBody>
-      </p:sp>
-      <p:sp>
-        <p:nvSpPr>
-          <p:cNvPr id="12" name="Text Placeholder 11"/>
-          <p:cNvSpPr>
-            <a:spLocks noGrp="1"/>
-          </p:cNvSpPr>
-          <p:nvPr>
-            <p:ph type="body" sz="quarter" idx="3"/>
-          </p:nvPr>
-        </p:nvSpPr>
-        <p:spPr/>
-        <p:txBody>
-          <a:bodyPr/>
-          <a:lstStyle/>
-          <a:p>
-            <a:r>
-              <a:rPr lang="en-US" dirty="0" smtClean="0"/>
-              <a:t>Server</a:t>
-            </a:r>
-            <a:endParaRPr lang="en-US" dirty="0"/>
-          </a:p>
-        </p:txBody>
-      </p:sp>
-      <p:sp>
-        <p:nvSpPr>
-          <p:cNvPr id="13" name="Content Placeholder 12"/>
-          <p:cNvSpPr>
-            <a:spLocks noGrp="1"/>
-          </p:cNvSpPr>
-          <p:nvPr>
-            <p:ph sz="quarter" idx="4"/>
-          </p:nvPr>
-        </p:nvSpPr>
-        <p:spPr/>
-        <p:txBody>
-          <a:bodyPr>
-            <a:normAutofit/>
-          </a:bodyPr>
-          <a:lstStyle/>
-          <a:p>
-            <a:pPr marL="457200" indent="-457200">
-              <a:buAutoNum type="arabicPeriod"/>
-            </a:pPr>
-            <a:r>
-              <a:rPr lang="en-US" sz="1800" strike="sngStrike" dirty="0" smtClean="0"/>
-              <a:t>Start </a:t>
-            </a:r>
-            <a:r>
-              <a:rPr lang="en-US" sz="1800" strike="sngStrike" dirty="0" smtClean="0"/>
-              <a:t>IBM HTTP Server</a:t>
-            </a:r>
-          </a:p>
-          <a:p>
-            <a:pPr marL="457200" indent="-457200">
-              <a:buAutoNum type="arabicPeriod"/>
-            </a:pPr>
-            <a:r>
-              <a:rPr lang="en-US" sz="1800" dirty="0" smtClean="0"/>
-              <a:t>Start Instrumentation</a:t>
-            </a:r>
-          </a:p>
-          <a:p>
-            <a:pPr marL="857250" lvl="1" indent="-457200">
-              <a:buFont typeface="Wingdings" pitchFamily="2" charset="2"/>
-              <a:buChar char="§"/>
-            </a:pPr>
-            <a:r>
-              <a:rPr lang="en-US" sz="1800" dirty="0" smtClean="0"/>
-              <a:t>instrumentServer.sh …</a:t>
-            </a:r>
-          </a:p>
-          <a:p>
-            <a:pPr marL="457200" indent="-457200">
-              <a:buAutoNum type="arabicPeriod"/>
-            </a:pPr>
-            <a:r>
-              <a:rPr lang="en-US" sz="1800" dirty="0" smtClean="0"/>
-              <a:t>Start Agent Controller</a:t>
-            </a:r>
-          </a:p>
-          <a:p>
-            <a:pPr marL="457200" indent="-457200">
-              <a:buAutoNum type="arabicPeriod"/>
-            </a:pPr>
-            <a:r>
-              <a:rPr lang="en-US" sz="1800" dirty="0" smtClean="0"/>
-              <a:t>Start </a:t>
-            </a:r>
-            <a:r>
-              <a:rPr lang="en-US" sz="1800" dirty="0" smtClean="0"/>
-              <a:t>DCI</a:t>
-            </a:r>
-          </a:p>
-          <a:p>
-            <a:pPr marL="457200" indent="-457200">
-              <a:buFont typeface="Wingdings" pitchFamily="2" charset="2"/>
-              <a:buAutoNum type="arabicPeriod"/>
-            </a:pPr>
-            <a:r>
-              <a:rPr lang="en-US" sz="1800" dirty="0" smtClean="0"/>
-              <a:t>Start </a:t>
-            </a:r>
-            <a:r>
-              <a:rPr lang="en-US" sz="1800" dirty="0" err="1" smtClean="0"/>
-              <a:t>WebSphere</a:t>
-            </a:r>
-            <a:r>
-              <a:rPr lang="en-US" sz="1800" dirty="0" smtClean="0"/>
-              <a:t> Application Server</a:t>
-            </a:r>
-          </a:p>
-          <a:p>
-            <a:pPr marL="457200" indent="-457200">
-              <a:buAutoNum type="arabicPeriod"/>
-            </a:pPr>
-            <a:endParaRPr lang="en-US" sz="1800" dirty="0"/>
-          </a:p>
-        </p:txBody>
-      </p:sp>
-      <p:sp>
-        <p:nvSpPr>
-          <p:cNvPr id="14" name="Rounded Rectangular Callout 13"/>
-          <p:cNvSpPr/>
-          <p:nvPr/>
-        </p:nvSpPr>
-        <p:spPr>
-          <a:xfrm>
-            <a:off x="1143000" y="5715000"/>
-            <a:ext cx="2743200" cy="457200"/>
-          </a:xfrm>
-          <a:prstGeom prst="wedgeRoundRectCallout">
-            <a:avLst>
-              <a:gd name="adj1" fmla="val -33897"/>
-              <a:gd name="adj2" fmla="val -126537"/>
-              <a:gd name="adj3" fmla="val 16667"/>
-            </a:avLst>
-          </a:prstGeom>
-          <a:solidFill>
-            <a:srgbClr val="00B0F0"/>
-          </a:solidFill>
-        </p:spPr>
-        <p:style>
-          <a:lnRef idx="2">
-            <a:schemeClr val="accent1">
-              <a:shade val="50000"/>
-            </a:schemeClr>
-          </a:lnRef>
-          <a:fillRef idx="1">
-            <a:schemeClr val="accent1"/>
-          </a:fillRef>
-          <a:effectRef idx="0">
-            <a:schemeClr val="accent1"/>
-          </a:effectRef>
-          <a:fontRef idx="minor">
-            <a:schemeClr val="lt1"/>
-          </a:fontRef>
-        </p:style>
-        <p:txBody>
-          <a:bodyPr rtlCol="0" anchor="ctr"/>
-          <a:lstStyle/>
-          <a:p>
-            <a:pPr algn="ctr"/>
-            <a:r>
-              <a:rPr lang="en-US" dirty="0" smtClean="0"/>
-              <a:t>Output: Trace data (a)</a:t>
-            </a:r>
-            <a:endParaRPr lang="en-US" dirty="0"/>
-          </a:p>
-        </p:txBody>
-      </p:sp>
-      <p:sp>
-        <p:nvSpPr>
-          <p:cNvPr id="15" name="Rounded Rectangular Callout 14"/>
-          <p:cNvSpPr/>
-          <p:nvPr/>
-        </p:nvSpPr>
-        <p:spPr>
-          <a:xfrm>
-            <a:off x="5029200" y="4876800"/>
-            <a:ext cx="2743200" cy="457200"/>
-          </a:xfrm>
-          <a:prstGeom prst="wedgeRoundRectCallout">
-            <a:avLst>
-              <a:gd name="adj1" fmla="val 13966"/>
-              <a:gd name="adj2" fmla="val -162435"/>
-              <a:gd name="adj3" fmla="val 16667"/>
-            </a:avLst>
-          </a:prstGeom>
-          <a:solidFill>
-            <a:srgbClr val="FFC000"/>
-          </a:solidFill>
-        </p:spPr>
-        <p:style>
-          <a:lnRef idx="2">
-            <a:schemeClr val="accent1">
-              <a:shade val="50000"/>
-            </a:schemeClr>
-          </a:lnRef>
-          <a:fillRef idx="1">
-            <a:schemeClr val="accent1"/>
-          </a:fillRef>
-          <a:effectRef idx="0">
-            <a:schemeClr val="accent1"/>
-          </a:effectRef>
-          <a:fontRef idx="minor">
-            <a:schemeClr val="lt1"/>
-          </a:fontRef>
-        </p:style>
-        <p:txBody>
-          <a:bodyPr rtlCol="0" anchor="ctr"/>
-          <a:lstStyle/>
-          <a:p>
-            <a:pPr algn="ctr"/>
-            <a:r>
-              <a:rPr lang="en-US" dirty="0" smtClean="0"/>
-              <a:t>/root/</a:t>
-            </a:r>
-            <a:r>
-              <a:rPr lang="en-US" dirty="0" err="1" smtClean="0"/>
-              <a:t>perftest</a:t>
-            </a:r>
-            <a:r>
-              <a:rPr lang="en-US" dirty="0" smtClean="0"/>
-              <a:t>/start.sh</a:t>
-            </a:r>
-            <a:endParaRPr lang="en-US" dirty="0"/>
-          </a:p>
-        </p:txBody>
-      </p:sp>
+      </p:pic>
     </p:spTree>
   </p:cSld>
   <p:clrMapOvr>
     <a:masterClrMapping/>
   </p:clrMapOvr>
+  <p:timing>
+    <p:tnLst>
+      <p:par>
+        <p:cTn id="1" dur="indefinite" restart="never" nodeType="tmRoot"/>
+      </p:par>
+    </p:tnLst>
+  </p:timing>
 </p:sld>
 </file>
 
@@ -7746,7 +6495,7 @@
       </p:grpSpPr>
       <p:sp>
         <p:nvSpPr>
-          <p:cNvPr id="9" name="Title 8"/>
+          <p:cNvPr id="4" name="Title 3"/>
           <p:cNvSpPr>
             <a:spLocks noGrp="1"/>
           </p:cNvSpPr>
@@ -7763,7 +6512,11 @@
           <a:p>
             <a:r>
               <a:rPr lang="en-US" dirty="0" smtClean="0"/>
-              <a:t>Trace data Collection Sequence without Instrumentation </a:t>
+              <a:t>Correlating ARM transactions with their </a:t>
+            </a:r>
+            <a:r>
+              <a:rPr lang="en-US" dirty="0" err="1" smtClean="0"/>
+              <a:t>subtransactions</a:t>
             </a:r>
             <a:endParaRPr lang="en-US" dirty="0"/>
           </a:p>
@@ -7771,188 +6524,55 @@
       </p:sp>
       <p:sp>
         <p:nvSpPr>
-          <p:cNvPr id="10" name="Text Placeholder 9"/>
-          <p:cNvSpPr>
-            <a:spLocks noGrp="1"/>
-          </p:cNvSpPr>
-          <p:nvPr>
-            <p:ph type="body" idx="1"/>
-          </p:nvPr>
-        </p:nvSpPr>
-        <p:spPr/>
-        <p:txBody>
-          <a:bodyPr/>
-          <a:lstStyle/>
-          <a:p>
-            <a:r>
-              <a:rPr lang="en-US" dirty="0" smtClean="0"/>
-              <a:t>Client</a:t>
-            </a:r>
+          <p:cNvPr id="5" name="Content Placeholder 4"/>
+          <p:cNvSpPr>
+            <a:spLocks noGrp="1"/>
+          </p:cNvSpPr>
+          <p:nvPr>
+            <p:ph idx="1"/>
+          </p:nvPr>
+        </p:nvSpPr>
+        <p:spPr/>
+        <p:txBody>
+          <a:bodyPr/>
+          <a:lstStyle/>
+          <a:p>
             <a:endParaRPr lang="en-US" dirty="0"/>
           </a:p>
         </p:txBody>
       </p:sp>
-      <p:sp>
-        <p:nvSpPr>
-          <p:cNvPr id="11" name="Content Placeholder 10"/>
-          <p:cNvSpPr>
-            <a:spLocks noGrp="1"/>
-          </p:cNvSpPr>
-          <p:nvPr>
-            <p:ph sz="half" idx="2"/>
-          </p:nvPr>
-        </p:nvSpPr>
-        <p:spPr>
+      <p:pic>
+        <p:nvPicPr>
+          <p:cNvPr id="12291" name="Picture 3"/>
+          <p:cNvPicPr>
+            <a:picLocks noChangeAspect="1" noChangeArrowheads="1"/>
+          </p:cNvPicPr>
+          <p:nvPr/>
+        </p:nvPicPr>
+        <p:blipFill>
+          <a:blip r:embed="rId2" cstate="print"/>
+          <a:srcRect/>
+          <a:stretch>
+            <a:fillRect/>
+          </a:stretch>
+        </p:blipFill>
+        <p:spPr bwMode="auto">
           <a:xfrm>
-            <a:off x="457200" y="4190999"/>
-            <a:ext cx="4040188" cy="1935163"/>
+            <a:off x="609600" y="1600200"/>
+            <a:ext cx="7967662" cy="4572507"/>
           </a:xfrm>
+          <a:prstGeom prst="rect">
+            <a:avLst/>
+          </a:prstGeom>
+          <a:noFill/>
+          <a:ln w="9525">
+            <a:noFill/>
+            <a:miter lim="800000"/>
+            <a:headEnd/>
+            <a:tailEnd/>
+          </a:ln>
         </p:spPr>
-        <p:txBody>
-          <a:bodyPr>
-            <a:normAutofit/>
-          </a:bodyPr>
-          <a:lstStyle/>
-          <a:p>
-            <a:pPr>
-              <a:buNone/>
-            </a:pPr>
-            <a:r>
-              <a:rPr lang="en-US" sz="1800" dirty="0" smtClean="0"/>
-              <a:t>6. Our plug-in analyzes trace data (b)</a:t>
-            </a:r>
-            <a:endParaRPr lang="en-US" sz="1800" dirty="0"/>
-          </a:p>
-        </p:txBody>
-      </p:sp>
-      <p:sp>
-        <p:nvSpPr>
-          <p:cNvPr id="12" name="Text Placeholder 11"/>
-          <p:cNvSpPr>
-            <a:spLocks noGrp="1"/>
-          </p:cNvSpPr>
-          <p:nvPr>
-            <p:ph type="body" sz="quarter" idx="3"/>
-          </p:nvPr>
-        </p:nvSpPr>
-        <p:spPr/>
-        <p:txBody>
-          <a:bodyPr/>
-          <a:lstStyle/>
-          <a:p>
-            <a:r>
-              <a:rPr lang="en-US" dirty="0" smtClean="0"/>
-              <a:t>Server</a:t>
-            </a:r>
-            <a:endParaRPr lang="en-US" dirty="0"/>
-          </a:p>
-        </p:txBody>
-      </p:sp>
-      <p:sp>
-        <p:nvSpPr>
-          <p:cNvPr id="13" name="Content Placeholder 12"/>
-          <p:cNvSpPr>
-            <a:spLocks noGrp="1"/>
-          </p:cNvSpPr>
-          <p:nvPr>
-            <p:ph sz="quarter" idx="4"/>
-          </p:nvPr>
-        </p:nvSpPr>
-        <p:spPr/>
-        <p:txBody>
-          <a:bodyPr>
-            <a:normAutofit/>
-          </a:bodyPr>
-          <a:lstStyle/>
-          <a:p>
-            <a:pPr marL="457200" indent="-457200">
-              <a:buAutoNum type="arabicPeriod"/>
-            </a:pPr>
-            <a:r>
-              <a:rPr lang="en-US" sz="1800" dirty="0" smtClean="0"/>
-              <a:t>Start </a:t>
-            </a:r>
-            <a:r>
-              <a:rPr lang="en-US" sz="1800" dirty="0" err="1" smtClean="0"/>
-              <a:t>WebSphere</a:t>
-            </a:r>
-            <a:r>
-              <a:rPr lang="en-US" sz="1800" dirty="0" smtClean="0"/>
-              <a:t> Application Server</a:t>
-            </a:r>
-          </a:p>
-          <a:p>
-            <a:pPr marL="457200" indent="-457200">
-              <a:buAutoNum type="arabicPeriod"/>
-            </a:pPr>
-            <a:r>
-              <a:rPr lang="en-US" sz="1800" dirty="0" smtClean="0"/>
-              <a:t>Start IBM HTTP Server</a:t>
-            </a:r>
-          </a:p>
-          <a:p>
-            <a:pPr marL="457200" indent="-457200">
-              <a:buAutoNum type="arabicPeriod"/>
-            </a:pPr>
-            <a:r>
-              <a:rPr lang="en-US" sz="1800" dirty="0" smtClean="0"/>
-              <a:t>Use TPTP to collect trace data</a:t>
-            </a:r>
-            <a:endParaRPr lang="en-US" sz="1800" dirty="0"/>
-          </a:p>
-        </p:txBody>
-      </p:sp>
-      <p:sp>
-        <p:nvSpPr>
-          <p:cNvPr id="7" name="Rounded Rectangular Callout 6"/>
-          <p:cNvSpPr/>
-          <p:nvPr/>
-        </p:nvSpPr>
-        <p:spPr>
-          <a:xfrm>
-            <a:off x="1143000" y="5562600"/>
-            <a:ext cx="2743200" cy="457200"/>
-          </a:xfrm>
-          <a:prstGeom prst="wedgeRoundRectCallout">
-            <a:avLst>
-              <a:gd name="adj1" fmla="val -35179"/>
-              <a:gd name="adj2" fmla="val -136794"/>
-              <a:gd name="adj3" fmla="val 16667"/>
-            </a:avLst>
-          </a:prstGeom>
-          <a:solidFill>
-            <a:srgbClr val="00B0F0"/>
-          </a:solidFill>
-        </p:spPr>
-        <p:style>
-          <a:lnRef idx="2">
-            <a:schemeClr val="accent1">
-              <a:shade val="50000"/>
-            </a:schemeClr>
-          </a:lnRef>
-          <a:fillRef idx="1">
-            <a:schemeClr val="accent1"/>
-          </a:fillRef>
-          <a:effectRef idx="0">
-            <a:schemeClr val="accent1"/>
-          </a:effectRef>
-          <a:fontRef idx="minor">
-            <a:schemeClr val="lt1"/>
-          </a:fontRef>
-        </p:style>
-        <p:txBody>
-          <a:bodyPr rtlCol="0" anchor="ctr"/>
-          <a:lstStyle/>
-          <a:p>
-            <a:pPr algn="ctr"/>
-            <a:r>
-              <a:rPr lang="en-US" dirty="0" smtClean="0"/>
-              <a:t>Output: Trace data (b)</a:t>
-            </a:r>
-            <a:endParaRPr lang="en-US" dirty="0"/>
-          </a:p>
-        </p:txBody>
-      </p:sp>
+      </p:pic>
     </p:spTree>
   </p:cSld>
   <p:clrMapOvr>
@@ -7990,465 +6610,70 @@
         </p:nvSpPr>
         <p:spPr/>
         <p:txBody>
-          <a:bodyPr/>
+          <a:bodyPr>
+            <a:normAutofit fontScale="90000"/>
+          </a:bodyPr>
           <a:lstStyle/>
           <a:p>
             <a:r>
               <a:rPr lang="en-US" dirty="0" smtClean="0"/>
-              <a:t>File extensions</a:t>
+              <a:t>Tivoli Just-in-Time Instrumentation Overview</a:t>
             </a:r>
             <a:endParaRPr lang="en-US" dirty="0"/>
           </a:p>
         </p:txBody>
       </p:sp>
-      <p:graphicFrame>
-        <p:nvGraphicFramePr>
-          <p:cNvPr id="9" name="Content Placeholder 8"/>
-          <p:cNvGraphicFramePr>
-            <a:graphicFrameLocks noGrp="1"/>
-          </p:cNvGraphicFramePr>
+      <p:sp>
+        <p:nvSpPr>
+          <p:cNvPr id="3" name="Content Placeholder 2"/>
+          <p:cNvSpPr>
+            <a:spLocks noGrp="1"/>
+          </p:cNvSpPr>
           <p:nvPr>
             <p:ph idx="1"/>
           </p:nvPr>
-        </p:nvGraphicFramePr>
-        <p:xfrm>
-          <a:off x="466531" y="2537927"/>
-          <a:ext cx="8238930" cy="365760"/>
-        </p:xfrm>
-        <a:graphic>
-          <a:graphicData uri="http://schemas.openxmlformats.org/drawingml/2006/table">
-            <a:tbl>
-              <a:tblPr/>
-              <a:tblGrid>
-                <a:gridCol w="8238930"/>
-              </a:tblGrid>
-              <a:tr h="0">
-                <a:tc>
-                  <a:txBody>
-                    <a:bodyPr/>
-                    <a:lstStyle/>
-                    <a:p>
-                      <a:endParaRPr lang="en-US" dirty="0"/>
-                    </a:p>
-                  </a:txBody>
-                  <a:tcPr>
-                    <a:lnL w="12700" cmpd="sng">
-                      <a:solidFill>
-                        <a:schemeClr val="tx1"/>
-                      </a:solidFill>
-                      <a:prstDash val="solid"/>
-                    </a:lnL>
-                    <a:lnR w="12700" cmpd="sng">
-                      <a:solidFill>
-                        <a:schemeClr val="tx1"/>
-                      </a:solidFill>
-                      <a:prstDash val="solid"/>
-                    </a:lnR>
-                    <a:lnT w="12700" cmpd="sng">
-                      <a:solidFill>
-                        <a:schemeClr val="tx1"/>
-                      </a:solidFill>
-                      <a:prstDash val="solid"/>
-                    </a:lnT>
-                    <a:lnB w="12700" cmpd="sng">
-                      <a:solidFill>
-                        <a:schemeClr val="tx1"/>
-                      </a:solidFill>
-                      <a:prstDash val="solid"/>
-                    </a:lnB>
-                  </a:tcPr>
-                </a:tc>
-              </a:tr>
-            </a:tbl>
-          </a:graphicData>
-        </a:graphic>
-      </p:graphicFrame>
-      <p:graphicFrame>
-        <p:nvGraphicFramePr>
-          <p:cNvPr id="8" name="Table 7"/>
-          <p:cNvGraphicFramePr>
-            <a:graphicFrameLocks noGrp="1"/>
-          </p:cNvGraphicFramePr>
+        </p:nvSpPr>
+        <p:spPr/>
+        <p:txBody>
+          <a:bodyPr/>
+          <a:lstStyle/>
+          <a:p>
+            <a:endParaRPr lang="en-US"/>
+          </a:p>
+        </p:txBody>
+      </p:sp>
+      <p:pic>
+        <p:nvPicPr>
+          <p:cNvPr id="13314" name="Picture 2"/>
+          <p:cNvPicPr>
+            <a:picLocks noChangeAspect="1" noChangeArrowheads="1"/>
+          </p:cNvPicPr>
           <p:nvPr/>
-        </p:nvGraphicFramePr>
-        <p:xfrm>
-          <a:off x="457200" y="1600200"/>
-          <a:ext cx="8229600" cy="4800598"/>
-        </p:xfrm>
-        <a:graphic>
-          <a:graphicData uri="http://schemas.openxmlformats.org/drawingml/2006/table">
-            <a:tbl>
-              <a:tblPr firstRow="1" bandRow="1">
-                <a:tableStyleId>{5C22544A-7EE6-4342-B048-85BDC9FD1C3A}</a:tableStyleId>
-              </a:tblPr>
-              <a:tblGrid>
-                <a:gridCol w="1676400"/>
-                <a:gridCol w="6553200"/>
-              </a:tblGrid>
-              <a:tr h="537197">
-                <a:tc>
-                  <a:txBody>
-                    <a:bodyPr/>
-                    <a:lstStyle/>
-                    <a:p>
-                      <a:r>
-                        <a:rPr lang="en-US" dirty="0" smtClean="0"/>
-                        <a:t>Extension</a:t>
-                      </a:r>
-                      <a:endParaRPr lang="en-US" dirty="0"/>
-                    </a:p>
-                  </a:txBody>
-                  <a:tcPr/>
-                </a:tc>
-                <a:tc>
-                  <a:txBody>
-                    <a:bodyPr/>
-                    <a:lstStyle/>
-                    <a:p>
-                      <a:r>
-                        <a:rPr lang="en-US" dirty="0" smtClean="0"/>
-                        <a:t>Description</a:t>
-                      </a:r>
-                      <a:endParaRPr lang="en-US" dirty="0"/>
-                    </a:p>
-                  </a:txBody>
-                  <a:tcPr/>
-                </a:tc>
-              </a:tr>
-              <a:tr h="503022">
-                <a:tc>
-                  <a:txBody>
-                    <a:bodyPr/>
-                    <a:lstStyle/>
-                    <a:p>
-                      <a:r>
-                        <a:rPr lang="en-US" dirty="0" err="1" smtClean="0"/>
-                        <a:t>executiondlr</a:t>
-                      </a:r>
-                      <a:endParaRPr lang="en-US" dirty="0" smtClean="0"/>
-                    </a:p>
-                  </a:txBody>
-                  <a:tcPr/>
-                </a:tc>
-                <a:tc>
-                  <a:txBody>
-                    <a:bodyPr/>
-                    <a:lstStyle/>
-                    <a:p>
-                      <a:endParaRPr lang="en-US" dirty="0"/>
-                    </a:p>
-                  </a:txBody>
-                  <a:tcPr/>
-                </a:tc>
-              </a:tr>
-              <a:tr h="537197">
-                <a:tc>
-                  <a:txBody>
-                    <a:bodyPr/>
-                    <a:lstStyle/>
-                    <a:p>
-                      <a:pPr marL="0" marR="0" indent="0" algn="l" defTabSz="914400" rtl="0" eaLnBrk="1" fontAlgn="auto" latinLnBrk="0" hangingPunct="1">
-                        <a:lnSpc>
-                          <a:spcPct val="100000"/>
-                        </a:lnSpc>
-                        <a:spcBef>
-                          <a:spcPts val="0"/>
-                        </a:spcBef>
-                        <a:spcAft>
-                          <a:spcPts val="0"/>
-                        </a:spcAft>
-                        <a:buClrTx/>
-                        <a:buSzTx/>
-                        <a:buFontTx/>
-                        <a:buNone/>
-                        <a:tabLst/>
-                        <a:defRPr/>
-                      </a:pPr>
-                      <a:r>
-                        <a:rPr lang="en-US" dirty="0" err="1" smtClean="0"/>
-                        <a:t>Trcadlr</a:t>
-                      </a:r>
-                      <a:endParaRPr lang="en-US" dirty="0" smtClean="0"/>
-                    </a:p>
-                  </a:txBody>
-                  <a:tcPr/>
-                </a:tc>
-                <a:tc>
-                  <a:txBody>
-                    <a:bodyPr/>
-                    <a:lstStyle/>
-                    <a:p>
-                      <a:endParaRPr lang="en-US" dirty="0"/>
-                    </a:p>
-                  </a:txBody>
-                  <a:tcPr/>
-                </a:tc>
-              </a:tr>
-              <a:tr h="537197">
-                <a:tc>
-                  <a:txBody>
-                    <a:bodyPr/>
-                    <a:lstStyle/>
-                    <a:p>
-                      <a:pPr marL="0" marR="0" indent="0" algn="l" defTabSz="914400" rtl="0" eaLnBrk="1" fontAlgn="auto" latinLnBrk="0" hangingPunct="1">
-                        <a:lnSpc>
-                          <a:spcPct val="100000"/>
-                        </a:lnSpc>
-                        <a:spcBef>
-                          <a:spcPts val="0"/>
-                        </a:spcBef>
-                        <a:spcAft>
-                          <a:spcPts val="0"/>
-                        </a:spcAft>
-                        <a:buClrTx/>
-                        <a:buSzTx/>
-                        <a:buFontTx/>
-                        <a:buNone/>
-                        <a:tabLst/>
-                        <a:defRPr/>
-                      </a:pPr>
-                      <a:r>
-                        <a:rPr lang="en-US" dirty="0" err="1" smtClean="0"/>
-                        <a:t>Trcaxmi</a:t>
-                      </a:r>
-                      <a:endParaRPr lang="en-US" dirty="0" smtClean="0"/>
-                    </a:p>
-                  </a:txBody>
-                  <a:tcPr/>
-                </a:tc>
-                <a:tc>
-                  <a:txBody>
-                    <a:bodyPr/>
-                    <a:lstStyle/>
-                    <a:p>
-                      <a:r>
-                        <a:rPr lang="en-US" dirty="0" smtClean="0"/>
-                        <a:t>Trace Agent</a:t>
-                      </a:r>
-                      <a:endParaRPr lang="en-US" dirty="0"/>
-                    </a:p>
-                  </a:txBody>
-                  <a:tcPr/>
-                </a:tc>
-              </a:tr>
-              <a:tr h="537197">
-                <a:tc>
-                  <a:txBody>
-                    <a:bodyPr/>
-                    <a:lstStyle/>
-                    <a:p>
-                      <a:pPr marL="0" marR="0" indent="0" algn="l" defTabSz="914400" rtl="0" eaLnBrk="1" fontAlgn="auto" latinLnBrk="0" hangingPunct="1">
-                        <a:lnSpc>
-                          <a:spcPct val="100000"/>
-                        </a:lnSpc>
-                        <a:spcBef>
-                          <a:spcPts val="0"/>
-                        </a:spcBef>
-                        <a:spcAft>
-                          <a:spcPts val="0"/>
-                        </a:spcAft>
-                        <a:buClrTx/>
-                        <a:buSzTx/>
-                        <a:buFontTx/>
-                        <a:buNone/>
-                        <a:tabLst/>
-                        <a:defRPr/>
-                      </a:pPr>
-                      <a:r>
-                        <a:rPr lang="en-US" dirty="0" err="1" smtClean="0"/>
-                        <a:t>Trciovxmi</a:t>
-                      </a:r>
-                      <a:endParaRPr lang="en-US" dirty="0" smtClean="0"/>
-                    </a:p>
-                  </a:txBody>
-                  <a:tcPr/>
-                </a:tc>
-                <a:tc>
-                  <a:txBody>
-                    <a:bodyPr/>
-                    <a:lstStyle/>
-                    <a:p>
-                      <a:endParaRPr lang="en-US" dirty="0"/>
-                    </a:p>
-                  </a:txBody>
-                  <a:tcPr/>
-                </a:tc>
-              </a:tr>
-              <a:tr h="537197">
-                <a:tc>
-                  <a:txBody>
-                    <a:bodyPr/>
-                    <a:lstStyle/>
-                    <a:p>
-                      <a:pPr marL="0" marR="0" indent="0" algn="l" defTabSz="914400" rtl="0" eaLnBrk="1" fontAlgn="auto" latinLnBrk="0" hangingPunct="1">
-                        <a:lnSpc>
-                          <a:spcPct val="100000"/>
-                        </a:lnSpc>
-                        <a:spcBef>
-                          <a:spcPts val="0"/>
-                        </a:spcBef>
-                        <a:spcAft>
-                          <a:spcPts val="0"/>
-                        </a:spcAft>
-                        <a:buClrTx/>
-                        <a:buSzTx/>
-                        <a:buFontTx/>
-                        <a:buNone/>
-                        <a:tabLst/>
-                        <a:defRPr/>
-                      </a:pPr>
-                      <a:r>
-                        <a:rPr lang="en-US" dirty="0" err="1" smtClean="0"/>
-                        <a:t>Trcmxmi</a:t>
-                      </a:r>
-                      <a:endParaRPr lang="en-US" dirty="0" smtClean="0"/>
-                    </a:p>
-                  </a:txBody>
-                  <a:tcPr/>
-                </a:tc>
-                <a:tc>
-                  <a:txBody>
-                    <a:bodyPr/>
-                    <a:lstStyle/>
-                    <a:p>
-                      <a:r>
-                        <a:rPr lang="en-US" dirty="0" smtClean="0"/>
-                        <a:t>Trace</a:t>
-                      </a:r>
-                      <a:r>
-                        <a:rPr lang="en-US" baseline="0" dirty="0" smtClean="0"/>
-                        <a:t> Monitor</a:t>
-                      </a:r>
-                      <a:endParaRPr lang="en-US" dirty="0"/>
-                    </a:p>
-                  </a:txBody>
-                  <a:tcPr/>
-                </a:tc>
-              </a:tr>
-              <a:tr h="537197">
-                <a:tc>
-                  <a:txBody>
-                    <a:bodyPr/>
-                    <a:lstStyle/>
-                    <a:p>
-                      <a:r>
-                        <a:rPr lang="en-US" dirty="0" err="1" smtClean="0"/>
-                        <a:t>Trcnxmi</a:t>
-                      </a:r>
-                      <a:endParaRPr lang="en-US" dirty="0"/>
-                    </a:p>
-                  </a:txBody>
-                  <a:tcPr/>
-                </a:tc>
-                <a:tc>
-                  <a:txBody>
-                    <a:bodyPr/>
-                    <a:lstStyle/>
-                    <a:p>
-                      <a:r>
-                        <a:rPr lang="en-US" dirty="0" smtClean="0"/>
-                        <a:t>Trace Node</a:t>
-                      </a:r>
-                      <a:endParaRPr lang="en-US" dirty="0"/>
-                    </a:p>
-                  </a:txBody>
-                  <a:tcPr/>
-                </a:tc>
-              </a:tr>
-              <a:tr h="537197">
-                <a:tc>
-                  <a:txBody>
-                    <a:bodyPr/>
-                    <a:lstStyle/>
-                    <a:p>
-                      <a:pPr marL="0" marR="0" indent="0" algn="l" defTabSz="914400" rtl="0" eaLnBrk="1" fontAlgn="auto" latinLnBrk="0" hangingPunct="1">
-                        <a:lnSpc>
-                          <a:spcPct val="100000"/>
-                        </a:lnSpc>
-                        <a:spcBef>
-                          <a:spcPts val="0"/>
-                        </a:spcBef>
-                        <a:spcAft>
-                          <a:spcPts val="0"/>
-                        </a:spcAft>
-                        <a:buClrTx/>
-                        <a:buSzTx/>
-                        <a:buFontTx/>
-                        <a:buNone/>
-                        <a:tabLst/>
-                        <a:defRPr/>
-                      </a:pPr>
-                      <a:r>
-                        <a:rPr lang="en-US" dirty="0" err="1" smtClean="0"/>
-                        <a:t>Trcpxmi</a:t>
-                      </a:r>
-                      <a:endParaRPr lang="en-US" dirty="0" smtClean="0"/>
-                    </a:p>
-                  </a:txBody>
-                  <a:tcPr/>
-                </a:tc>
-                <a:tc>
-                  <a:txBody>
-                    <a:bodyPr/>
-                    <a:lstStyle/>
-                    <a:p>
-                      <a:r>
-                        <a:rPr lang="en-US" dirty="0" smtClean="0"/>
-                        <a:t>Trace Process</a:t>
-                      </a:r>
-                      <a:endParaRPr lang="en-US" dirty="0"/>
-                    </a:p>
-                  </a:txBody>
-                  <a:tcPr/>
-                </a:tc>
-              </a:tr>
-              <a:tr h="537197">
-                <a:tc>
-                  <a:txBody>
-                    <a:bodyPr/>
-                    <a:lstStyle/>
-                    <a:p>
-                      <a:pPr marL="0" marR="0" indent="0" algn="l" defTabSz="914400" rtl="0" eaLnBrk="1" fontAlgn="auto" latinLnBrk="0" hangingPunct="1">
-                        <a:lnSpc>
-                          <a:spcPct val="100000"/>
-                        </a:lnSpc>
-                        <a:spcBef>
-                          <a:spcPts val="0"/>
-                        </a:spcBef>
-                        <a:spcAft>
-                          <a:spcPts val="0"/>
-                        </a:spcAft>
-                        <a:buClrTx/>
-                        <a:buSzTx/>
-                        <a:buFontTx/>
-                        <a:buNone/>
-                        <a:tabLst/>
-                        <a:defRPr/>
-                      </a:pPr>
-                      <a:r>
-                        <a:rPr lang="en-US" dirty="0" err="1" smtClean="0"/>
-                        <a:t>trcxml</a:t>
-                      </a:r>
-                      <a:endParaRPr lang="en-US" dirty="0" smtClean="0"/>
-                    </a:p>
-                  </a:txBody>
-                  <a:tcPr/>
-                </a:tc>
-                <a:tc>
-                  <a:txBody>
-                    <a:bodyPr/>
-                    <a:lstStyle/>
-                    <a:p>
-                      <a:endParaRPr lang="en-US" dirty="0"/>
-                    </a:p>
-                  </a:txBody>
-                  <a:tcPr/>
-                </a:tc>
-              </a:tr>
-            </a:tbl>
-          </a:graphicData>
-        </a:graphic>
-      </p:graphicFrame>
+        </p:nvPicPr>
+        <p:blipFill>
+          <a:blip r:embed="rId2" cstate="print"/>
+          <a:srcRect/>
+          <a:stretch>
+            <a:fillRect/>
+          </a:stretch>
+        </p:blipFill>
+        <p:spPr bwMode="auto">
+          <a:xfrm>
+            <a:off x="1600200" y="1600200"/>
+            <a:ext cx="6096000" cy="4727630"/>
+          </a:xfrm>
+          <a:prstGeom prst="rect">
+            <a:avLst/>
+          </a:prstGeom>
+          <a:noFill/>
+          <a:ln w="9525">
+            <a:noFill/>
+            <a:miter lim="800000"/>
+            <a:headEnd/>
+            <a:tailEnd/>
+          </a:ln>
+        </p:spPr>
+      </p:pic>
     </p:spTree>
   </p:cSld>
   <p:clrMapOvr>
@@ -8486,123 +6711,41 @@
         </p:nvSpPr>
         <p:spPr/>
         <p:txBody>
-          <a:bodyPr>
-            <a:normAutofit fontScale="90000"/>
-          </a:bodyPr>
+          <a:bodyPr/>
           <a:lstStyle/>
           <a:p>
             <a:r>
               <a:rPr lang="en-US" dirty="0" smtClean="0"/>
-              <a:t>Application Server </a:t>
-            </a:r>
-            <a:r>
-              <a:rPr lang="en-US" dirty="0" err="1" smtClean="0"/>
-              <a:t>Instrumenter</a:t>
-            </a:r>
+              <a:t>Application Monitoring</a:t>
+            </a:r>
+            <a:endParaRPr lang="en-US" dirty="0"/>
+          </a:p>
+        </p:txBody>
+      </p:sp>
+      <p:sp>
+        <p:nvSpPr>
+          <p:cNvPr id="3" name="Text Placeholder 2"/>
+          <p:cNvSpPr>
+            <a:spLocks noGrp="1"/>
+          </p:cNvSpPr>
+          <p:nvPr>
+            <p:ph type="body" idx="1"/>
+          </p:nvPr>
+        </p:nvSpPr>
+        <p:spPr/>
+        <p:txBody>
+          <a:bodyPr/>
+          <a:lstStyle/>
+          <a:p>
             <a:r>
               <a:rPr lang="en-US" dirty="0" smtClean="0"/>
-              <a:t> (ASI)</a:t>
-            </a:r>
-            <a:endParaRPr lang="en-US" dirty="0"/>
-          </a:p>
-        </p:txBody>
-      </p:sp>
-      <p:sp>
-        <p:nvSpPr>
-          <p:cNvPr id="3" name="Content Placeholder 2"/>
-          <p:cNvSpPr>
-            <a:spLocks noGrp="1"/>
-          </p:cNvSpPr>
-          <p:nvPr>
-            <p:ph idx="1"/>
-          </p:nvPr>
-        </p:nvSpPr>
-        <p:spPr/>
-        <p:txBody>
-          <a:bodyPr/>
-          <a:lstStyle/>
-          <a:p>
-            <a:endParaRPr lang="en-US"/>
-          </a:p>
-        </p:txBody>
-      </p:sp>
-      <p:pic>
-        <p:nvPicPr>
-          <p:cNvPr id="4098" name="Picture 2"/>
-          <p:cNvPicPr>
-            <a:picLocks noChangeAspect="1" noChangeArrowheads="1"/>
-          </p:cNvPicPr>
-          <p:nvPr/>
-        </p:nvPicPr>
-        <p:blipFill>
-          <a:blip r:embed="rId2" cstate="print"/>
-          <a:srcRect/>
-          <a:stretch>
-            <a:fillRect/>
-          </a:stretch>
-        </p:blipFill>
-        <p:spPr bwMode="auto">
-          <a:xfrm>
-            <a:off x="1143000" y="1676400"/>
-            <a:ext cx="5715000" cy="3810000"/>
-          </a:xfrm>
-          <a:prstGeom prst="rect">
-            <a:avLst/>
-          </a:prstGeom>
-          <a:noFill/>
-          <a:ln w="9525">
-            <a:noFill/>
-            <a:miter lim="800000"/>
-            <a:headEnd/>
-            <a:tailEnd/>
-          </a:ln>
-        </p:spPr>
-      </p:pic>
-      <p:sp>
-        <p:nvSpPr>
-          <p:cNvPr id="5" name="Rounded Rectangle 4"/>
-          <p:cNvSpPr/>
-          <p:nvPr/>
-        </p:nvSpPr>
-        <p:spPr>
-          <a:xfrm>
-            <a:off x="5791200" y="2514600"/>
-            <a:ext cx="914400" cy="228600"/>
-          </a:xfrm>
-          <a:prstGeom prst="roundRect">
-            <a:avLst>
-              <a:gd name="adj" fmla="val 21467"/>
-            </a:avLst>
-          </a:prstGeom>
-          <a:noFill/>
-          <a:ln w="38100">
-            <a:solidFill>
-              <a:srgbClr val="FF0000"/>
-            </a:solidFill>
-          </a:ln>
-        </p:spPr>
-        <p:style>
-          <a:lnRef idx="2">
-            <a:schemeClr val="accent1">
-              <a:shade val="50000"/>
-            </a:schemeClr>
-          </a:lnRef>
-          <a:fillRef idx="1">
-            <a:schemeClr val="accent1"/>
-          </a:fillRef>
-          <a:effectRef idx="0">
-            <a:schemeClr val="accent1"/>
-          </a:effectRef>
-          <a:fontRef idx="minor">
-            <a:schemeClr val="lt1"/>
-          </a:fontRef>
-        </p:style>
-        <p:txBody>
-          <a:bodyPr rtlCol="0" anchor="ctr"/>
-          <a:lstStyle/>
-          <a:p>
-            <a:pPr algn="ctr"/>
-            <a:endParaRPr lang="en-US"/>
+              <a:t>Part 1: Configuring the </a:t>
+            </a:r>
+            <a:r>
+              <a:rPr lang="en-US" dirty="0" smtClean="0"/>
+              <a:t>environment</a:t>
+            </a:r>
+            <a:endParaRPr lang="en-US" dirty="0" smtClean="0"/>
           </a:p>
         </p:txBody>
       </p:sp>
@@ -8650,15 +6793,15 @@
           <a:p>
             <a:r>
               <a:rPr lang="en-US" dirty="0" smtClean="0"/>
-              <a:t>Application Server </a:t>
+              <a:t>IBM </a:t>
             </a:r>
             <a:r>
               <a:rPr lang="en-US" dirty="0" err="1" smtClean="0"/>
-              <a:t>Instrumenter</a:t>
+              <a:t>WebSphere</a:t>
             </a:r>
             <a:r>
               <a:rPr lang="en-US" dirty="0" smtClean="0"/>
-              <a:t> (ASI)</a:t>
+              <a:t> Application Server v6.x</a:t>
             </a:r>
             <a:endParaRPr lang="en-US" dirty="0"/>
           </a:p>
@@ -8679,74 +6822,174 @@
           <a:bodyPr/>
           <a:lstStyle/>
           <a:p>
+            <a:r>
+              <a:rPr lang="en-US" dirty="0" smtClean="0">
+                <a:latin typeface="Courier New" pitchFamily="49" charset="0"/>
+                <a:cs typeface="Courier New" pitchFamily="49" charset="0"/>
+              </a:rPr>
+              <a:t>server.xml</a:t>
+            </a:r>
+            <a:r>
+              <a:rPr lang="en-US" dirty="0" smtClean="0"/>
+              <a:t> and </a:t>
+            </a:r>
+            <a:r>
+              <a:rPr lang="en-US" dirty="0" smtClean="0">
+                <a:latin typeface="Courier New" pitchFamily="49" charset="0"/>
+                <a:cs typeface="Courier New" pitchFamily="49" charset="0"/>
+              </a:rPr>
+              <a:t>variables.xml</a:t>
+            </a:r>
+          </a:p>
+          <a:p>
+            <a:pPr lvl="1"/>
+            <a:r>
+              <a:rPr lang="en-US" dirty="0" smtClean="0"/>
+              <a:t>{</a:t>
+            </a:r>
+            <a:r>
+              <a:rPr lang="en-US" dirty="0" smtClean="0"/>
+              <a:t>WAS_PROFILE_HOME}/</a:t>
+            </a:r>
+            <a:r>
+              <a:rPr lang="en-US" dirty="0" err="1" smtClean="0"/>
+              <a:t>config</a:t>
+            </a:r>
+            <a:r>
+              <a:rPr lang="en-US" dirty="0" smtClean="0"/>
+              <a:t>/cells/{</a:t>
+            </a:r>
+            <a:r>
+              <a:rPr lang="en-US" dirty="0" err="1" smtClean="0"/>
+              <a:t>cell_name</a:t>
+            </a:r>
+            <a:r>
+              <a:rPr lang="en-US" dirty="0" smtClean="0"/>
+              <a:t>}/nodes/{</a:t>
+            </a:r>
+            <a:r>
+              <a:rPr lang="en-US" dirty="0" err="1" smtClean="0"/>
+              <a:t>node_name</a:t>
+            </a:r>
+            <a:r>
+              <a:rPr lang="en-US" dirty="0" smtClean="0"/>
+              <a:t>}/servers/{</a:t>
+            </a:r>
+            <a:r>
+              <a:rPr lang="en-US" dirty="0" err="1" smtClean="0"/>
+              <a:t>server_name</a:t>
+            </a:r>
+            <a:r>
+              <a:rPr lang="en-US" dirty="0" smtClean="0"/>
+              <a:t>}</a:t>
+            </a:r>
+            <a:endParaRPr lang="en-US" dirty="0" smtClean="0"/>
+          </a:p>
+          <a:p>
+            <a:r>
+              <a:rPr lang="en-US" dirty="0" smtClean="0">
+                <a:latin typeface="Courier New" pitchFamily="49" charset="0"/>
+                <a:cs typeface="Courier New" pitchFamily="49" charset="0"/>
+              </a:rPr>
+              <a:t>prirm.xml</a:t>
+            </a:r>
+            <a:endParaRPr lang="en-US" dirty="0" smtClean="0">
+              <a:cs typeface="Courier New" pitchFamily="49" charset="0"/>
+            </a:endParaRPr>
+          </a:p>
+          <a:p>
+            <a:pPr lvl="1"/>
+            <a:r>
+              <a:rPr lang="en-US" dirty="0" smtClean="0">
+                <a:solidFill>
+                  <a:srgbClr val="FF0000"/>
+                </a:solidFill>
+              </a:rPr>
+              <a:t>P</a:t>
+            </a:r>
+            <a:r>
+              <a:rPr lang="en-US" dirty="0" smtClean="0"/>
+              <a:t>erformance </a:t>
+            </a:r>
+            <a:r>
+              <a:rPr lang="en-US" dirty="0" smtClean="0">
+                <a:solidFill>
+                  <a:srgbClr val="FF0000"/>
+                </a:solidFill>
+              </a:rPr>
+              <a:t>M</a:t>
+            </a:r>
+            <a:r>
+              <a:rPr lang="en-US" dirty="0" smtClean="0"/>
+              <a:t>onitoring </a:t>
+            </a:r>
+            <a:r>
+              <a:rPr lang="en-US" dirty="0" smtClean="0">
+                <a:solidFill>
+                  <a:srgbClr val="FF0000"/>
+                </a:solidFill>
+              </a:rPr>
+              <a:t>I</a:t>
+            </a:r>
+            <a:r>
+              <a:rPr lang="en-US" dirty="0" smtClean="0"/>
+              <a:t>nfrastructure </a:t>
+            </a:r>
+            <a:r>
+              <a:rPr lang="en-US" dirty="0" smtClean="0">
+                <a:solidFill>
+                  <a:srgbClr val="FF0000"/>
+                </a:solidFill>
+              </a:rPr>
+              <a:t>R</a:t>
+            </a:r>
+            <a:r>
+              <a:rPr lang="en-US" dirty="0" smtClean="0"/>
+              <a:t>equest </a:t>
+            </a:r>
+            <a:r>
+              <a:rPr lang="en-US" dirty="0" smtClean="0">
+                <a:solidFill>
+                  <a:srgbClr val="FF0000"/>
+                </a:solidFill>
+              </a:rPr>
+              <a:t>M</a:t>
+            </a:r>
+            <a:r>
+              <a:rPr lang="en-US" dirty="0" smtClean="0"/>
+              <a:t>etrics</a:t>
+            </a:r>
+          </a:p>
+          <a:p>
+            <a:pPr lvl="1"/>
+            <a:r>
+              <a:rPr lang="en-US" dirty="0" smtClean="0"/>
+              <a:t>{</a:t>
+            </a:r>
+            <a:r>
+              <a:rPr lang="en-US" dirty="0" smtClean="0"/>
+              <a:t>WAS_PROFILE_HOME}/</a:t>
+            </a:r>
+            <a:r>
+              <a:rPr lang="en-US" dirty="0" err="1" smtClean="0"/>
+              <a:t>config</a:t>
+            </a:r>
+            <a:r>
+              <a:rPr lang="en-US" dirty="0" smtClean="0"/>
+              <a:t>/cells/{</a:t>
+            </a:r>
+            <a:r>
+              <a:rPr lang="en-US" dirty="0" err="1" smtClean="0"/>
+              <a:t>cell_name</a:t>
+            </a:r>
+            <a:r>
+              <a:rPr lang="en-US" dirty="0" smtClean="0"/>
+              <a:t>}</a:t>
+            </a:r>
             <a:endParaRPr lang="en-US" dirty="0"/>
           </a:p>
         </p:txBody>
       </p:sp>
-      <p:pic>
-        <p:nvPicPr>
-          <p:cNvPr id="1026" name="Picture 2"/>
-          <p:cNvPicPr>
-            <a:picLocks noChangeAspect="1" noChangeArrowheads="1"/>
-          </p:cNvPicPr>
-          <p:nvPr/>
-        </p:nvPicPr>
-        <p:blipFill>
-          <a:blip r:embed="rId2" cstate="print"/>
-          <a:srcRect/>
-          <a:stretch>
-            <a:fillRect/>
-          </a:stretch>
-        </p:blipFill>
-        <p:spPr bwMode="auto">
-          <a:xfrm>
-            <a:off x="457200" y="1600200"/>
-            <a:ext cx="4057650" cy="3790950"/>
-          </a:xfrm>
-          <a:prstGeom prst="rect">
-            <a:avLst/>
-          </a:prstGeom>
-          <a:noFill/>
-          <a:ln w="9525">
-            <a:noFill/>
-            <a:miter lim="800000"/>
-            <a:headEnd/>
-            <a:tailEnd/>
-          </a:ln>
-        </p:spPr>
-      </p:pic>
-      <p:pic>
-        <p:nvPicPr>
-          <p:cNvPr id="5" name="Picture 5"/>
-          <p:cNvPicPr>
-            <a:picLocks noChangeAspect="1" noChangeArrowheads="1"/>
-          </p:cNvPicPr>
-          <p:nvPr/>
-        </p:nvPicPr>
-        <p:blipFill>
-          <a:blip r:embed="rId3" cstate="print"/>
-          <a:srcRect/>
-          <a:stretch>
-            <a:fillRect/>
-          </a:stretch>
-        </p:blipFill>
-        <p:spPr bwMode="auto">
-          <a:xfrm>
-            <a:off x="4038600" y="2362200"/>
-            <a:ext cx="4648200" cy="3781425"/>
-          </a:xfrm>
-          <a:prstGeom prst="rect">
-            <a:avLst/>
-          </a:prstGeom>
-          <a:noFill/>
-          <a:ln w="9525">
-            <a:noFill/>
-            <a:miter lim="800000"/>
-            <a:headEnd/>
-            <a:tailEnd/>
-          </a:ln>
-        </p:spPr>
-      </p:pic>
     </p:spTree>
   </p:cSld>
   <p:clrMapOvr>
@@ -8784,165 +7027,36 @@
         </p:nvSpPr>
         <p:spPr/>
         <p:txBody>
-          <a:bodyPr>
-            <a:normAutofit fontScale="90000"/>
-          </a:bodyPr>
+          <a:bodyPr/>
           <a:lstStyle/>
           <a:p>
             <a:r>
               <a:rPr lang="en-US" dirty="0" smtClean="0"/>
-              <a:t>Application Server </a:t>
-            </a:r>
-            <a:r>
-              <a:rPr lang="en-US" dirty="0" err="1" smtClean="0"/>
-              <a:t>Instrumenter</a:t>
-            </a:r>
+              <a:t>Application Monitoring</a:t>
+            </a:r>
+            <a:endParaRPr lang="en-US" dirty="0"/>
+          </a:p>
+        </p:txBody>
+      </p:sp>
+      <p:sp>
+        <p:nvSpPr>
+          <p:cNvPr id="3" name="Text Placeholder 2"/>
+          <p:cNvSpPr>
+            <a:spLocks noGrp="1"/>
+          </p:cNvSpPr>
+          <p:nvPr>
+            <p:ph type="body" idx="1"/>
+          </p:nvPr>
+        </p:nvSpPr>
+        <p:spPr/>
+        <p:txBody>
+          <a:bodyPr/>
+          <a:lstStyle/>
+          <a:p>
             <a:r>
               <a:rPr lang="en-US" dirty="0" smtClean="0"/>
-              <a:t> (ASI)</a:t>
-            </a:r>
-            <a:endParaRPr lang="en-US" dirty="0"/>
-          </a:p>
-        </p:txBody>
-      </p:sp>
-      <p:sp>
-        <p:nvSpPr>
-          <p:cNvPr id="3" name="Content Placeholder 2"/>
-          <p:cNvSpPr>
-            <a:spLocks noGrp="1"/>
-          </p:cNvSpPr>
-          <p:nvPr>
-            <p:ph idx="1"/>
-          </p:nvPr>
-        </p:nvSpPr>
-        <p:spPr/>
-        <p:txBody>
-          <a:bodyPr>
-            <a:normAutofit fontScale="85000" lnSpcReduction="20000"/>
-          </a:bodyPr>
-          <a:lstStyle/>
-          <a:p>
-            <a:r>
-              <a:rPr lang="en-US" dirty="0" smtClean="0"/>
-              <a:t>Application Server Tab</a:t>
-            </a:r>
-          </a:p>
-          <a:p>
-            <a:pPr lvl="1"/>
-            <a:r>
-              <a:rPr lang="en-US" dirty="0" smtClean="0"/>
-              <a:t>Type: IBM </a:t>
-            </a:r>
-            <a:r>
-              <a:rPr lang="en-US" dirty="0" err="1" smtClean="0"/>
-              <a:t>WebSphere</a:t>
-            </a:r>
-            <a:r>
-              <a:rPr lang="en-US" dirty="0" smtClean="0"/>
-              <a:t> Application Server v6.x</a:t>
-            </a:r>
-          </a:p>
-          <a:p>
-            <a:pPr lvl="1"/>
-            <a:r>
-              <a:rPr lang="en-US" dirty="0" smtClean="0"/>
-              <a:t>Profile name: AppSrv01</a:t>
-            </a:r>
-          </a:p>
-          <a:p>
-            <a:pPr lvl="1"/>
-            <a:r>
-              <a:rPr lang="en-US" dirty="0" smtClean="0"/>
-              <a:t>Server name: eb2-2241-grd03.csc.ncsu.edu</a:t>
-            </a:r>
-          </a:p>
-          <a:p>
-            <a:pPr lvl="1"/>
-            <a:r>
-              <a:rPr lang="en-US" dirty="0" smtClean="0"/>
-              <a:t>Server home: /opt/IBM/</a:t>
-            </a:r>
-            <a:r>
-              <a:rPr lang="en-US" dirty="0" err="1" smtClean="0"/>
-              <a:t>WebSphere</a:t>
-            </a:r>
-            <a:r>
-              <a:rPr lang="en-US" dirty="0" smtClean="0"/>
-              <a:t>/</a:t>
-            </a:r>
-            <a:r>
-              <a:rPr lang="en-US" dirty="0" err="1" smtClean="0"/>
-              <a:t>AppServer</a:t>
-            </a:r>
-            <a:endParaRPr lang="en-US" dirty="0" smtClean="0"/>
-          </a:p>
-          <a:p>
-            <a:pPr lvl="1"/>
-            <a:r>
-              <a:rPr lang="en-US" dirty="0" smtClean="0"/>
-              <a:t>User: </a:t>
-            </a:r>
-            <a:r>
-              <a:rPr lang="en-US" dirty="0" err="1" smtClean="0"/>
-              <a:t>perftest</a:t>
-            </a:r>
-            <a:endParaRPr lang="en-US" dirty="0" smtClean="0"/>
-          </a:p>
-          <a:p>
-            <a:pPr lvl="1"/>
-            <a:r>
-              <a:rPr lang="en-US" dirty="0" smtClean="0"/>
-              <a:t>Password: </a:t>
-            </a:r>
-            <a:r>
-              <a:rPr lang="en-US" dirty="0" err="1" smtClean="0"/>
-              <a:t>perftest</a:t>
-            </a:r>
-            <a:endParaRPr lang="en-US" dirty="0" smtClean="0"/>
-          </a:p>
-          <a:p>
-            <a:r>
-              <a:rPr lang="en-US" dirty="0" smtClean="0"/>
-              <a:t>Connection Tab</a:t>
-            </a:r>
-          </a:p>
-          <a:p>
-            <a:pPr lvl="1"/>
-            <a:r>
-              <a:rPr lang="en-US" dirty="0" smtClean="0"/>
-              <a:t>Host: eb2-2241-grd03.csc.ncsu.edu or ldap.ncsu.edu (?)</a:t>
-            </a:r>
-          </a:p>
-          <a:p>
-            <a:pPr lvl="1"/>
-            <a:r>
-              <a:rPr lang="en-US" dirty="0" smtClean="0"/>
-              <a:t>User: ysong2</a:t>
-            </a:r>
-          </a:p>
-          <a:p>
-            <a:pPr lvl="1"/>
-            <a:r>
-              <a:rPr lang="en-US" dirty="0" smtClean="0"/>
-              <a:t>Password: </a:t>
-            </a:r>
-            <a:r>
-              <a:rPr lang="en-US" i="1" dirty="0" smtClean="0">
-                <a:solidFill>
-                  <a:schemeClr val="bg1">
-                    <a:lumMod val="75000"/>
-                  </a:schemeClr>
-                </a:solidFill>
-              </a:rPr>
-              <a:t>&lt;?&gt;</a:t>
-            </a:r>
-            <a:endParaRPr lang="en-US" i="1" dirty="0">
-              <a:solidFill>
-                <a:schemeClr val="bg1">
-                  <a:lumMod val="75000"/>
-                </a:schemeClr>
-              </a:solidFill>
-            </a:endParaRPr>
+              <a:t>Part 2: Enabling Real-time Monitoring</a:t>
+            </a:r>
           </a:p>
         </p:txBody>
       </p:sp>
@@ -8951,6 +7065,13 @@
   <p:clrMapOvr>
     <a:masterClrMapping/>
   </p:clrMapOvr>
+  <p:timing>
+    <p:tnLst>
+      <p:par>
+        <p:cTn id="1" dur="indefinite" restart="never" nodeType="tmRoot"/>
+      </p:par>
+    </p:tnLst>
+  </p:timing>
 </p:sld>
 </file>
 

--- a/papers/DRCPA/docs/PerfTest - Application Monitoring.pptx
+++ b/papers/DRCPA/docs/PerfTest - Application Monitoring.pptx
@@ -220,7 +220,7 @@
             <a:fld id="{23B74013-A8FD-4950-914A-947FD22947D7}" type="datetimeFigureOut">
               <a:rPr lang="en-US" smtClean="0"/>
               <a:pPr/>
-              <a:t>10/1/2009</a:t>
+              <a:t>10/5/2009</a:t>
             </a:fld>
             <a:endParaRPr lang="en-US"/>
           </a:p>
@@ -673,7 +673,7 @@
             <a:fld id="{C60591B3-B4ED-4C31-8AEF-63EEC6A32F51}" type="datetimeFigureOut">
               <a:rPr lang="en-US" smtClean="0"/>
               <a:pPr/>
-              <a:t>10/1/2009</a:t>
+              <a:t>10/5/2009</a:t>
             </a:fld>
             <a:endParaRPr lang="en-US"/>
           </a:p>
@@ -840,7 +840,7 @@
             <a:fld id="{C60591B3-B4ED-4C31-8AEF-63EEC6A32F51}" type="datetimeFigureOut">
               <a:rPr lang="en-US" smtClean="0"/>
               <a:pPr/>
-              <a:t>10/1/2009</a:t>
+              <a:t>10/5/2009</a:t>
             </a:fld>
             <a:endParaRPr lang="en-US"/>
           </a:p>
@@ -1017,7 +1017,7 @@
             <a:fld id="{C60591B3-B4ED-4C31-8AEF-63EEC6A32F51}" type="datetimeFigureOut">
               <a:rPr lang="en-US" smtClean="0"/>
               <a:pPr/>
-              <a:t>10/1/2009</a:t>
+              <a:t>10/5/2009</a:t>
             </a:fld>
             <a:endParaRPr lang="en-US"/>
           </a:p>
@@ -1184,7 +1184,7 @@
             <a:fld id="{C60591B3-B4ED-4C31-8AEF-63EEC6A32F51}" type="datetimeFigureOut">
               <a:rPr lang="en-US" smtClean="0"/>
               <a:pPr/>
-              <a:t>10/1/2009</a:t>
+              <a:t>10/5/2009</a:t>
             </a:fld>
             <a:endParaRPr lang="en-US"/>
           </a:p>
@@ -1432,7 +1432,7 @@
             <a:fld id="{C60591B3-B4ED-4C31-8AEF-63EEC6A32F51}" type="datetimeFigureOut">
               <a:rPr lang="en-US" smtClean="0"/>
               <a:pPr/>
-              <a:t>10/1/2009</a:t>
+              <a:t>10/5/2009</a:t>
             </a:fld>
             <a:endParaRPr lang="en-US"/>
           </a:p>
@@ -1717,7 +1717,7 @@
             <a:fld id="{C60591B3-B4ED-4C31-8AEF-63EEC6A32F51}" type="datetimeFigureOut">
               <a:rPr lang="en-US" smtClean="0"/>
               <a:pPr/>
-              <a:t>10/1/2009</a:t>
+              <a:t>10/5/2009</a:t>
             </a:fld>
             <a:endParaRPr lang="en-US"/>
           </a:p>
@@ -2136,7 +2136,7 @@
             <a:fld id="{C60591B3-B4ED-4C31-8AEF-63EEC6A32F51}" type="datetimeFigureOut">
               <a:rPr lang="en-US" smtClean="0"/>
               <a:pPr/>
-              <a:t>10/1/2009</a:t>
+              <a:t>10/5/2009</a:t>
             </a:fld>
             <a:endParaRPr lang="en-US"/>
           </a:p>
@@ -2251,7 +2251,7 @@
             <a:fld id="{C60591B3-B4ED-4C31-8AEF-63EEC6A32F51}" type="datetimeFigureOut">
               <a:rPr lang="en-US" smtClean="0"/>
               <a:pPr/>
-              <a:t>10/1/2009</a:t>
+              <a:t>10/5/2009</a:t>
             </a:fld>
             <a:endParaRPr lang="en-US"/>
           </a:p>
@@ -2343,7 +2343,7 @@
             <a:fld id="{C60591B3-B4ED-4C31-8AEF-63EEC6A32F51}" type="datetimeFigureOut">
               <a:rPr lang="en-US" smtClean="0"/>
               <a:pPr/>
-              <a:t>10/1/2009</a:t>
+              <a:t>10/5/2009</a:t>
             </a:fld>
             <a:endParaRPr lang="en-US"/>
           </a:p>
@@ -2617,7 +2617,7 @@
             <a:fld id="{C60591B3-B4ED-4C31-8AEF-63EEC6A32F51}" type="datetimeFigureOut">
               <a:rPr lang="en-US" smtClean="0"/>
               <a:pPr/>
-              <a:t>10/1/2009</a:t>
+              <a:t>10/5/2009</a:t>
             </a:fld>
             <a:endParaRPr lang="en-US"/>
           </a:p>
@@ -2867,7 +2867,7 @@
             <a:fld id="{C60591B3-B4ED-4C31-8AEF-63EEC6A32F51}" type="datetimeFigureOut">
               <a:rPr lang="en-US" smtClean="0"/>
               <a:pPr/>
-              <a:t>10/1/2009</a:t>
+              <a:t>10/5/2009</a:t>
             </a:fld>
             <a:endParaRPr lang="en-US"/>
           </a:p>
@@ -3077,7 +3077,7 @@
             <a:fld id="{C60591B3-B4ED-4C31-8AEF-63EEC6A32F51}" type="datetimeFigureOut">
               <a:rPr lang="en-US" smtClean="0"/>
               <a:pPr/>
-              <a:t>10/1/2009</a:t>
+              <a:t>10/5/2009</a:t>
             </a:fld>
             <a:endParaRPr lang="en-US"/>
           </a:p>
@@ -3569,15 +3569,7 @@
           <a:p>
             <a:r>
               <a:rPr lang="en-US" dirty="0" smtClean="0"/>
-              <a:t>Last Updated: Oct. </a:t>
-            </a:r>
-            <a:r>
-              <a:rPr lang="en-US" dirty="0" smtClean="0"/>
-              <a:t>2, </a:t>
-            </a:r>
-            <a:r>
-              <a:rPr lang="en-US" dirty="0" smtClean="0"/>
-              <a:t>2009</a:t>
+              <a:t>Last Updated: Oct. 2, 2009</a:t>
             </a:r>
             <a:endParaRPr lang="en-US" dirty="0"/>
           </a:p>
@@ -6512,11 +6504,15 @@
           <a:p>
             <a:r>
               <a:rPr lang="en-US" dirty="0" smtClean="0"/>
-              <a:t>Correlating ARM transactions with their </a:t>
-            </a:r>
-            <a:r>
-              <a:rPr lang="en-US" dirty="0" err="1" smtClean="0"/>
-              <a:t>subtransactions</a:t>
+              <a:t>Correlating ARM transactions with </a:t>
+            </a:r>
+            <a:r>
+              <a:rPr lang="en-US" smtClean="0"/>
+              <a:t>their </a:t>
+            </a:r>
+            <a:r>
+              <a:rPr lang="en-US" smtClean="0"/>
+              <a:t>sub-transactions</a:t>
             </a:r>
             <a:endParaRPr lang="en-US" dirty="0"/>
           </a:p>
@@ -6739,13 +6735,8 @@
           <a:p>
             <a:r>
               <a:rPr lang="en-US" dirty="0" smtClean="0"/>
-              <a:t>Part 1: Configuring the </a:t>
-            </a:r>
-            <a:r>
-              <a:rPr lang="en-US" dirty="0" smtClean="0"/>
-              <a:t>environment</a:t>
-            </a:r>
-            <a:endParaRPr lang="en-US" dirty="0" smtClean="0"/>
+              <a:t>Part 1: Configuring the environment</a:t>
+            </a:r>
           </a:p>
         </p:txBody>
       </p:sp>
@@ -6845,11 +6836,7 @@
             <a:pPr lvl="1"/>
             <a:r>
               <a:rPr lang="en-US" dirty="0" smtClean="0"/>
-              <a:t>{</a:t>
-            </a:r>
-            <a:r>
-              <a:rPr lang="en-US" dirty="0" smtClean="0"/>
-              <a:t>WAS_PROFILE_HOME}/</a:t>
+              <a:t>{WAS_PROFILE_HOME}/</a:t>
             </a:r>
             <a:r>
               <a:rPr lang="en-US" dirty="0" err="1" smtClean="0"/>
@@ -6883,7 +6870,6 @@
               <a:rPr lang="en-US" dirty="0" smtClean="0"/>
               <a:t>}</a:t>
             </a:r>
-            <a:endParaRPr lang="en-US" dirty="0" smtClean="0"/>
           </a:p>
           <a:p>
             <a:r>
@@ -6964,11 +6950,7 @@
             <a:pPr lvl="1"/>
             <a:r>
               <a:rPr lang="en-US" dirty="0" smtClean="0"/>
-              <a:t>{</a:t>
-            </a:r>
-            <a:r>
-              <a:rPr lang="en-US" dirty="0" smtClean="0"/>
-              <a:t>WAS_PROFILE_HOME}/</a:t>
+              <a:t>{WAS_PROFILE_HOME}/</a:t>
             </a:r>
             <a:r>
               <a:rPr lang="en-US" dirty="0" err="1" smtClean="0"/>
